--- a/resume-templates/template3/template3.pptx
+++ b/resume-templates/template3/template3.pptx
@@ -8,7 +8,7 @@
     <p:notesMasterId r:id="rId3"/>
   </p:notesMasterIdLst>
   <p:sldIdLst>
-    <p:sldId id="266" r:id="rId2"/>
+    <p:sldId id="258" r:id="rId2"/>
   </p:sldIdLst>
   <p:sldSz cx="7874000" cy="11137900"/>
   <p:notesSz cx="6858000" cy="9144000"/>
@@ -310,11 +310,6 @@
       </a:defRPr>
     </a:lvl9pPr>
   </p:defaultTextStyle>
-  <p:extLst>
-    <p:ext uri="{EFAFB233-063F-42B5-8137-9DF3F51BA10A}">
-      <p15:sldGuideLst xmlns:p15="http://schemas.microsoft.com/office/powerpoint/2012/main"/>
-    </p:ext>
-  </p:extLst>
 </p:presentation>
 </file>
 
@@ -476,6 +471,415 @@
 
 <file path=ppt/slideLayouts/slideLayout1.xml><?xml version="1.0" encoding="utf-8"?>
 <p:sldLayout xmlns:a="http://schemas.openxmlformats.org/drawingml/2006/main" xmlns:r="http://schemas.openxmlformats.org/officeDocument/2006/relationships" xmlns:p="http://schemas.openxmlformats.org/presentationml/2006/main" type="tx">
+  <p:cSld name="Заголовок и объект">
+    <p:spTree>
+      <p:nvGrpSpPr>
+        <p:cNvPr id="1" name=""/>
+        <p:cNvGrpSpPr/>
+        <p:nvPr/>
+      </p:nvGrpSpPr>
+      <p:grpSpPr>
+        <a:xfrm>
+          <a:off x="0" y="0"/>
+          <a:ext cx="0" cy="0"/>
+          <a:chOff x="0" y="0"/>
+          <a:chExt cx="0" cy="0"/>
+        </a:xfrm>
+      </p:grpSpPr>
+      <p:sp>
+        <p:nvSpPr>
+          <p:cNvPr id="20" name="Title Text"/>
+          <p:cNvSpPr txBox="1">
+            <a:spLocks noGrp="1"/>
+          </p:cNvSpPr>
+          <p:nvPr>
+            <p:ph type="title"/>
+          </p:nvPr>
+        </p:nvSpPr>
+        <p:spPr>
+          <a:prstGeom prst="rect">
+            <a:avLst/>
+          </a:prstGeom>
+        </p:spPr>
+        <p:txBody>
+          <a:bodyPr/>
+          <a:lstStyle/>
+          <a:p>
+            <a:r>
+              <a:t>Title Text</a:t>
+            </a:r>
+          </a:p>
+        </p:txBody>
+      </p:sp>
+      <p:sp>
+        <p:nvSpPr>
+          <p:cNvPr id="21" name="Body Level One…"/>
+          <p:cNvSpPr txBox="1">
+            <a:spLocks noGrp="1"/>
+          </p:cNvSpPr>
+          <p:nvPr>
+            <p:ph type="body" idx="1"/>
+          </p:nvPr>
+        </p:nvSpPr>
+        <p:spPr>
+          <a:prstGeom prst="rect">
+            <a:avLst/>
+          </a:prstGeom>
+        </p:spPr>
+        <p:txBody>
+          <a:bodyPr/>
+          <a:lstStyle/>
+          <a:p>
+            <a:r>
+              <a:t>Body Level One</a:t>
+            </a:r>
+          </a:p>
+          <a:p>
+            <a:pPr lvl="1"/>
+            <a:r>
+              <a:t>Body Level Two</a:t>
+            </a:r>
+          </a:p>
+          <a:p>
+            <a:pPr lvl="2"/>
+            <a:r>
+              <a:t>Body Level Three</a:t>
+            </a:r>
+          </a:p>
+          <a:p>
+            <a:pPr lvl="3"/>
+            <a:r>
+              <a:t>Body Level Four</a:t>
+            </a:r>
+          </a:p>
+          <a:p>
+            <a:pPr lvl="4"/>
+            <a:r>
+              <a:t>Body Level Five</a:t>
+            </a:r>
+          </a:p>
+        </p:txBody>
+      </p:sp>
+      <p:sp>
+        <p:nvSpPr>
+          <p:cNvPr id="22" name="01"/>
+          <p:cNvSpPr txBox="1">
+            <a:spLocks noGrp="1"/>
+          </p:cNvSpPr>
+          <p:nvPr>
+            <p:ph type="sldNum" sz="quarter" idx="2"/>
+          </p:nvPr>
+        </p:nvSpPr>
+        <p:spPr>
+          <a:prstGeom prst="rect">
+            <a:avLst/>
+          </a:prstGeom>
+        </p:spPr>
+        <p:txBody>
+          <a:bodyPr/>
+          <a:lstStyle/>
+          <a:p>
+            <a:fld id="{86CB4B4D-7CA3-9044-876B-883B54F8677D}" type="slidenum">
+              <a:t>‹#›</a:t>
+            </a:fld>
+            <a:endParaRPr/>
+          </a:p>
+        </p:txBody>
+      </p:sp>
+    </p:spTree>
+  </p:cSld>
+  <p:clrMapOvr>
+    <a:masterClrMapping/>
+  </p:clrMapOvr>
+  <p:transition spd="med"/>
+</p:sldLayout>
+</file>
+
+<file path=ppt/slideLayouts/slideLayout10.xml><?xml version="1.0" encoding="utf-8"?>
+<p:sldLayout xmlns:a="http://schemas.openxmlformats.org/drawingml/2006/main" xmlns:r="http://schemas.openxmlformats.org/officeDocument/2006/relationships" xmlns:p="http://schemas.openxmlformats.org/presentationml/2006/main" type="tx">
+  <p:cSld name="Заголовок и пункты">
+    <p:spTree>
+      <p:nvGrpSpPr>
+        <p:cNvPr id="1" name=""/>
+        <p:cNvGrpSpPr/>
+        <p:nvPr/>
+      </p:nvGrpSpPr>
+      <p:grpSpPr>
+        <a:xfrm>
+          <a:off x="0" y="0"/>
+          <a:ext cx="0" cy="0"/>
+          <a:chOff x="0" y="0"/>
+          <a:chExt cx="0" cy="0"/>
+        </a:xfrm>
+      </p:grpSpPr>
+      <p:sp>
+        <p:nvSpPr>
+          <p:cNvPr id="102" name="Body Level One…"/>
+          <p:cNvSpPr txBox="1">
+            <a:spLocks noGrp="1"/>
+          </p:cNvSpPr>
+          <p:nvPr>
+            <p:ph type="body" sz="quarter" idx="1" hasCustomPrompt="1"/>
+          </p:nvPr>
+        </p:nvSpPr>
+        <p:spPr>
+          <a:xfrm>
+            <a:off x="1301439" y="4698119"/>
+            <a:ext cx="5271122" cy="2768204"/>
+          </a:xfrm>
+          <a:prstGeom prst="rect">
+            <a:avLst/>
+          </a:prstGeom>
+        </p:spPr>
+        <p:txBody>
+          <a:bodyPr lIns="23068" tIns="23068" rIns="23068" bIns="23068"/>
+          <a:lstStyle>
+            <a:lvl1pPr marL="190500" indent="-190500" defTabSz="1980021">
+              <a:lnSpc>
+                <a:spcPct val="110000"/>
+              </a:lnSpc>
+              <a:spcBef>
+                <a:spcPts val="3600"/>
+              </a:spcBef>
+              <a:buSzPct val="123000"/>
+              <a:buFontTx/>
+              <a:defRPr sz="1500">
+                <a:latin typeface="+mn-lt"/>
+                <a:ea typeface="+mn-ea"/>
+                <a:cs typeface="+mn-cs"/>
+                <a:sym typeface="Helvetica"/>
+              </a:defRPr>
+            </a:lvl1pPr>
+            <a:lvl2pPr marL="571500" indent="-190500" defTabSz="1980021">
+              <a:lnSpc>
+                <a:spcPct val="110000"/>
+              </a:lnSpc>
+              <a:spcBef>
+                <a:spcPts val="3600"/>
+              </a:spcBef>
+              <a:buSzPct val="123000"/>
+              <a:buFontTx/>
+              <a:defRPr sz="1500">
+                <a:latin typeface="+mn-lt"/>
+                <a:ea typeface="+mn-ea"/>
+                <a:cs typeface="+mn-cs"/>
+                <a:sym typeface="Helvetica"/>
+              </a:defRPr>
+            </a:lvl2pPr>
+            <a:lvl3pPr marL="952500" indent="-190500" defTabSz="1980021">
+              <a:lnSpc>
+                <a:spcPct val="110000"/>
+              </a:lnSpc>
+              <a:spcBef>
+                <a:spcPts val="3600"/>
+              </a:spcBef>
+              <a:buSzPct val="123000"/>
+              <a:buFontTx/>
+              <a:defRPr sz="1500">
+                <a:latin typeface="+mn-lt"/>
+                <a:ea typeface="+mn-ea"/>
+                <a:cs typeface="+mn-cs"/>
+                <a:sym typeface="Helvetica"/>
+              </a:defRPr>
+            </a:lvl3pPr>
+            <a:lvl4pPr marL="1333500" indent="-190500" defTabSz="1980021">
+              <a:lnSpc>
+                <a:spcPct val="110000"/>
+              </a:lnSpc>
+              <a:spcBef>
+                <a:spcPts val="3600"/>
+              </a:spcBef>
+              <a:buSzPct val="123000"/>
+              <a:buFontTx/>
+              <a:defRPr sz="1500">
+                <a:latin typeface="+mn-lt"/>
+                <a:ea typeface="+mn-ea"/>
+                <a:cs typeface="+mn-cs"/>
+                <a:sym typeface="Helvetica"/>
+              </a:defRPr>
+            </a:lvl4pPr>
+            <a:lvl5pPr marL="1714500" indent="-190500" defTabSz="1980021">
+              <a:lnSpc>
+                <a:spcPct val="110000"/>
+              </a:lnSpc>
+              <a:spcBef>
+                <a:spcPts val="3600"/>
+              </a:spcBef>
+              <a:buSzPct val="123000"/>
+              <a:buFontTx/>
+              <a:defRPr sz="1500">
+                <a:latin typeface="+mn-lt"/>
+                <a:ea typeface="+mn-ea"/>
+                <a:cs typeface="+mn-cs"/>
+                <a:sym typeface="Helvetica"/>
+              </a:defRPr>
+            </a:lvl5pPr>
+          </a:lstStyle>
+          <a:p>
+            <a:r>
+              <a:t>Текст пункта на слайде</a:t>
+            </a:r>
+          </a:p>
+          <a:p>
+            <a:pPr lvl="1"/>
+            <a:endParaRPr/>
+          </a:p>
+          <a:p>
+            <a:pPr lvl="2"/>
+            <a:endParaRPr/>
+          </a:p>
+          <a:p>
+            <a:pPr lvl="3"/>
+            <a:endParaRPr/>
+          </a:p>
+          <a:p>
+            <a:pPr lvl="4"/>
+            <a:endParaRPr/>
+          </a:p>
+        </p:txBody>
+      </p:sp>
+      <p:sp>
+        <p:nvSpPr>
+          <p:cNvPr id="103" name="Подзаголовок слайда"/>
+          <p:cNvSpPr txBox="1">
+            <a:spLocks noGrp="1"/>
+          </p:cNvSpPr>
+          <p:nvPr>
+            <p:ph type="body" sz="quarter" idx="21" hasCustomPrompt="1"/>
+          </p:nvPr>
+        </p:nvSpPr>
+        <p:spPr>
+          <a:xfrm>
+            <a:off x="1301439" y="3996022"/>
+            <a:ext cx="5271122" cy="305067"/>
+          </a:xfrm>
+          <a:prstGeom prst="rect">
+            <a:avLst/>
+          </a:prstGeom>
+          <a:ln w="3175"/>
+        </p:spPr>
+        <p:txBody>
+          <a:bodyPr lIns="23068" tIns="23068" rIns="23068" bIns="23068"/>
+          <a:lstStyle>
+            <a:lvl1pPr marL="0" indent="0" defTabSz="315058">
+              <a:lnSpc>
+                <a:spcPct val="100000"/>
+              </a:lnSpc>
+              <a:spcBef>
+                <a:spcPts val="0"/>
+              </a:spcBef>
+              <a:buSzTx/>
+              <a:buFontTx/>
+              <a:buNone/>
+              <a:defRPr sz="1692" b="1">
+                <a:latin typeface="Helvetica Neue"/>
+                <a:ea typeface="Helvetica Neue"/>
+                <a:cs typeface="Helvetica Neue"/>
+                <a:sym typeface="Helvetica Neue"/>
+              </a:defRPr>
+            </a:lvl1pPr>
+          </a:lstStyle>
+          <a:p>
+            <a:r>
+              <a:t>Подзаголовок слайда</a:t>
+            </a:r>
+          </a:p>
+        </p:txBody>
+      </p:sp>
+      <p:sp>
+        <p:nvSpPr>
+          <p:cNvPr id="104" name="Заголовок слайда"/>
+          <p:cNvSpPr txBox="1">
+            <a:spLocks noGrp="1"/>
+          </p:cNvSpPr>
+          <p:nvPr>
+            <p:ph type="title" hasCustomPrompt="1"/>
+          </p:nvPr>
+        </p:nvSpPr>
+        <p:spPr>
+          <a:xfrm>
+            <a:off x="1301439" y="3554313"/>
+            <a:ext cx="5271122" cy="461368"/>
+          </a:xfrm>
+          <a:prstGeom prst="rect">
+            <a:avLst/>
+          </a:prstGeom>
+        </p:spPr>
+        <p:txBody>
+          <a:bodyPr lIns="23068" tIns="23068" rIns="23068" bIns="23068" anchor="t"/>
+          <a:lstStyle>
+            <a:lvl1pPr defTabSz="1980021">
+              <a:lnSpc>
+                <a:spcPct val="80000"/>
+              </a:lnSpc>
+              <a:defRPr sz="6200" b="1" spc="-124">
+                <a:latin typeface="Helvetica Neue"/>
+                <a:ea typeface="Helvetica Neue"/>
+                <a:cs typeface="Helvetica Neue"/>
+                <a:sym typeface="Helvetica Neue"/>
+              </a:defRPr>
+            </a:lvl1pPr>
+          </a:lstStyle>
+          <a:p>
+            <a:r>
+              <a:t>Заголовок слайда</a:t>
+            </a:r>
+          </a:p>
+        </p:txBody>
+      </p:sp>
+      <p:sp>
+        <p:nvSpPr>
+          <p:cNvPr id="105" name="01"/>
+          <p:cNvSpPr txBox="1">
+            <a:spLocks noGrp="1"/>
+          </p:cNvSpPr>
+          <p:nvPr>
+            <p:ph type="sldNum" sz="quarter" idx="2"/>
+          </p:nvPr>
+        </p:nvSpPr>
+        <p:spPr>
+          <a:xfrm>
+            <a:off x="3821309" y="7452169"/>
+            <a:ext cx="228306" cy="219670"/>
+          </a:xfrm>
+          <a:prstGeom prst="rect">
+            <a:avLst/>
+          </a:prstGeom>
+        </p:spPr>
+        <p:txBody>
+          <a:bodyPr lIns="23068" tIns="23068" rIns="23068" bIns="23068" anchor="b"/>
+          <a:lstStyle>
+            <a:lvl1pPr algn="ctr" defTabSz="667113">
+              <a:defRPr sz="1200">
+                <a:solidFill>
+                  <a:srgbClr val="000000"/>
+                </a:solidFill>
+                <a:latin typeface="Helvetica Neue"/>
+                <a:ea typeface="Helvetica Neue"/>
+                <a:cs typeface="Helvetica Neue"/>
+                <a:sym typeface="Helvetica Neue"/>
+              </a:defRPr>
+            </a:lvl1pPr>
+          </a:lstStyle>
+          <a:p>
+            <a:fld id="{86CB4B4D-7CA3-9044-876B-883B54F8677D}" type="slidenum">
+              <a:t>‹#›</a:t>
+            </a:fld>
+            <a:endParaRPr/>
+          </a:p>
+        </p:txBody>
+      </p:sp>
+    </p:spTree>
+  </p:cSld>
+  <p:clrMapOvr>
+    <a:masterClrMapping/>
+  </p:clrMapOvr>
+  <p:transition spd="med"/>
+</p:sldLayout>
+</file>
+
+<file path=ppt/slideLayouts/slideLayout2.xml><?xml version="1.0" encoding="utf-8"?>
+<p:sldLayout xmlns:a="http://schemas.openxmlformats.org/drawingml/2006/main" xmlns:r="http://schemas.openxmlformats.org/officeDocument/2006/relationships" xmlns:p="http://schemas.openxmlformats.org/presentationml/2006/main" type="tx">
   <p:cSld name="Заголовок раздела">
     <p:spTree>
       <p:nvGrpSpPr>
@@ -493,7 +897,7 @@
       </p:grpSpPr>
       <p:sp>
         <p:nvSpPr>
-          <p:cNvPr id="29" name="Текст заголовка"/>
+          <p:cNvPr id="29" name="Title Text"/>
           <p:cNvSpPr txBox="1">
             <a:spLocks noGrp="1"/>
           </p:cNvSpPr>
@@ -519,14 +923,14 @@
           </a:lstStyle>
           <a:p>
             <a:r>
-              <a:t>Текст заголовка</a:t>
+              <a:t>Title Text</a:t>
             </a:r>
           </a:p>
         </p:txBody>
       </p:sp>
       <p:sp>
         <p:nvSpPr>
-          <p:cNvPr id="30" name="Уровень текста 1…"/>
+          <p:cNvPr id="30" name="Body Level One…"/>
           <p:cNvSpPr txBox="1">
             <a:spLocks noGrp="1"/>
           </p:cNvSpPr>
@@ -579,38 +983,38 @@
           </a:lstStyle>
           <a:p>
             <a:r>
-              <a:t>Уровень текста 1</a:t>
+              <a:t>Body Level One</a:t>
             </a:r>
           </a:p>
           <a:p>
             <a:pPr lvl="1"/>
             <a:r>
-              <a:t>Уровень текста 2</a:t>
+              <a:t>Body Level Two</a:t>
             </a:r>
           </a:p>
           <a:p>
             <a:pPr lvl="2"/>
             <a:r>
-              <a:t>Уровень текста 3</a:t>
+              <a:t>Body Level Three</a:t>
             </a:r>
           </a:p>
           <a:p>
             <a:pPr lvl="3"/>
             <a:r>
-              <a:t>Уровень текста 4</a:t>
+              <a:t>Body Level Four</a:t>
             </a:r>
           </a:p>
           <a:p>
             <a:pPr lvl="4"/>
             <a:r>
-              <a:t>Уровень текста 5</a:t>
+              <a:t>Body Level Five</a:t>
             </a:r>
           </a:p>
         </p:txBody>
       </p:sp>
       <p:sp>
         <p:nvSpPr>
-          <p:cNvPr id="31" name="Номер слайда"/>
+          <p:cNvPr id="31" name="01"/>
           <p:cNvSpPr txBox="1">
             <a:spLocks noGrp="1"/>
           </p:cNvSpPr>
@@ -643,7 +1047,7 @@
 </p:sldLayout>
 </file>
 
-<file path=ppt/slideLayouts/slideLayout2.xml><?xml version="1.0" encoding="utf-8"?>
+<file path=ppt/slideLayouts/slideLayout3.xml><?xml version="1.0" encoding="utf-8"?>
 <p:sldLayout xmlns:a="http://schemas.openxmlformats.org/drawingml/2006/main" xmlns:r="http://schemas.openxmlformats.org/officeDocument/2006/relationships" xmlns:p="http://schemas.openxmlformats.org/presentationml/2006/main" type="tx">
   <p:cSld name="Два объекта">
     <p:spTree>
@@ -662,7 +1066,7 @@
       </p:grpSpPr>
       <p:sp>
         <p:nvSpPr>
-          <p:cNvPr id="38" name="Текст заголовка"/>
+          <p:cNvPr id="38" name="Title Text"/>
           <p:cNvSpPr txBox="1">
             <a:spLocks noGrp="1"/>
           </p:cNvSpPr>
@@ -680,14 +1084,14 @@
           <a:lstStyle/>
           <a:p>
             <a:r>
-              <a:t>Текст заголовка</a:t>
+              <a:t>Title Text</a:t>
             </a:r>
           </a:p>
         </p:txBody>
       </p:sp>
       <p:sp>
         <p:nvSpPr>
-          <p:cNvPr id="39" name="Уровень текста 1…"/>
+          <p:cNvPr id="39" name="Body Level One…"/>
           <p:cNvSpPr txBox="1">
             <a:spLocks noGrp="1"/>
           </p:cNvSpPr>
@@ -709,38 +1113,38 @@
           <a:lstStyle/>
           <a:p>
             <a:r>
-              <a:t>Уровень текста 1</a:t>
+              <a:t>Body Level One</a:t>
             </a:r>
           </a:p>
           <a:p>
             <a:pPr lvl="1"/>
             <a:r>
-              <a:t>Уровень текста 2</a:t>
+              <a:t>Body Level Two</a:t>
             </a:r>
           </a:p>
           <a:p>
             <a:pPr lvl="2"/>
             <a:r>
-              <a:t>Уровень текста 3</a:t>
+              <a:t>Body Level Three</a:t>
             </a:r>
           </a:p>
           <a:p>
             <a:pPr lvl="3"/>
             <a:r>
-              <a:t>Уровень текста 4</a:t>
+              <a:t>Body Level Four</a:t>
             </a:r>
           </a:p>
           <a:p>
             <a:pPr lvl="4"/>
             <a:r>
-              <a:t>Уровень текста 5</a:t>
+              <a:t>Body Level Five</a:t>
             </a:r>
           </a:p>
         </p:txBody>
       </p:sp>
       <p:sp>
         <p:nvSpPr>
-          <p:cNvPr id="40" name="Номер слайда"/>
+          <p:cNvPr id="40" name="01"/>
           <p:cNvSpPr txBox="1">
             <a:spLocks noGrp="1"/>
           </p:cNvSpPr>
@@ -773,7 +1177,7 @@
 </p:sldLayout>
 </file>
 
-<file path=ppt/slideLayouts/slideLayout3.xml><?xml version="1.0" encoding="utf-8"?>
+<file path=ppt/slideLayouts/slideLayout4.xml><?xml version="1.0" encoding="utf-8"?>
 <p:sldLayout xmlns:a="http://schemas.openxmlformats.org/drawingml/2006/main" xmlns:r="http://schemas.openxmlformats.org/officeDocument/2006/relationships" xmlns:p="http://schemas.openxmlformats.org/presentationml/2006/main" type="tx">
   <p:cSld name="Сравнение">
     <p:spTree>
@@ -792,7 +1196,7 @@
       </p:grpSpPr>
       <p:sp>
         <p:nvSpPr>
-          <p:cNvPr id="47" name="Текст заголовка"/>
+          <p:cNvPr id="47" name="Title Text"/>
           <p:cNvSpPr txBox="1">
             <a:spLocks noGrp="1"/>
           </p:cNvSpPr>
@@ -814,14 +1218,14 @@
           <a:lstStyle/>
           <a:p>
             <a:r>
-              <a:t>Текст заголовка</a:t>
+              <a:t>Title Text</a:t>
             </a:r>
           </a:p>
         </p:txBody>
       </p:sp>
       <p:sp>
         <p:nvSpPr>
-          <p:cNvPr id="48" name="Уровень текста 1…"/>
+          <p:cNvPr id="48" name="Body Level One…"/>
           <p:cNvSpPr txBox="1">
             <a:spLocks noGrp="1"/>
           </p:cNvSpPr>
@@ -874,31 +1278,31 @@
           </a:lstStyle>
           <a:p>
             <a:r>
-              <a:t>Уровень текста 1</a:t>
+              <a:t>Body Level One</a:t>
             </a:r>
           </a:p>
           <a:p>
             <a:pPr lvl="1"/>
             <a:r>
-              <a:t>Уровень текста 2</a:t>
+              <a:t>Body Level Two</a:t>
             </a:r>
           </a:p>
           <a:p>
             <a:pPr lvl="2"/>
             <a:r>
-              <a:t>Уровень текста 3</a:t>
+              <a:t>Body Level Three</a:t>
             </a:r>
           </a:p>
           <a:p>
             <a:pPr lvl="3"/>
             <a:r>
-              <a:t>Уровень текста 4</a:t>
+              <a:t>Body Level Four</a:t>
             </a:r>
           </a:p>
           <a:p>
             <a:pPr lvl="4"/>
             <a:r>
-              <a:t>Уровень текста 5</a:t>
+              <a:t>Body Level Five</a:t>
             </a:r>
           </a:p>
         </p:txBody>
@@ -938,7 +1342,7 @@
       </p:sp>
       <p:sp>
         <p:nvSpPr>
-          <p:cNvPr id="50" name="Номер слайда"/>
+          <p:cNvPr id="50" name="01"/>
           <p:cNvSpPr txBox="1">
             <a:spLocks noGrp="1"/>
           </p:cNvSpPr>
@@ -971,7 +1375,7 @@
 </p:sldLayout>
 </file>
 
-<file path=ppt/slideLayouts/slideLayout4.xml><?xml version="1.0" encoding="utf-8"?>
+<file path=ppt/slideLayouts/slideLayout5.xml><?xml version="1.0" encoding="utf-8"?>
 <p:sldLayout xmlns:a="http://schemas.openxmlformats.org/drawingml/2006/main" xmlns:r="http://schemas.openxmlformats.org/officeDocument/2006/relationships" xmlns:p="http://schemas.openxmlformats.org/presentationml/2006/main" type="tx">
   <p:cSld name="Только заголовок">
     <p:spTree>
@@ -990,7 +1394,7 @@
       </p:grpSpPr>
       <p:sp>
         <p:nvSpPr>
-          <p:cNvPr id="57" name="Текст заголовка"/>
+          <p:cNvPr id="57" name="Title Text"/>
           <p:cNvSpPr txBox="1">
             <a:spLocks noGrp="1"/>
           </p:cNvSpPr>
@@ -1008,14 +1412,14 @@
           <a:lstStyle/>
           <a:p>
             <a:r>
-              <a:t>Текст заголовка</a:t>
+              <a:t>Title Text</a:t>
             </a:r>
           </a:p>
         </p:txBody>
       </p:sp>
       <p:sp>
         <p:nvSpPr>
-          <p:cNvPr id="58" name="Номер слайда"/>
+          <p:cNvPr id="58" name="01"/>
           <p:cNvSpPr txBox="1">
             <a:spLocks noGrp="1"/>
           </p:cNvSpPr>
@@ -1048,7 +1452,7 @@
 </p:sldLayout>
 </file>
 
-<file path=ppt/slideLayouts/slideLayout5.xml><?xml version="1.0" encoding="utf-8"?>
+<file path=ppt/slideLayouts/slideLayout6.xml><?xml version="1.0" encoding="utf-8"?>
 <p:sldLayout xmlns:a="http://schemas.openxmlformats.org/drawingml/2006/main" xmlns:r="http://schemas.openxmlformats.org/officeDocument/2006/relationships" xmlns:p="http://schemas.openxmlformats.org/presentationml/2006/main" type="tx">
   <p:cSld name="Пустой слайд">
     <p:spTree>
@@ -1067,7 +1471,7 @@
       </p:grpSpPr>
       <p:sp>
         <p:nvSpPr>
-          <p:cNvPr id="65" name="Номер слайда"/>
+          <p:cNvPr id="65" name="01"/>
           <p:cNvSpPr txBox="1">
             <a:spLocks noGrp="1"/>
           </p:cNvSpPr>
@@ -1100,7 +1504,7 @@
 </p:sldLayout>
 </file>
 
-<file path=ppt/slideLayouts/slideLayout6.xml><?xml version="1.0" encoding="utf-8"?>
+<file path=ppt/slideLayouts/slideLayout7.xml><?xml version="1.0" encoding="utf-8"?>
 <p:sldLayout xmlns:a="http://schemas.openxmlformats.org/drawingml/2006/main" xmlns:r="http://schemas.openxmlformats.org/officeDocument/2006/relationships" xmlns:p="http://schemas.openxmlformats.org/presentationml/2006/main" type="tx">
   <p:cSld name="Объект с подписью">
     <p:spTree>
@@ -1119,7 +1523,7 @@
       </p:grpSpPr>
       <p:sp>
         <p:nvSpPr>
-          <p:cNvPr id="72" name="Текст заголовка"/>
+          <p:cNvPr id="72" name="Title Text"/>
           <p:cNvSpPr txBox="1">
             <a:spLocks noGrp="1"/>
           </p:cNvSpPr>
@@ -1145,14 +1549,14 @@
           </a:lstStyle>
           <a:p>
             <a:r>
-              <a:t>Текст заголовка</a:t>
+              <a:t>Title Text</a:t>
             </a:r>
           </a:p>
         </p:txBody>
       </p:sp>
       <p:sp>
         <p:nvSpPr>
-          <p:cNvPr id="73" name="Уровень текста 1…"/>
+          <p:cNvPr id="73" name="Body Level One…"/>
           <p:cNvSpPr txBox="1">
             <a:spLocks noGrp="1"/>
           </p:cNvSpPr>
@@ -1190,31 +1594,31 @@
           </a:lstStyle>
           <a:p>
             <a:r>
-              <a:t>Уровень текста 1</a:t>
+              <a:t>Body Level One</a:t>
             </a:r>
           </a:p>
           <a:p>
             <a:pPr lvl="1"/>
             <a:r>
-              <a:t>Уровень текста 2</a:t>
+              <a:t>Body Level Two</a:t>
             </a:r>
           </a:p>
           <a:p>
             <a:pPr lvl="2"/>
             <a:r>
-              <a:t>Уровень текста 3</a:t>
+              <a:t>Body Level Three</a:t>
             </a:r>
           </a:p>
           <a:p>
             <a:pPr lvl="3"/>
             <a:r>
-              <a:t>Уровень текста 4</a:t>
+              <a:t>Body Level Four</a:t>
             </a:r>
           </a:p>
           <a:p>
             <a:pPr lvl="4"/>
             <a:r>
-              <a:t>Уровень текста 5</a:t>
+              <a:t>Body Level Five</a:t>
             </a:r>
           </a:p>
         </p:txBody>
@@ -1254,7 +1658,7 @@
       </p:sp>
       <p:sp>
         <p:nvSpPr>
-          <p:cNvPr id="75" name="Номер слайда"/>
+          <p:cNvPr id="75" name="01"/>
           <p:cNvSpPr txBox="1">
             <a:spLocks noGrp="1"/>
           </p:cNvSpPr>
@@ -1287,7 +1691,7 @@
 </p:sldLayout>
 </file>
 
-<file path=ppt/slideLayouts/slideLayout7.xml><?xml version="1.0" encoding="utf-8"?>
+<file path=ppt/slideLayouts/slideLayout8.xml><?xml version="1.0" encoding="utf-8"?>
 <p:sldLayout xmlns:a="http://schemas.openxmlformats.org/drawingml/2006/main" xmlns:r="http://schemas.openxmlformats.org/officeDocument/2006/relationships" xmlns:p="http://schemas.openxmlformats.org/presentationml/2006/main" type="tx">
   <p:cSld name="Рисунок с подписью">
     <p:spTree>
@@ -1306,7 +1710,7 @@
       </p:grpSpPr>
       <p:sp>
         <p:nvSpPr>
-          <p:cNvPr id="82" name="Текст заголовка"/>
+          <p:cNvPr id="82" name="Title Text"/>
           <p:cNvSpPr txBox="1">
             <a:spLocks noGrp="1"/>
           </p:cNvSpPr>
@@ -1332,7 +1736,7 @@
           </a:lstStyle>
           <a:p>
             <a:r>
-              <a:t>Текст заголовка</a:t>
+              <a:t>Title Text</a:t>
             </a:r>
           </a:p>
         </p:txBody>
@@ -1368,7 +1772,7 @@
       </p:sp>
       <p:sp>
         <p:nvSpPr>
-          <p:cNvPr id="84" name="Уровень текста 1…"/>
+          <p:cNvPr id="84" name="Body Level One…"/>
           <p:cNvSpPr txBox="1">
             <a:spLocks noGrp="1"/>
           </p:cNvSpPr>
@@ -1421,38 +1825,38 @@
           </a:lstStyle>
           <a:p>
             <a:r>
-              <a:t>Уровень текста 1</a:t>
+              <a:t>Body Level One</a:t>
             </a:r>
           </a:p>
           <a:p>
             <a:pPr lvl="1"/>
             <a:r>
-              <a:t>Уровень текста 2</a:t>
+              <a:t>Body Level Two</a:t>
             </a:r>
           </a:p>
           <a:p>
             <a:pPr lvl="2"/>
             <a:r>
-              <a:t>Уровень текста 3</a:t>
+              <a:t>Body Level Three</a:t>
             </a:r>
           </a:p>
           <a:p>
             <a:pPr lvl="3"/>
             <a:r>
-              <a:t>Уровень текста 4</a:t>
+              <a:t>Body Level Four</a:t>
             </a:r>
           </a:p>
           <a:p>
             <a:pPr lvl="4"/>
             <a:r>
-              <a:t>Уровень текста 5</a:t>
+              <a:t>Body Level Five</a:t>
             </a:r>
           </a:p>
         </p:txBody>
       </p:sp>
       <p:sp>
         <p:nvSpPr>
-          <p:cNvPr id="85" name="Номер слайда"/>
+          <p:cNvPr id="85" name="01"/>
           <p:cNvSpPr txBox="1">
             <a:spLocks noGrp="1"/>
           </p:cNvSpPr>
@@ -1485,7 +1889,7 @@
 </p:sldLayout>
 </file>
 
-<file path=ppt/slideLayouts/slideLayout8.xml><?xml version="1.0" encoding="utf-8"?>
+<file path=ppt/slideLayouts/slideLayout9.xml><?xml version="1.0" encoding="utf-8"?>
 <p:sldLayout xmlns:a="http://schemas.openxmlformats.org/drawingml/2006/main" xmlns:r="http://schemas.openxmlformats.org/officeDocument/2006/relationships" xmlns:p="http://schemas.openxmlformats.org/presentationml/2006/main" type="tx">
   <p:cSld name="Заголовок и пункты">
     <p:spTree>
@@ -1504,7 +1908,7 @@
       </p:grpSpPr>
       <p:sp>
         <p:nvSpPr>
-          <p:cNvPr id="92" name="Уровень текста 1…"/>
+          <p:cNvPr id="92" name="Body Level One…"/>
           <p:cNvSpPr txBox="1">
             <a:spLocks noGrp="1"/>
           </p:cNvSpPr>
@@ -1534,10 +1938,10 @@
               <a:buSzPct val="123000"/>
               <a:buFontTx/>
               <a:defRPr sz="1200">
-                <a:latin typeface="Roboto Light"/>
-                <a:ea typeface="Roboto Light"/>
-                <a:cs typeface="Roboto Light"/>
-                <a:sym typeface="Roboto Light"/>
+                <a:latin typeface="+mn-lt"/>
+                <a:ea typeface="+mn-ea"/>
+                <a:cs typeface="+mn-cs"/>
+                <a:sym typeface="Helvetica"/>
               </a:defRPr>
             </a:lvl1pPr>
             <a:lvl2pPr marL="533400" indent="-152400" defTabSz="1980021">
@@ -1550,10 +1954,10 @@
               <a:buSzPct val="123000"/>
               <a:buFontTx/>
               <a:defRPr sz="1200">
-                <a:latin typeface="Roboto Light"/>
-                <a:ea typeface="Roboto Light"/>
-                <a:cs typeface="Roboto Light"/>
-                <a:sym typeface="Roboto Light"/>
+                <a:latin typeface="+mn-lt"/>
+                <a:ea typeface="+mn-ea"/>
+                <a:cs typeface="+mn-cs"/>
+                <a:sym typeface="Helvetica"/>
               </a:defRPr>
             </a:lvl2pPr>
             <a:lvl3pPr marL="914400" indent="-152400" defTabSz="1980021">
@@ -1566,10 +1970,10 @@
               <a:buSzPct val="123000"/>
               <a:buFontTx/>
               <a:defRPr sz="1200">
-                <a:latin typeface="Roboto Light"/>
-                <a:ea typeface="Roboto Light"/>
-                <a:cs typeface="Roboto Light"/>
-                <a:sym typeface="Roboto Light"/>
+                <a:latin typeface="+mn-lt"/>
+                <a:ea typeface="+mn-ea"/>
+                <a:cs typeface="+mn-cs"/>
+                <a:sym typeface="Helvetica"/>
               </a:defRPr>
             </a:lvl3pPr>
             <a:lvl4pPr marL="1295400" indent="-152400" defTabSz="1980021">
@@ -1582,10 +1986,10 @@
               <a:buSzPct val="123000"/>
               <a:buFontTx/>
               <a:defRPr sz="1200">
-                <a:latin typeface="Roboto Light"/>
-                <a:ea typeface="Roboto Light"/>
-                <a:cs typeface="Roboto Light"/>
-                <a:sym typeface="Roboto Light"/>
+                <a:latin typeface="+mn-lt"/>
+                <a:ea typeface="+mn-ea"/>
+                <a:cs typeface="+mn-cs"/>
+                <a:sym typeface="Helvetica"/>
               </a:defRPr>
             </a:lvl4pPr>
             <a:lvl5pPr marL="1676400" indent="-152400" defTabSz="1980021">
@@ -1598,10 +2002,10 @@
               <a:buSzPct val="123000"/>
               <a:buFontTx/>
               <a:defRPr sz="1200">
-                <a:latin typeface="Roboto Light"/>
-                <a:ea typeface="Roboto Light"/>
-                <a:cs typeface="Roboto Light"/>
-                <a:sym typeface="Roboto Light"/>
+                <a:latin typeface="+mn-lt"/>
+                <a:ea typeface="+mn-ea"/>
+                <a:cs typeface="+mn-cs"/>
+                <a:sym typeface="Helvetica"/>
               </a:defRPr>
             </a:lvl5pPr>
           </a:lstStyle>
@@ -1719,7 +2123,7 @@
       </p:sp>
       <p:sp>
         <p:nvSpPr>
-          <p:cNvPr id="95" name="Номер слайда"/>
+          <p:cNvPr id="95" name="01"/>
           <p:cNvSpPr txBox="1">
             <a:spLocks noGrp="1"/>
           </p:cNvSpPr>
@@ -1741,289 +2145,6 @@
           <a:lstStyle>
             <a:lvl1pPr algn="ctr" defTabSz="667113">
               <a:defRPr sz="1100">
-                <a:solidFill>
-                  <a:srgbClr val="000000"/>
-                </a:solidFill>
-                <a:latin typeface="Helvetica Neue"/>
-                <a:ea typeface="Helvetica Neue"/>
-                <a:cs typeface="Helvetica Neue"/>
-                <a:sym typeface="Helvetica Neue"/>
-              </a:defRPr>
-            </a:lvl1pPr>
-          </a:lstStyle>
-          <a:p>
-            <a:fld id="{86CB4B4D-7CA3-9044-876B-883B54F8677D}" type="slidenum">
-              <a:t>‹#›</a:t>
-            </a:fld>
-            <a:endParaRPr/>
-          </a:p>
-        </p:txBody>
-      </p:sp>
-    </p:spTree>
-  </p:cSld>
-  <p:clrMapOvr>
-    <a:masterClrMapping/>
-  </p:clrMapOvr>
-  <p:transition spd="med"/>
-</p:sldLayout>
-</file>
-
-<file path=ppt/slideLayouts/slideLayout9.xml><?xml version="1.0" encoding="utf-8"?>
-<p:sldLayout xmlns:a="http://schemas.openxmlformats.org/drawingml/2006/main" xmlns:r="http://schemas.openxmlformats.org/officeDocument/2006/relationships" xmlns:p="http://schemas.openxmlformats.org/presentationml/2006/main" type="tx">
-  <p:cSld name="Заголовок и пункты">
-    <p:spTree>
-      <p:nvGrpSpPr>
-        <p:cNvPr id="1" name=""/>
-        <p:cNvGrpSpPr/>
-        <p:nvPr/>
-      </p:nvGrpSpPr>
-      <p:grpSpPr>
-        <a:xfrm>
-          <a:off x="0" y="0"/>
-          <a:ext cx="0" cy="0"/>
-          <a:chOff x="0" y="0"/>
-          <a:chExt cx="0" cy="0"/>
-        </a:xfrm>
-      </p:grpSpPr>
-      <p:sp>
-        <p:nvSpPr>
-          <p:cNvPr id="102" name="Уровень текста 1…"/>
-          <p:cNvSpPr txBox="1">
-            <a:spLocks noGrp="1"/>
-          </p:cNvSpPr>
-          <p:nvPr>
-            <p:ph type="body" sz="quarter" idx="1" hasCustomPrompt="1"/>
-          </p:nvPr>
-        </p:nvSpPr>
-        <p:spPr>
-          <a:xfrm>
-            <a:off x="1301439" y="4698119"/>
-            <a:ext cx="5271122" cy="2768204"/>
-          </a:xfrm>
-          <a:prstGeom prst="rect">
-            <a:avLst/>
-          </a:prstGeom>
-        </p:spPr>
-        <p:txBody>
-          <a:bodyPr lIns="23068" tIns="23068" rIns="23068" bIns="23068"/>
-          <a:lstStyle>
-            <a:lvl1pPr marL="190500" indent="-190500" defTabSz="1980021">
-              <a:lnSpc>
-                <a:spcPct val="110000"/>
-              </a:lnSpc>
-              <a:spcBef>
-                <a:spcPts val="3600"/>
-              </a:spcBef>
-              <a:buSzPct val="123000"/>
-              <a:buFontTx/>
-              <a:defRPr sz="1500">
-                <a:latin typeface="Roboto Light"/>
-                <a:ea typeface="Roboto Light"/>
-                <a:cs typeface="Roboto Light"/>
-                <a:sym typeface="Roboto Light"/>
-              </a:defRPr>
-            </a:lvl1pPr>
-            <a:lvl2pPr marL="571500" indent="-190500" defTabSz="1980021">
-              <a:lnSpc>
-                <a:spcPct val="110000"/>
-              </a:lnSpc>
-              <a:spcBef>
-                <a:spcPts val="3600"/>
-              </a:spcBef>
-              <a:buSzPct val="123000"/>
-              <a:buFontTx/>
-              <a:defRPr sz="1500">
-                <a:latin typeface="Roboto Light"/>
-                <a:ea typeface="Roboto Light"/>
-                <a:cs typeface="Roboto Light"/>
-                <a:sym typeface="Roboto Light"/>
-              </a:defRPr>
-            </a:lvl2pPr>
-            <a:lvl3pPr marL="952500" indent="-190500" defTabSz="1980021">
-              <a:lnSpc>
-                <a:spcPct val="110000"/>
-              </a:lnSpc>
-              <a:spcBef>
-                <a:spcPts val="3600"/>
-              </a:spcBef>
-              <a:buSzPct val="123000"/>
-              <a:buFontTx/>
-              <a:defRPr sz="1500">
-                <a:latin typeface="Roboto Light"/>
-                <a:ea typeface="Roboto Light"/>
-                <a:cs typeface="Roboto Light"/>
-                <a:sym typeface="Roboto Light"/>
-              </a:defRPr>
-            </a:lvl3pPr>
-            <a:lvl4pPr marL="1333500" indent="-190500" defTabSz="1980021">
-              <a:lnSpc>
-                <a:spcPct val="110000"/>
-              </a:lnSpc>
-              <a:spcBef>
-                <a:spcPts val="3600"/>
-              </a:spcBef>
-              <a:buSzPct val="123000"/>
-              <a:buFontTx/>
-              <a:defRPr sz="1500">
-                <a:latin typeface="Roboto Light"/>
-                <a:ea typeface="Roboto Light"/>
-                <a:cs typeface="Roboto Light"/>
-                <a:sym typeface="Roboto Light"/>
-              </a:defRPr>
-            </a:lvl4pPr>
-            <a:lvl5pPr marL="1714500" indent="-190500" defTabSz="1980021">
-              <a:lnSpc>
-                <a:spcPct val="110000"/>
-              </a:lnSpc>
-              <a:spcBef>
-                <a:spcPts val="3600"/>
-              </a:spcBef>
-              <a:buSzPct val="123000"/>
-              <a:buFontTx/>
-              <a:defRPr sz="1500">
-                <a:latin typeface="Roboto Light"/>
-                <a:ea typeface="Roboto Light"/>
-                <a:cs typeface="Roboto Light"/>
-                <a:sym typeface="Roboto Light"/>
-              </a:defRPr>
-            </a:lvl5pPr>
-          </a:lstStyle>
-          <a:p>
-            <a:r>
-              <a:t>Текст пункта на слайде</a:t>
-            </a:r>
-          </a:p>
-          <a:p>
-            <a:pPr lvl="1"/>
-            <a:endParaRPr/>
-          </a:p>
-          <a:p>
-            <a:pPr lvl="2"/>
-            <a:endParaRPr/>
-          </a:p>
-          <a:p>
-            <a:pPr lvl="3"/>
-            <a:endParaRPr/>
-          </a:p>
-          <a:p>
-            <a:pPr lvl="4"/>
-            <a:endParaRPr/>
-          </a:p>
-        </p:txBody>
-      </p:sp>
-      <p:sp>
-        <p:nvSpPr>
-          <p:cNvPr id="103" name="Подзаголовок слайда"/>
-          <p:cNvSpPr txBox="1">
-            <a:spLocks noGrp="1"/>
-          </p:cNvSpPr>
-          <p:nvPr>
-            <p:ph type="body" sz="quarter" idx="21" hasCustomPrompt="1"/>
-          </p:nvPr>
-        </p:nvSpPr>
-        <p:spPr>
-          <a:xfrm>
-            <a:off x="1301439" y="3996022"/>
-            <a:ext cx="5271122" cy="305067"/>
-          </a:xfrm>
-          <a:prstGeom prst="rect">
-            <a:avLst/>
-          </a:prstGeom>
-          <a:ln w="3175"/>
-        </p:spPr>
-        <p:txBody>
-          <a:bodyPr lIns="23068" tIns="23068" rIns="23068" bIns="23068"/>
-          <a:lstStyle>
-            <a:lvl1pPr marL="0" indent="0" defTabSz="315058">
-              <a:lnSpc>
-                <a:spcPct val="100000"/>
-              </a:lnSpc>
-              <a:spcBef>
-                <a:spcPts val="0"/>
-              </a:spcBef>
-              <a:buSzTx/>
-              <a:buFontTx/>
-              <a:buNone/>
-              <a:defRPr sz="1692" b="1">
-                <a:latin typeface="Helvetica Neue"/>
-                <a:ea typeface="Helvetica Neue"/>
-                <a:cs typeface="Helvetica Neue"/>
-                <a:sym typeface="Helvetica Neue"/>
-              </a:defRPr>
-            </a:lvl1pPr>
-          </a:lstStyle>
-          <a:p>
-            <a:r>
-              <a:t>Подзаголовок слайда</a:t>
-            </a:r>
-          </a:p>
-        </p:txBody>
-      </p:sp>
-      <p:sp>
-        <p:nvSpPr>
-          <p:cNvPr id="104" name="Заголовок слайда"/>
-          <p:cNvSpPr txBox="1">
-            <a:spLocks noGrp="1"/>
-          </p:cNvSpPr>
-          <p:nvPr>
-            <p:ph type="title" hasCustomPrompt="1"/>
-          </p:nvPr>
-        </p:nvSpPr>
-        <p:spPr>
-          <a:xfrm>
-            <a:off x="1301439" y="3554313"/>
-            <a:ext cx="5271122" cy="461368"/>
-          </a:xfrm>
-          <a:prstGeom prst="rect">
-            <a:avLst/>
-          </a:prstGeom>
-        </p:spPr>
-        <p:txBody>
-          <a:bodyPr lIns="23068" tIns="23068" rIns="23068" bIns="23068" anchor="t"/>
-          <a:lstStyle>
-            <a:lvl1pPr defTabSz="1980021">
-              <a:lnSpc>
-                <a:spcPct val="80000"/>
-              </a:lnSpc>
-              <a:defRPr sz="6200" b="1" spc="-124">
-                <a:latin typeface="Helvetica Neue"/>
-                <a:ea typeface="Helvetica Neue"/>
-                <a:cs typeface="Helvetica Neue"/>
-                <a:sym typeface="Helvetica Neue"/>
-              </a:defRPr>
-            </a:lvl1pPr>
-          </a:lstStyle>
-          <a:p>
-            <a:r>
-              <a:t>Заголовок слайда</a:t>
-            </a:r>
-          </a:p>
-        </p:txBody>
-      </p:sp>
-      <p:sp>
-        <p:nvSpPr>
-          <p:cNvPr id="105" name="Номер слайда"/>
-          <p:cNvSpPr txBox="1">
-            <a:spLocks noGrp="1"/>
-          </p:cNvSpPr>
-          <p:nvPr>
-            <p:ph type="sldNum" sz="quarter" idx="2"/>
-          </p:nvPr>
-        </p:nvSpPr>
-        <p:spPr>
-          <a:xfrm>
-            <a:off x="3821309" y="7452169"/>
-            <a:ext cx="228306" cy="219670"/>
-          </a:xfrm>
-          <a:prstGeom prst="rect">
-            <a:avLst/>
-          </a:prstGeom>
-        </p:spPr>
-        <p:txBody>
-          <a:bodyPr lIns="23068" tIns="23068" rIns="23068" bIns="23068" anchor="b"/>
-          <a:lstStyle>
-            <a:lvl1pPr algn="ctr" defTabSz="667113">
-              <a:defRPr sz="1200">
                 <a:solidFill>
                   <a:srgbClr val="000000"/>
                 </a:solidFill>
@@ -2078,7 +2199,7 @@
       </p:grpSpPr>
       <p:sp>
         <p:nvSpPr>
-          <p:cNvPr id="2" name="Текст заголовка"/>
+          <p:cNvPr id="2" name="Title Text"/>
           <p:cNvSpPr txBox="1">
             <a:spLocks noGrp="1"/>
           </p:cNvSpPr>
@@ -2099,7 +2220,7 @@
           </a:ln>
           <a:extLst>
             <a:ext uri="{C572A759-6A51-4108-AA02-DFA0A04FC94B}">
-              <ma14:wrappingTextBoxFlag xmlns="" xmlns:m="http://schemas.openxmlformats.org/officeDocument/2006/math" xmlns:a14="http://schemas.microsoft.com/office/drawing/2010/main" xmlns:ma14="http://schemas.microsoft.com/office/mac/drawingml/2011/main" val="1"/>
+              <ma14:wrappingTextBoxFlag xmlns:ma14="http://schemas.microsoft.com/office/mac/drawingml/2011/main" xmlns:a14="http://schemas.microsoft.com/office/drawing/2010/main" xmlns:m="http://schemas.openxmlformats.org/officeDocument/2006/math" xmlns="" val="1"/>
             </a:ext>
           </a:extLst>
         </p:spPr>
@@ -2110,14 +2231,14 @@
           <a:lstStyle/>
           <a:p>
             <a:r>
-              <a:t>Текст заголовка</a:t>
+              <a:t>Title Text</a:t>
             </a:r>
           </a:p>
         </p:txBody>
       </p:sp>
       <p:sp>
         <p:nvSpPr>
-          <p:cNvPr id="3" name="Уровень текста 1…"/>
+          <p:cNvPr id="3" name="Body Level One…"/>
           <p:cNvSpPr txBox="1">
             <a:spLocks noGrp="1"/>
           </p:cNvSpPr>
@@ -2138,7 +2259,7 @@
           </a:ln>
           <a:extLst>
             <a:ext uri="{C572A759-6A51-4108-AA02-DFA0A04FC94B}">
-              <ma14:wrappingTextBoxFlag xmlns="" xmlns:m="http://schemas.openxmlformats.org/officeDocument/2006/math" xmlns:a14="http://schemas.microsoft.com/office/drawing/2010/main" xmlns:ma14="http://schemas.microsoft.com/office/mac/drawingml/2011/main" val="1"/>
+              <ma14:wrappingTextBoxFlag xmlns:ma14="http://schemas.microsoft.com/office/mac/drawingml/2011/main" xmlns:a14="http://schemas.microsoft.com/office/drawing/2010/main" xmlns:m="http://schemas.openxmlformats.org/officeDocument/2006/math" xmlns="" val="1"/>
             </a:ext>
           </a:extLst>
         </p:spPr>
@@ -2149,38 +2270,38 @@
           <a:lstStyle/>
           <a:p>
             <a:r>
-              <a:t>Уровень текста 1</a:t>
+              <a:t>Body Level One</a:t>
             </a:r>
           </a:p>
           <a:p>
             <a:pPr lvl="1"/>
             <a:r>
-              <a:t>Уровень текста 2</a:t>
+              <a:t>Body Level Two</a:t>
             </a:r>
           </a:p>
           <a:p>
             <a:pPr lvl="2"/>
             <a:r>
-              <a:t>Уровень текста 3</a:t>
+              <a:t>Body Level Three</a:t>
             </a:r>
           </a:p>
           <a:p>
             <a:pPr lvl="3"/>
             <a:r>
-              <a:t>Уровень текста 4</a:t>
+              <a:t>Body Level Four</a:t>
             </a:r>
           </a:p>
           <a:p>
             <a:pPr lvl="4"/>
             <a:r>
-              <a:t>Уровень текста 5</a:t>
+              <a:t>Body Level Five</a:t>
             </a:r>
           </a:p>
         </p:txBody>
       </p:sp>
       <p:sp>
         <p:nvSpPr>
-          <p:cNvPr id="4" name="Номер слайда"/>
+          <p:cNvPr id="4" name="01"/>
           <p:cNvSpPr txBox="1">
             <a:spLocks noGrp="1"/>
           </p:cNvSpPr>
@@ -2225,15 +2346,16 @@
   </p:cSld>
   <p:clrMap bg1="lt1" tx1="dk1" bg2="lt2" tx2="dk2" accent1="accent1" accent2="accent2" accent3="accent3" accent4="accent4" accent5="accent5" accent6="accent6" hlink="hlink" folHlink="folHlink"/>
   <p:sldLayoutIdLst>
-    <p:sldLayoutId id="2147483651" r:id="rId1"/>
-    <p:sldLayoutId id="2147483652" r:id="rId2"/>
-    <p:sldLayoutId id="2147483653" r:id="rId3"/>
-    <p:sldLayoutId id="2147483654" r:id="rId4"/>
-    <p:sldLayoutId id="2147483655" r:id="rId5"/>
-    <p:sldLayoutId id="2147483656" r:id="rId6"/>
-    <p:sldLayoutId id="2147483657" r:id="rId7"/>
-    <p:sldLayoutId id="2147483658" r:id="rId8"/>
-    <p:sldLayoutId id="2147483659" r:id="rId9"/>
+    <p:sldLayoutId id="2147483650" r:id="rId1"/>
+    <p:sldLayoutId id="2147483651" r:id="rId2"/>
+    <p:sldLayoutId id="2147483652" r:id="rId3"/>
+    <p:sldLayoutId id="2147483653" r:id="rId4"/>
+    <p:sldLayoutId id="2147483654" r:id="rId5"/>
+    <p:sldLayoutId id="2147483655" r:id="rId6"/>
+    <p:sldLayoutId id="2147483656" r:id="rId7"/>
+    <p:sldLayoutId id="2147483657" r:id="rId8"/>
+    <p:sldLayoutId id="2147483658" r:id="rId9"/>
+    <p:sldLayoutId id="2147483659" r:id="rId10"/>
   </p:sldLayoutIdLst>
   <p:transition spd="med"/>
   <p:txStyles>
@@ -2968,24 +3090,21 @@
       </p:grpSpPr>
       <p:sp>
         <p:nvSpPr>
-          <p:cNvPr id="566" name="Кружок"/>
+          <p:cNvPr id="219" name="Rectangle"/>
           <p:cNvSpPr/>
           <p:nvPr/>
         </p:nvSpPr>
         <p:spPr>
           <a:xfrm>
-            <a:off x="5658315" y="306233"/>
-            <a:ext cx="1473771" cy="1473771"/>
+            <a:off x="358650" y="223899"/>
+            <a:ext cx="3068074" cy="10904679"/>
           </a:xfrm>
-          <a:prstGeom prst="ellipse">
+          <a:prstGeom prst="rect">
             <a:avLst/>
           </a:prstGeom>
-          <a:blipFill>
-            <a:blip r:embed="rId2"/>
-            <a:stretch>
-              <a:fillRect/>
-            </a:stretch>
-          </a:blipFill>
+          <a:solidFill>
+            <a:srgbClr val="CAEEE8"/>
+          </a:solidFill>
           <a:ln w="3175">
             <a:miter lim="400000"/>
           </a:ln>
@@ -3011,14 +3130,54 @@
       </p:sp>
       <p:sp>
         <p:nvSpPr>
-          <p:cNvPr id="567" name="Alex moreno"/>
+          <p:cNvPr id="220" name="Rectangle"/>
+          <p:cNvSpPr/>
+          <p:nvPr/>
+        </p:nvSpPr>
+        <p:spPr>
+          <a:xfrm>
+            <a:off x="628987" y="420461"/>
+            <a:ext cx="6873994" cy="1461961"/>
+          </a:xfrm>
+          <a:prstGeom prst="rect">
+            <a:avLst/>
+          </a:prstGeom>
+          <a:ln w="12700">
+            <a:solidFill>
+              <a:srgbClr val="2C3E50"/>
+            </a:solidFill>
+            <a:miter lim="400000"/>
+          </a:ln>
+        </p:spPr>
+        <p:txBody>
+          <a:bodyPr lIns="50800" tIns="50800" rIns="50800" bIns="50800" anchor="ctr"/>
+          <a:lstStyle/>
+          <a:p>
+            <a:pPr algn="ctr" defTabSz="584200">
+              <a:defRPr sz="1200">
+                <a:solidFill>
+                  <a:srgbClr val="1D3557"/>
+                </a:solidFill>
+                <a:latin typeface="Helvetica Neue Medium"/>
+                <a:ea typeface="Helvetica Neue Medium"/>
+                <a:cs typeface="Helvetica Neue Medium"/>
+                <a:sym typeface="Helvetica Neue Medium"/>
+              </a:defRPr>
+            </a:pPr>
+            <a:endParaRPr/>
+          </a:p>
+        </p:txBody>
+      </p:sp>
+      <p:sp>
+        <p:nvSpPr>
+          <p:cNvPr id="221" name="Group"/>
           <p:cNvSpPr txBox="1"/>
           <p:nvPr/>
         </p:nvSpPr>
         <p:spPr>
           <a:xfrm>
-            <a:off x="745165" y="517203"/>
-            <a:ext cx="2263656" cy="1131354"/>
+            <a:off x="3931412" y="611754"/>
+            <a:ext cx="2977816" cy="1015689"/>
           </a:xfrm>
           <a:prstGeom prst="rect">
             <a:avLst/>
@@ -3028,82 +3187,75 @@
           </a:ln>
           <a:extLst>
             <a:ext uri="{C572A759-6A51-4108-AA02-DFA0A04FC94B}">
-              <ma14:wrappingTextBoxFlag xmlns="" xmlns:m="http://schemas.openxmlformats.org/officeDocument/2006/math" xmlns:a14="http://schemas.microsoft.com/office/drawing/2010/main" xmlns:ma14="http://schemas.microsoft.com/office/mac/drawingml/2011/main" val="1"/>
+              <ma14:wrappingTextBoxFlag xmlns:ma14="http://schemas.microsoft.com/office/mac/drawingml/2011/main" xmlns:a14="http://schemas.microsoft.com/office/drawing/2010/main" xmlns:m="http://schemas.openxmlformats.org/officeDocument/2006/math" xmlns="" val="1"/>
             </a:ext>
           </a:extLst>
         </p:spPr>
         <p:txBody>
-          <a:bodyPr lIns="0" tIns="0" rIns="0" bIns="0" anchor="ctr"/>
-          <a:lstStyle>
-            <a:lvl1pPr defTabSz="457200">
-              <a:lnSpc>
-                <a:spcPct val="120000"/>
-              </a:lnSpc>
-              <a:defRPr sz="2500" cap="all" spc="900">
-                <a:latin typeface="Helvetica Neue Medium"/>
-                <a:ea typeface="Helvetica Neue Medium"/>
-                <a:cs typeface="Helvetica Neue Medium"/>
-                <a:sym typeface="Helvetica Neue Medium"/>
+          <a:bodyPr lIns="50800" tIns="50800" rIns="50800" bIns="50800" anchor="ctr"/>
+          <a:lstStyle/>
+          <a:p>
+            <a:pPr defTabSz="457200">
+              <a:defRPr sz="3000" cap="all" spc="450">
+                <a:solidFill>
+                  <a:srgbClr val="333333"/>
+                </a:solidFill>
+                <a:latin typeface="Helvetica Neue"/>
+                <a:ea typeface="Helvetica Neue"/>
+                <a:cs typeface="Helvetica Neue"/>
+                <a:sym typeface="Helvetica Neue"/>
               </a:defRPr>
-            </a:lvl1pPr>
-          </a:lstStyle>
-          <a:p>
-            <a:r>
-              <a:t>Alex moreno</a:t>
+            </a:pPr>
+            <a:r>
+              <a:rPr>
+                <a:latin typeface="American Typewriter"/>
+                <a:ea typeface="American Typewriter"/>
+                <a:cs typeface="American Typewriter"/>
+                <a:sym typeface="American Typewriter"/>
+              </a:rPr>
+              <a:t>J</a:t>
+            </a:r>
+            <a:r>
+              <a:t>ames</a:t>
+            </a:r>
+          </a:p>
+          <a:p>
+            <a:pPr defTabSz="457200">
+              <a:defRPr sz="3000" cap="all" spc="450">
+                <a:solidFill>
+                  <a:srgbClr val="333333"/>
+                </a:solidFill>
+                <a:latin typeface="Helvetica Neue"/>
+                <a:ea typeface="Helvetica Neue"/>
+                <a:cs typeface="Helvetica Neue"/>
+                <a:sym typeface="Helvetica Neue"/>
+              </a:defRPr>
+            </a:pPr>
+            <a:r>
+              <a:rPr>
+                <a:latin typeface="American Typewriter"/>
+                <a:ea typeface="American Typewriter"/>
+                <a:cs typeface="American Typewriter"/>
+                <a:sym typeface="American Typewriter"/>
+              </a:rPr>
+              <a:t>J</a:t>
+            </a:r>
+            <a:r>
+              <a:t>ohnson</a:t>
             </a:r>
           </a:p>
         </p:txBody>
       </p:sp>
       <p:sp>
         <p:nvSpPr>
-          <p:cNvPr id="568" name="Прямоугольник"/>
-          <p:cNvSpPr/>
-          <p:nvPr/>
-        </p:nvSpPr>
-        <p:spPr>
-          <a:xfrm>
-            <a:off x="-6230" y="2050380"/>
-            <a:ext cx="7334631" cy="463239"/>
-          </a:xfrm>
-          <a:prstGeom prst="rect">
-            <a:avLst/>
-          </a:prstGeom>
-          <a:solidFill>
-            <a:srgbClr val="00AFB9"/>
-          </a:solidFill>
-          <a:ln w="3175">
-            <a:miter lim="400000"/>
-          </a:ln>
-        </p:spPr>
-        <p:txBody>
-          <a:bodyPr lIns="50800" tIns="50800" rIns="50800" bIns="50800" anchor="ctr"/>
-          <a:lstStyle/>
-          <a:p>
-            <a:pPr algn="ctr" defTabSz="584200">
-              <a:defRPr sz="1200">
-                <a:solidFill>
-                  <a:srgbClr val="D5D5D5"/>
-                </a:solidFill>
-                <a:latin typeface="Helvetica Neue Medium"/>
-                <a:ea typeface="Helvetica Neue Medium"/>
-                <a:cs typeface="Helvetica Neue Medium"/>
-                <a:sym typeface="Helvetica Neue Medium"/>
-              </a:defRPr>
-            </a:pPr>
-            <a:endParaRPr/>
-          </a:p>
-        </p:txBody>
-      </p:sp>
-      <p:sp>
-        <p:nvSpPr>
-          <p:cNvPr id="569" name="web-Designer"/>
+          <p:cNvPr id="222" name="Dedicated and results-driven Sales Manager with over 15 years of experience in the automobile industry. Proven track record of exceeding sales targets, developing high-performing teams, and fostering lasting client relationships. Skilled in strategic pla"/>
           <p:cNvSpPr txBox="1"/>
           <p:nvPr/>
         </p:nvSpPr>
         <p:spPr>
           <a:xfrm>
-            <a:off x="4188000" y="2175899"/>
-            <a:ext cx="2940631" cy="238709"/>
+            <a:off x="3778978" y="2641532"/>
+            <a:ext cx="3673715" cy="1674349"/>
           </a:xfrm>
           <a:prstGeom prst="rect">
             <a:avLst/>
@@ -3113,154 +3265,45 @@
           </a:ln>
           <a:extLst>
             <a:ext uri="{C572A759-6A51-4108-AA02-DFA0A04FC94B}">
-              <ma14:wrappingTextBoxFlag xmlns="" xmlns:m="http://schemas.openxmlformats.org/officeDocument/2006/math" xmlns:a14="http://schemas.microsoft.com/office/drawing/2010/main" xmlns:ma14="http://schemas.microsoft.com/office/mac/drawingml/2011/main" val="1"/>
+              <ma14:wrappingTextBoxFlag xmlns:ma14="http://schemas.microsoft.com/office/mac/drawingml/2011/main" xmlns:a14="http://schemas.microsoft.com/office/drawing/2010/main" xmlns:m="http://schemas.openxmlformats.org/officeDocument/2006/math" xmlns="" val="1"/>
             </a:ext>
           </a:extLst>
         </p:spPr>
         <p:txBody>
-          <a:bodyPr lIns="0" tIns="0" rIns="0" bIns="0" anchor="ctr"/>
+          <a:bodyPr lIns="0" tIns="0" rIns="0" bIns="0"/>
           <a:lstStyle>
-            <a:lvl1pPr algn="r" defTabSz="457200">
+            <a:lvl1pPr algn="just" defTabSz="457200">
               <a:lnSpc>
-                <a:spcPct val="120000"/>
+                <a:spcPct val="130000"/>
               </a:lnSpc>
-              <a:defRPr sz="1000" cap="all" spc="360">
+              <a:defRPr sz="1100">
                 <a:solidFill>
-                  <a:srgbClr val="FFFFFF"/>
+                  <a:srgbClr val="333333"/>
                 </a:solidFill>
-                <a:latin typeface="Helvetica Neue Medium"/>
-                <a:ea typeface="Helvetica Neue Medium"/>
-                <a:cs typeface="Helvetica Neue Medium"/>
-                <a:sym typeface="Helvetica Neue Medium"/>
+                <a:latin typeface="Helvetica Neue Light"/>
+                <a:ea typeface="Helvetica Neue Light"/>
+                <a:cs typeface="Helvetica Neue Light"/>
+                <a:sym typeface="Helvetica Neue Light"/>
               </a:defRPr>
             </a:lvl1pPr>
           </a:lstStyle>
           <a:p>
             <a:r>
-              <a:t>web-Designer</a:t>
+              <a:t>Dedicated and results-driven Sales Manager with over 15 years of experience in the automobile industry. Proven track record of exceeding sales targets, developing high-performing teams, and fostering lasting client relationships. Skilled in strategic planning, market analysis, and implementing effective sales strategies to drive revenue growth. Adept at leading cross-functional teams and delivering exceptional customer service.</a:t>
             </a:r>
           </a:p>
         </p:txBody>
       </p:sp>
-      <p:pic>
-        <p:nvPicPr>
-          <p:cNvPr id="570" name="Group 10.png" descr="Group 10.png"/>
-          <p:cNvPicPr>
-            <a:picLocks noChangeAspect="1"/>
-          </p:cNvPicPr>
-          <p:nvPr/>
-        </p:nvPicPr>
-        <p:blipFill>
-          <a:blip r:embed="rId3"/>
-          <a:stretch>
-            <a:fillRect/>
-          </a:stretch>
-        </p:blipFill>
-        <p:spPr>
-          <a:xfrm>
-            <a:off x="704934" y="3427455"/>
-            <a:ext cx="276241" cy="276241"/>
-          </a:xfrm>
-          <a:prstGeom prst="rect">
-            <a:avLst/>
-          </a:prstGeom>
-          <a:ln w="12700">
-            <a:miter lim="400000"/>
-          </a:ln>
-        </p:spPr>
-      </p:pic>
-      <p:pic>
-        <p:nvPicPr>
-          <p:cNvPr id="571" name="Group 12.png" descr="Group 12.png"/>
-          <p:cNvPicPr>
-            <a:picLocks noChangeAspect="1"/>
-          </p:cNvPicPr>
-          <p:nvPr/>
-        </p:nvPicPr>
-        <p:blipFill>
-          <a:blip r:embed="rId4"/>
-          <a:srcRect l="9013" t="9013" r="9013" b="9013"/>
-          <a:stretch>
-            <a:fillRect/>
-          </a:stretch>
-        </p:blipFill>
-        <p:spPr>
-          <a:xfrm>
-            <a:off x="679265" y="4040504"/>
-            <a:ext cx="317987" cy="317987"/>
-          </a:xfrm>
-          <a:prstGeom prst="rect">
-            <a:avLst/>
-          </a:prstGeom>
-          <a:ln w="12700">
-            <a:miter lim="400000"/>
-          </a:ln>
-        </p:spPr>
-      </p:pic>
-      <p:pic>
-        <p:nvPicPr>
-          <p:cNvPr id="572" name="Group 13.png" descr="Group 13.png"/>
-          <p:cNvPicPr>
-            <a:picLocks noChangeAspect="1"/>
-          </p:cNvPicPr>
-          <p:nvPr/>
-        </p:nvPicPr>
-        <p:blipFill>
-          <a:blip r:embed="rId5"/>
-          <a:stretch>
-            <a:fillRect/>
-          </a:stretch>
-        </p:blipFill>
-        <p:spPr>
-          <a:xfrm>
-            <a:off x="705773" y="3142499"/>
-            <a:ext cx="274563" cy="274564"/>
-          </a:xfrm>
-          <a:prstGeom prst="rect">
-            <a:avLst/>
-          </a:prstGeom>
-          <a:ln w="12700">
-            <a:miter lim="400000"/>
-          </a:ln>
-        </p:spPr>
-      </p:pic>
-      <p:pic>
-        <p:nvPicPr>
-          <p:cNvPr id="573" name="Group 11.png" descr="Group 11.png"/>
-          <p:cNvPicPr>
-            <a:picLocks noChangeAspect="1"/>
-          </p:cNvPicPr>
-          <p:nvPr/>
-        </p:nvPicPr>
-        <p:blipFill>
-          <a:blip r:embed="rId6"/>
-          <a:stretch>
-            <a:fillRect/>
-          </a:stretch>
-        </p:blipFill>
-        <p:spPr>
-          <a:xfrm>
-            <a:off x="679849" y="3706369"/>
-            <a:ext cx="334372" cy="334372"/>
-          </a:xfrm>
-          <a:prstGeom prst="rect">
-            <a:avLst/>
-          </a:prstGeom>
-          <a:ln w="12700">
-            <a:miter lim="400000"/>
-          </a:ln>
-        </p:spPr>
-      </p:pic>
       <p:sp>
         <p:nvSpPr>
-          <p:cNvPr id="574" name="Contact"/>
+          <p:cNvPr id="223" name="Professional Summary:"/>
           <p:cNvSpPr txBox="1"/>
           <p:nvPr/>
         </p:nvSpPr>
         <p:spPr>
           <a:xfrm>
-            <a:off x="745165" y="2777620"/>
-            <a:ext cx="1314248" cy="238709"/>
+            <a:off x="3778978" y="2065607"/>
+            <a:ext cx="3563503" cy="447383"/>
           </a:xfrm>
           <a:prstGeom prst="rect">
             <a:avLst/>
@@ -3270,18 +3313,15 @@
           </a:ln>
           <a:extLst>
             <a:ext uri="{C572A759-6A51-4108-AA02-DFA0A04FC94B}">
-              <ma14:wrappingTextBoxFlag xmlns="" xmlns:m="http://schemas.openxmlformats.org/officeDocument/2006/math" xmlns:a14="http://schemas.microsoft.com/office/drawing/2010/main" xmlns:ma14="http://schemas.microsoft.com/office/mac/drawingml/2011/main" val="1"/>
+              <ma14:wrappingTextBoxFlag xmlns:ma14="http://schemas.microsoft.com/office/mac/drawingml/2011/main" xmlns:a14="http://schemas.microsoft.com/office/drawing/2010/main" xmlns:m="http://schemas.openxmlformats.org/officeDocument/2006/math" xmlns="" val="1"/>
             </a:ext>
           </a:extLst>
         </p:spPr>
         <p:txBody>
-          <a:bodyPr lIns="0" tIns="0" rIns="0" bIns="0" anchor="ctr"/>
+          <a:bodyPr lIns="50800" tIns="50800" rIns="50800" bIns="50800" anchor="ctr"/>
           <a:lstStyle>
             <a:lvl1pPr defTabSz="457200">
-              <a:lnSpc>
-                <a:spcPct val="120000"/>
-              </a:lnSpc>
-              <a:defRPr sz="1400" cap="all" spc="168">
+              <a:defRPr sz="1300" cap="all" spc="455">
                 <a:latin typeface="Helvetica Neue"/>
                 <a:ea typeface="Helvetica Neue"/>
                 <a:cs typeface="Helvetica Neue"/>
@@ -3291,21 +3331,21 @@
           </a:lstStyle>
           <a:p>
             <a:r>
-              <a:t>Contact</a:t>
+              <a:t>Professional Summary:</a:t>
             </a:r>
           </a:p>
         </p:txBody>
       </p:sp>
       <p:sp>
         <p:nvSpPr>
-          <p:cNvPr id="575" name="About me"/>
+          <p:cNvPr id="224" name="Led a sales team of 15 representatives, consistently achieving and surpassing monthly sales targets by 20%.…"/>
           <p:cNvSpPr txBox="1"/>
           <p:nvPr/>
         </p:nvSpPr>
         <p:spPr>
           <a:xfrm>
-            <a:off x="2989618" y="2777620"/>
-            <a:ext cx="2180583" cy="238709"/>
+            <a:off x="3778977" y="5355370"/>
+            <a:ext cx="3673716" cy="1242555"/>
           </a:xfrm>
           <a:prstGeom prst="rect">
             <a:avLst/>
@@ -3315,42 +3355,88 @@
           </a:ln>
           <a:extLst>
             <a:ext uri="{C572A759-6A51-4108-AA02-DFA0A04FC94B}">
-              <ma14:wrappingTextBoxFlag xmlns="" xmlns:m="http://schemas.openxmlformats.org/officeDocument/2006/math" xmlns:a14="http://schemas.microsoft.com/office/drawing/2010/main" xmlns:ma14="http://schemas.microsoft.com/office/mac/drawingml/2011/main" val="1"/>
+              <ma14:wrappingTextBoxFlag xmlns:ma14="http://schemas.microsoft.com/office/mac/drawingml/2011/main" xmlns:a14="http://schemas.microsoft.com/office/drawing/2010/main" xmlns:m="http://schemas.openxmlformats.org/officeDocument/2006/math" xmlns="" val="1"/>
             </a:ext>
           </a:extLst>
         </p:spPr>
         <p:txBody>
-          <a:bodyPr lIns="0" tIns="0" rIns="0" bIns="0" anchor="ctr"/>
-          <a:lstStyle>
-            <a:lvl1pPr defTabSz="457200">
+          <a:bodyPr lIns="0" tIns="0" rIns="0" bIns="0"/>
+          <a:lstStyle/>
+          <a:p>
+            <a:pPr marL="90236" indent="-90236" algn="just" defTabSz="457200">
               <a:lnSpc>
-                <a:spcPct val="120000"/>
+                <a:spcPct val="130000"/>
               </a:lnSpc>
-              <a:defRPr sz="1400" cap="all" spc="168">
-                <a:latin typeface="Helvetica Neue"/>
-                <a:ea typeface="Helvetica Neue"/>
-                <a:cs typeface="Helvetica Neue"/>
-                <a:sym typeface="Helvetica Neue"/>
+              <a:buSzPct val="100000"/>
+              <a:buChar char="•"/>
+              <a:defRPr sz="1000">
+                <a:solidFill>
+                  <a:srgbClr val="333333"/>
+                </a:solidFill>
+                <a:latin typeface="Helvetica Neue Light"/>
+                <a:ea typeface="Helvetica Neue Light"/>
+                <a:cs typeface="Helvetica Neue Light"/>
+                <a:sym typeface="Helvetica Neue Light"/>
               </a:defRPr>
-            </a:lvl1pPr>
-          </a:lstStyle>
-          <a:p>
-            <a:r>
-              <a:t>About me</a:t>
+            </a:pPr>
+            <a:r>
+              <a:t>Led a sales team of 15 representatives, consistently achieving and surpassing monthly sales targets by 20%.</a:t>
+            </a:r>
+          </a:p>
+          <a:p>
+            <a:pPr marL="90236" indent="-90236" algn="just" defTabSz="457200">
+              <a:lnSpc>
+                <a:spcPct val="130000"/>
+              </a:lnSpc>
+              <a:buSzPct val="100000"/>
+              <a:buChar char="•"/>
+              <a:defRPr sz="1000">
+                <a:solidFill>
+                  <a:srgbClr val="333333"/>
+                </a:solidFill>
+                <a:latin typeface="Helvetica Neue Light"/>
+                <a:ea typeface="Helvetica Neue Light"/>
+                <a:cs typeface="Helvetica Neue Light"/>
+                <a:sym typeface="Helvetica Neue Light"/>
+              </a:defRPr>
+            </a:pPr>
+            <a:r>
+              <a:t>Implemented a new customer relationship management (CRM) system, resulting in a 30% increase in customer retention rates.</a:t>
+            </a:r>
+          </a:p>
+          <a:p>
+            <a:pPr marL="90236" indent="-90236" algn="just" defTabSz="457200">
+              <a:lnSpc>
+                <a:spcPct val="130000"/>
+              </a:lnSpc>
+              <a:buSzPct val="100000"/>
+              <a:buChar char="•"/>
+              <a:defRPr sz="1000">
+                <a:solidFill>
+                  <a:srgbClr val="333333"/>
+                </a:solidFill>
+                <a:latin typeface="Helvetica Neue Light"/>
+                <a:ea typeface="Helvetica Neue Light"/>
+                <a:cs typeface="Helvetica Neue Light"/>
+                <a:sym typeface="Helvetica Neue Light"/>
+              </a:defRPr>
+            </a:pPr>
+            <a:r>
+              <a:t>Developed and executed strategic sales plans to expand market share, resulting in a 25% increase in …</a:t>
             </a:r>
           </a:p>
         </p:txBody>
       </p:sp>
       <p:sp>
         <p:nvSpPr>
-          <p:cNvPr id="576" name="Lorem ipsum dolor sit amet, consectetur adipiscing elit. Aliquam ac bibendum dui. Proin convallis libero id diam porta, facilisis varius velit tempus. Mauris semper, sem sit amet semper porttitor, lectus enim vehicula enim, vel scelerisque metus ligula i"/>
+          <p:cNvPr id="225" name="Professional Experience"/>
           <p:cNvSpPr txBox="1"/>
           <p:nvPr/>
         </p:nvSpPr>
         <p:spPr>
           <a:xfrm>
-            <a:off x="2989618" y="3120735"/>
-            <a:ext cx="4142468" cy="1237861"/>
+            <a:off x="3778977" y="4351485"/>
+            <a:ext cx="3673716" cy="447383"/>
           </a:xfrm>
           <a:prstGeom prst="rect">
             <a:avLst/>
@@ -3360,42 +3446,57 @@
           </a:ln>
           <a:extLst>
             <a:ext uri="{C572A759-6A51-4108-AA02-DFA0A04FC94B}">
-              <ma14:wrappingTextBoxFlag xmlns="" xmlns:m="http://schemas.openxmlformats.org/officeDocument/2006/math" xmlns:a14="http://schemas.microsoft.com/office/drawing/2010/main" xmlns:ma14="http://schemas.microsoft.com/office/mac/drawingml/2011/main" val="1"/>
+              <ma14:wrappingTextBoxFlag xmlns:ma14="http://schemas.microsoft.com/office/mac/drawingml/2011/main" xmlns:a14="http://schemas.microsoft.com/office/drawing/2010/main" xmlns:m="http://schemas.openxmlformats.org/officeDocument/2006/math" xmlns="" val="1"/>
             </a:ext>
           </a:extLst>
         </p:spPr>
         <p:txBody>
-          <a:bodyPr lIns="0" tIns="0" rIns="0" bIns="0"/>
-          <a:lstStyle>
-            <a:lvl1pPr algn="just" defTabSz="457200">
-              <a:lnSpc>
-                <a:spcPct val="120000"/>
-              </a:lnSpc>
-              <a:defRPr sz="800">
-                <a:latin typeface="Helvetica Neue Light"/>
-                <a:ea typeface="Helvetica Neue Light"/>
-                <a:cs typeface="Helvetica Neue Light"/>
-                <a:sym typeface="Helvetica Neue Light"/>
+          <a:bodyPr lIns="50800" tIns="50800" rIns="50800" bIns="50800" anchor="ctr"/>
+          <a:lstStyle/>
+          <a:p>
+            <a:pPr defTabSz="457200">
+              <a:defRPr sz="1300" cap="all" spc="403">
+                <a:solidFill>
+                  <a:srgbClr val="8B4513"/>
+                </a:solidFill>
+                <a:latin typeface="Helvetica Neue"/>
+                <a:ea typeface="Helvetica Neue"/>
+                <a:cs typeface="Helvetica Neue"/>
+                <a:sym typeface="Helvetica Neue"/>
               </a:defRPr>
-            </a:lvl1pPr>
-          </a:lstStyle>
-          <a:p>
-            <a:r>
-              <a:t>Lorem ipsum dolor sit amet, consectetur adipiscing elit. Aliquam ac bibendum dui. Proin convallis libero id diam porta, facilisis varius velit tempus. Mauris semper, sem sit amet semper porttitor, lectus enim vehicula enim, vel scelerisque metus ligula id nibh. Nullam vitae sem fermentum, dignissim dui eget, luctus ex. Nullam vitae sem fermentum, dignissim dui eget, luctus ex.Lorem ipsum dolor sit amet, consectetur adipiscing elit. Aliquam ac bibendum dui. Proin convallis libero id diam porta, facilisis varius velit tempus. Mauris semper, sem sit amet semper porttitor, lectus enim vehicula enim, vel scelerisque metus ligula id nibh. Nullam vitae sem fermentum, dignissim dui eget, luctus ex.</a:t>
+            </a:pPr>
+            <a:r>
+              <a:rPr>
+                <a:solidFill>
+                  <a:srgbClr val="000000"/>
+                </a:solidFill>
+              </a:rPr>
+              <a:t>Professional</a:t>
+            </a:r>
+            <a:r>
+              <a:t> </a:t>
+            </a:r>
+            <a:r>
+              <a:rPr>
+                <a:solidFill>
+                  <a:srgbClr val="000000"/>
+                </a:solidFill>
+              </a:rPr>
+              <a:t>Experience</a:t>
             </a:r>
           </a:p>
         </p:txBody>
       </p:sp>
       <p:sp>
         <p:nvSpPr>
-          <p:cNvPr id="577" name="+0857 632 645"/>
+          <p:cNvPr id="226" name="Sales Manager"/>
           <p:cNvSpPr txBox="1"/>
           <p:nvPr/>
         </p:nvSpPr>
         <p:spPr>
           <a:xfrm>
-            <a:off x="970848" y="3135378"/>
-            <a:ext cx="1331171" cy="288846"/>
+            <a:off x="3778977" y="4938194"/>
+            <a:ext cx="2465646" cy="164368"/>
           </a:xfrm>
           <a:prstGeom prst="rect">
             <a:avLst/>
@@ -3405,15 +3506,18 @@
           </a:ln>
           <a:extLst>
             <a:ext uri="{C572A759-6A51-4108-AA02-DFA0A04FC94B}">
-              <ma14:wrappingTextBoxFlag xmlns="" xmlns:m="http://schemas.openxmlformats.org/officeDocument/2006/math" xmlns:a14="http://schemas.microsoft.com/office/drawing/2010/main" xmlns:ma14="http://schemas.microsoft.com/office/mac/drawingml/2011/main" val="1"/>
+              <ma14:wrappingTextBoxFlag xmlns:ma14="http://schemas.microsoft.com/office/mac/drawingml/2011/main" xmlns:a14="http://schemas.microsoft.com/office/drawing/2010/main" xmlns:m="http://schemas.openxmlformats.org/officeDocument/2006/math" xmlns="" val="1"/>
             </a:ext>
           </a:extLst>
         </p:spPr>
         <p:txBody>
-          <a:bodyPr lIns="50800" tIns="50800" rIns="50800" bIns="50800" anchor="ctr"/>
+          <a:bodyPr lIns="0" tIns="0" rIns="0" bIns="0"/>
           <a:lstStyle>
             <a:lvl1pPr defTabSz="457200">
-              <a:defRPr sz="800">
+              <a:lnSpc>
+                <a:spcPct val="120000"/>
+              </a:lnSpc>
+              <a:defRPr sz="1000" b="1" cap="all" spc="50">
                 <a:latin typeface="Helvetica Neue"/>
                 <a:ea typeface="Helvetica Neue"/>
                 <a:cs typeface="Helvetica Neue"/>
@@ -3423,21 +3527,21 @@
           </a:lstStyle>
           <a:p>
             <a:r>
-              <a:t>+0857 632 645</a:t>
+              <a:t>Sales Manager</a:t>
             </a:r>
           </a:p>
         </p:txBody>
       </p:sp>
       <p:sp>
         <p:nvSpPr>
-          <p:cNvPr id="578" name="yourmail@mail.com"/>
+          <p:cNvPr id="227" name="ABC Automobiles |  Cityville | May 20XX - Present"/>
           <p:cNvSpPr txBox="1"/>
           <p:nvPr/>
         </p:nvSpPr>
         <p:spPr>
           <a:xfrm>
-            <a:off x="980374" y="3421162"/>
-            <a:ext cx="1752137" cy="288846"/>
+            <a:off x="3778978" y="5138687"/>
+            <a:ext cx="3635687" cy="248396"/>
           </a:xfrm>
           <a:prstGeom prst="rect">
             <a:avLst/>
@@ -3447,15 +3551,21 @@
           </a:ln>
           <a:extLst>
             <a:ext uri="{C572A759-6A51-4108-AA02-DFA0A04FC94B}">
-              <ma14:wrappingTextBoxFlag xmlns="" xmlns:m="http://schemas.openxmlformats.org/officeDocument/2006/math" xmlns:a14="http://schemas.microsoft.com/office/drawing/2010/main" xmlns:ma14="http://schemas.microsoft.com/office/mac/drawingml/2011/main" val="1"/>
+              <ma14:wrappingTextBoxFlag xmlns:ma14="http://schemas.microsoft.com/office/mac/drawingml/2011/main" xmlns:a14="http://schemas.microsoft.com/office/drawing/2010/main" xmlns:m="http://schemas.openxmlformats.org/officeDocument/2006/math" xmlns="" val="1"/>
             </a:ext>
           </a:extLst>
         </p:spPr>
         <p:txBody>
-          <a:bodyPr lIns="50800" tIns="50800" rIns="50800" bIns="50800" anchor="ctr"/>
+          <a:bodyPr lIns="0" tIns="0" rIns="0" bIns="0"/>
           <a:lstStyle>
             <a:lvl1pPr defTabSz="457200">
-              <a:defRPr sz="800">
+              <a:lnSpc>
+                <a:spcPct val="120000"/>
+              </a:lnSpc>
+              <a:defRPr sz="1000" cap="all">
+                <a:solidFill>
+                  <a:srgbClr val="333333"/>
+                </a:solidFill>
                 <a:latin typeface="Helvetica Neue"/>
                 <a:ea typeface="Helvetica Neue"/>
                 <a:cs typeface="Helvetica Neue"/>
@@ -3465,21 +3575,21 @@
           </a:lstStyle>
           <a:p>
             <a:r>
-              <a:t>yourmail@mail.com</a:t>
+              <a:t>ABC Automobiles |  Cityville | May 20XX - Present</a:t>
             </a:r>
           </a:p>
         </p:txBody>
       </p:sp>
       <p:sp>
         <p:nvSpPr>
-          <p:cNvPr id="579" name="www.website.com"/>
+          <p:cNvPr id="228" name="References"/>
           <p:cNvSpPr txBox="1"/>
           <p:nvPr/>
         </p:nvSpPr>
         <p:spPr>
           <a:xfrm>
-            <a:off x="993250" y="3729068"/>
-            <a:ext cx="1752137" cy="288846"/>
+            <a:off x="3762939" y="8428021"/>
+            <a:ext cx="3344623" cy="447383"/>
           </a:xfrm>
           <a:prstGeom prst="rect">
             <a:avLst/>
@@ -3489,7 +3599,7 @@
           </a:ln>
           <a:extLst>
             <a:ext uri="{C572A759-6A51-4108-AA02-DFA0A04FC94B}">
-              <ma14:wrappingTextBoxFlag xmlns="" xmlns:m="http://schemas.openxmlformats.org/officeDocument/2006/math" xmlns:a14="http://schemas.microsoft.com/office/drawing/2010/main" xmlns:ma14="http://schemas.microsoft.com/office/mac/drawingml/2011/main" val="1"/>
+              <ma14:wrappingTextBoxFlag xmlns:ma14="http://schemas.microsoft.com/office/mac/drawingml/2011/main" xmlns:a14="http://schemas.microsoft.com/office/drawing/2010/main" xmlns:m="http://schemas.openxmlformats.org/officeDocument/2006/math" xmlns="" val="1"/>
             </a:ext>
           </a:extLst>
         </p:spPr>
@@ -3497,7 +3607,7 @@
           <a:bodyPr lIns="50800" tIns="50800" rIns="50800" bIns="50800" anchor="ctr"/>
           <a:lstStyle>
             <a:lvl1pPr defTabSz="457200">
-              <a:defRPr sz="800">
+              <a:defRPr sz="1300" cap="all" spc="156">
                 <a:latin typeface="Helvetica Neue"/>
                 <a:ea typeface="Helvetica Neue"/>
                 <a:cs typeface="Helvetica Neue"/>
@@ -3507,21 +3617,21 @@
           </a:lstStyle>
           <a:p>
             <a:r>
-              <a:t>www.website.com</a:t>
+              <a:t>References</a:t>
             </a:r>
           </a:p>
         </p:txBody>
       </p:sp>
       <p:sp>
         <p:nvSpPr>
-          <p:cNvPr id="580" name="123 Street name, City"/>
+          <p:cNvPr id="229" name="Contacts"/>
           <p:cNvSpPr txBox="1"/>
           <p:nvPr/>
         </p:nvSpPr>
         <p:spPr>
           <a:xfrm>
-            <a:off x="980374" y="4055127"/>
-            <a:ext cx="1528975" cy="288846"/>
+            <a:off x="832054" y="2065607"/>
+            <a:ext cx="2081622" cy="447383"/>
           </a:xfrm>
           <a:prstGeom prst="rect">
             <a:avLst/>
@@ -3531,15 +3641,15 @@
           </a:ln>
           <a:extLst>
             <a:ext uri="{C572A759-6A51-4108-AA02-DFA0A04FC94B}">
-              <ma14:wrappingTextBoxFlag xmlns="" xmlns:m="http://schemas.openxmlformats.org/officeDocument/2006/math" xmlns:a14="http://schemas.microsoft.com/office/drawing/2010/main" xmlns:ma14="http://schemas.microsoft.com/office/mac/drawingml/2011/main" val="1"/>
+              <ma14:wrappingTextBoxFlag xmlns:ma14="http://schemas.microsoft.com/office/mac/drawingml/2011/main" xmlns:a14="http://schemas.microsoft.com/office/drawing/2010/main" xmlns:m="http://schemas.openxmlformats.org/officeDocument/2006/math" xmlns="" val="1"/>
             </a:ext>
           </a:extLst>
         </p:spPr>
         <p:txBody>
-          <a:bodyPr lIns="50800" tIns="50800" rIns="50800" bIns="50800"/>
+          <a:bodyPr lIns="50800" tIns="50800" rIns="50800" bIns="50800" anchor="ctr"/>
           <a:lstStyle>
             <a:lvl1pPr defTabSz="457200">
-              <a:defRPr sz="800">
+              <a:defRPr sz="1300" cap="all" spc="455">
                 <a:latin typeface="Helvetica Neue"/>
                 <a:ea typeface="Helvetica Neue"/>
                 <a:cs typeface="Helvetica Neue"/>
@@ -3549,191 +3659,35 @@
           </a:lstStyle>
           <a:p>
             <a:r>
-              <a:t>123 Street name, City</a:t>
-            </a:r>
-          </a:p>
-        </p:txBody>
-      </p:sp>
-      <p:sp>
-        <p:nvSpPr>
-          <p:cNvPr id="581" name="Линия"/>
-          <p:cNvSpPr/>
-          <p:nvPr/>
-        </p:nvSpPr>
-        <p:spPr>
-          <a:xfrm>
-            <a:off x="753449" y="4615923"/>
-            <a:ext cx="6386921" cy="1"/>
-          </a:xfrm>
-          <a:prstGeom prst="line">
-            <a:avLst/>
-          </a:prstGeom>
-          <a:ln>
-            <a:solidFill>
-              <a:srgbClr val="D5D5D5"/>
-            </a:solidFill>
-            <a:miter lim="400000"/>
-          </a:ln>
-        </p:spPr>
-        <p:txBody>
-          <a:bodyPr lIns="50800" tIns="50800" rIns="50800" bIns="50800"/>
-          <a:lstStyle/>
-          <a:p>
-            <a:pPr defTabSz="457200">
-              <a:defRPr sz="1100">
-                <a:latin typeface="Helvetica Neue"/>
-                <a:ea typeface="Helvetica Neue"/>
-                <a:cs typeface="Helvetica Neue"/>
-                <a:sym typeface="Helvetica Neue"/>
-              </a:defRPr>
-            </a:pPr>
-            <a:endParaRPr/>
-          </a:p>
-        </p:txBody>
-      </p:sp>
-      <p:sp>
-        <p:nvSpPr>
-          <p:cNvPr id="582" name="Линия"/>
-          <p:cNvSpPr/>
-          <p:nvPr/>
-        </p:nvSpPr>
-        <p:spPr>
-          <a:xfrm flipV="1">
-            <a:off x="2754592" y="2777621"/>
-            <a:ext cx="1" cy="1609140"/>
-          </a:xfrm>
-          <a:prstGeom prst="line">
-            <a:avLst/>
-          </a:prstGeom>
-          <a:ln>
-            <a:solidFill>
-              <a:srgbClr val="D5D5D5"/>
-            </a:solidFill>
-            <a:miter lim="400000"/>
-          </a:ln>
-        </p:spPr>
-        <p:txBody>
-          <a:bodyPr lIns="50800" tIns="50800" rIns="50800" bIns="50800"/>
-          <a:lstStyle/>
-          <a:p>
-            <a:pPr defTabSz="457200">
-              <a:defRPr sz="1100">
-                <a:latin typeface="Helvetica Neue"/>
-                <a:ea typeface="Helvetica Neue"/>
-                <a:cs typeface="Helvetica Neue"/>
-                <a:sym typeface="Helvetica Neue"/>
-              </a:defRPr>
-            </a:pPr>
-            <a:endParaRPr/>
-          </a:p>
-        </p:txBody>
-      </p:sp>
-      <p:sp>
-        <p:nvSpPr>
-          <p:cNvPr id="583" name="Линия"/>
-          <p:cNvSpPr/>
-          <p:nvPr/>
-        </p:nvSpPr>
-        <p:spPr>
-          <a:xfrm flipV="1">
-            <a:off x="2754592" y="4862882"/>
-            <a:ext cx="1" cy="5968785"/>
-          </a:xfrm>
-          <a:prstGeom prst="line">
-            <a:avLst/>
-          </a:prstGeom>
-          <a:ln>
-            <a:solidFill>
-              <a:srgbClr val="D5D5D5"/>
-            </a:solidFill>
-            <a:miter lim="400000"/>
-          </a:ln>
-        </p:spPr>
-        <p:txBody>
-          <a:bodyPr lIns="50800" tIns="50800" rIns="50800" bIns="50800"/>
-          <a:lstStyle/>
-          <a:p>
-            <a:pPr defTabSz="457200">
-              <a:defRPr sz="1100">
-                <a:latin typeface="Helvetica Neue"/>
-                <a:ea typeface="Helvetica Neue"/>
-                <a:cs typeface="Helvetica Neue"/>
-                <a:sym typeface="Helvetica Neue"/>
-              </a:defRPr>
-            </a:pPr>
-            <a:endParaRPr/>
-          </a:p>
-        </p:txBody>
-      </p:sp>
-      <p:sp>
-        <p:nvSpPr>
-          <p:cNvPr id="584" name="References"/>
-          <p:cNvSpPr txBox="1"/>
-          <p:nvPr/>
-        </p:nvSpPr>
-        <p:spPr>
-          <a:xfrm>
-            <a:off x="2989618" y="9567522"/>
-            <a:ext cx="2180583" cy="238709"/>
-          </a:xfrm>
-          <a:prstGeom prst="rect">
-            <a:avLst/>
-          </a:prstGeom>
-          <a:ln w="12700">
-            <a:miter lim="400000"/>
-          </a:ln>
-          <a:extLst>
-            <a:ext uri="{C572A759-6A51-4108-AA02-DFA0A04FC94B}">
-              <ma14:wrappingTextBoxFlag xmlns="" xmlns:m="http://schemas.openxmlformats.org/officeDocument/2006/math" xmlns:a14="http://schemas.microsoft.com/office/drawing/2010/main" xmlns:ma14="http://schemas.microsoft.com/office/mac/drawingml/2011/main" val="1"/>
-            </a:ext>
-          </a:extLst>
-        </p:spPr>
-        <p:txBody>
-          <a:bodyPr lIns="0" tIns="0" rIns="0" bIns="0" anchor="ctr"/>
-          <a:lstStyle>
-            <a:lvl1pPr defTabSz="457200">
-              <a:lnSpc>
-                <a:spcPct val="120000"/>
-              </a:lnSpc>
-              <a:defRPr sz="1400" cap="all" spc="168">
-                <a:latin typeface="Helvetica Neue"/>
-                <a:ea typeface="Helvetica Neue"/>
-                <a:cs typeface="Helvetica Neue"/>
-                <a:sym typeface="Helvetica Neue"/>
-              </a:defRPr>
-            </a:lvl1pPr>
-          </a:lstStyle>
-          <a:p>
-            <a:r>
-              <a:t>References</a:t>
+              <a:t>Contacts</a:t>
             </a:r>
           </a:p>
         </p:txBody>
       </p:sp>
       <p:grpSp>
         <p:nvGrpSpPr>
-          <p:cNvPr id="590" name="Сгруппировать"/>
+          <p:cNvPr id="237" name="Group"/>
           <p:cNvGrpSpPr/>
           <p:nvPr/>
         </p:nvGrpSpPr>
         <p:grpSpPr>
           <a:xfrm>
-            <a:off x="2995566" y="9859695"/>
-            <a:ext cx="1865972" cy="953771"/>
+            <a:off x="932054" y="2582815"/>
+            <a:ext cx="2331372" cy="1206404"/>
             <a:chOff x="0" y="0"/>
-            <a:chExt cx="1865970" cy="953769"/>
+            <a:chExt cx="2331370" cy="1206402"/>
           </a:xfrm>
         </p:grpSpPr>
         <p:sp>
           <p:nvSpPr>
-            <p:cNvPr id="585" name="Alonso davis"/>
+            <p:cNvPr id="230" name="[Your Address]"/>
             <p:cNvSpPr txBox="1"/>
             <p:nvPr/>
           </p:nvSpPr>
           <p:spPr>
             <a:xfrm>
-              <a:off x="0" y="0"/>
-              <a:ext cx="1722563" cy="264978"/>
+              <a:off x="403755" y="947360"/>
+              <a:ext cx="1682104" cy="259043"/>
             </a:xfrm>
             <a:prstGeom prst="rect">
               <a:avLst/>
@@ -3746,41 +3700,44 @@
             <a:effectLst/>
             <a:extLst>
               <a:ext uri="{C572A759-6A51-4108-AA02-DFA0A04FC94B}">
-                <ma14:wrappingTextBoxFlag xmlns="" xmlns:m="http://schemas.openxmlformats.org/officeDocument/2006/math" xmlns:a14="http://schemas.microsoft.com/office/drawing/2010/main" xmlns:ma14="http://schemas.microsoft.com/office/mac/drawingml/2011/main" val="1"/>
+                <ma14:wrappingTextBoxFlag xmlns:ma14="http://schemas.microsoft.com/office/mac/drawingml/2011/main" xmlns:a14="http://schemas.microsoft.com/office/drawing/2010/main" xmlns:m="http://schemas.openxmlformats.org/officeDocument/2006/math" xmlns="" val="1"/>
               </a:ext>
             </a:extLst>
           </p:spPr>
           <p:txBody>
-            <a:bodyPr wrap="square" lIns="0" tIns="0" rIns="0" bIns="0" numCol="1" anchor="ctr">
+            <a:bodyPr wrap="square" lIns="50800" tIns="50800" rIns="50800" bIns="50800" numCol="1" anchor="ctr">
               <a:noAutofit/>
             </a:bodyPr>
             <a:lstStyle>
               <a:lvl1pPr defTabSz="457200">
-                <a:defRPr sz="900" cap="all" spc="45">
-                  <a:latin typeface="Helvetica Neue Medium"/>
-                  <a:ea typeface="Helvetica Neue Medium"/>
-                  <a:cs typeface="Helvetica Neue Medium"/>
-                  <a:sym typeface="Helvetica Neue Medium"/>
+                <a:defRPr sz="1000">
+                  <a:solidFill>
+                    <a:srgbClr val="333333"/>
+                  </a:solidFill>
+                  <a:latin typeface="Helvetica Neue"/>
+                  <a:ea typeface="Helvetica Neue"/>
+                  <a:cs typeface="Helvetica Neue"/>
+                  <a:sym typeface="Helvetica Neue"/>
                 </a:defRPr>
               </a:lvl1pPr>
             </a:lstStyle>
             <a:p>
               <a:r>
-                <a:t>Alonso davis</a:t>
+                <a:t>[Your Address]</a:t>
               </a:r>
             </a:p>
           </p:txBody>
         </p:sp>
         <p:sp>
           <p:nvSpPr>
-            <p:cNvPr id="586" name="Professional title"/>
+            <p:cNvPr id="231" name="[Your Phone Number]"/>
             <p:cNvSpPr txBox="1"/>
             <p:nvPr/>
           </p:nvSpPr>
           <p:spPr>
             <a:xfrm>
-              <a:off x="0" y="225216"/>
-              <a:ext cx="1516110" cy="198709"/>
+              <a:off x="403756" y="0"/>
+              <a:ext cx="1767344" cy="317774"/>
             </a:xfrm>
             <a:prstGeom prst="rect">
               <a:avLst/>
@@ -3793,17 +3750,20 @@
             <a:effectLst/>
             <a:extLst>
               <a:ext uri="{C572A759-6A51-4108-AA02-DFA0A04FC94B}">
-                <ma14:wrappingTextBoxFlag xmlns="" xmlns:m="http://schemas.openxmlformats.org/officeDocument/2006/math" xmlns:a14="http://schemas.microsoft.com/office/drawing/2010/main" xmlns:ma14="http://schemas.microsoft.com/office/mac/drawingml/2011/main" val="1"/>
+                <ma14:wrappingTextBoxFlag xmlns:ma14="http://schemas.microsoft.com/office/mac/drawingml/2011/main" xmlns:a14="http://schemas.microsoft.com/office/drawing/2010/main" xmlns:m="http://schemas.openxmlformats.org/officeDocument/2006/math" xmlns="" val="1"/>
               </a:ext>
             </a:extLst>
           </p:spPr>
           <p:txBody>
-            <a:bodyPr wrap="square" lIns="0" tIns="0" rIns="0" bIns="0" numCol="1" anchor="ctr">
+            <a:bodyPr wrap="square" lIns="50800" tIns="50800" rIns="50800" bIns="50800" numCol="1" anchor="ctr">
               <a:noAutofit/>
             </a:bodyPr>
             <a:lstStyle>
               <a:lvl1pPr defTabSz="457200">
-                <a:defRPr sz="900">
+                <a:defRPr sz="1100">
+                  <a:solidFill>
+                    <a:srgbClr val="333333"/>
+                  </a:solidFill>
                   <a:latin typeface="Helvetica Neue"/>
                   <a:ea typeface="Helvetica Neue"/>
                   <a:cs typeface="Helvetica Neue"/>
@@ -3813,21 +3773,21 @@
             </a:lstStyle>
             <a:p>
               <a:r>
-                <a:t>Professional title</a:t>
+                <a:t>[Your Phone Number]</a:t>
               </a:r>
             </a:p>
           </p:txBody>
         </p:sp>
         <p:sp>
           <p:nvSpPr>
-            <p:cNvPr id="587" name="Company name"/>
+            <p:cNvPr id="232" name="[Your Email]"/>
             <p:cNvSpPr txBox="1"/>
             <p:nvPr/>
           </p:nvSpPr>
           <p:spPr>
             <a:xfrm>
-              <a:off x="0" y="357655"/>
-              <a:ext cx="1865971" cy="264978"/>
+              <a:off x="403756" y="361922"/>
+              <a:ext cx="1927615" cy="317775"/>
             </a:xfrm>
             <a:prstGeom prst="rect">
               <a:avLst/>
@@ -3840,41 +3800,44 @@
             <a:effectLst/>
             <a:extLst>
               <a:ext uri="{C572A759-6A51-4108-AA02-DFA0A04FC94B}">
-                <ma14:wrappingTextBoxFlag xmlns="" xmlns:m="http://schemas.openxmlformats.org/officeDocument/2006/math" xmlns:a14="http://schemas.microsoft.com/office/drawing/2010/main" xmlns:ma14="http://schemas.microsoft.com/office/mac/drawingml/2011/main" val="1"/>
+                <ma14:wrappingTextBoxFlag xmlns:ma14="http://schemas.microsoft.com/office/mac/drawingml/2011/main" xmlns:a14="http://schemas.microsoft.com/office/drawing/2010/main" xmlns:m="http://schemas.openxmlformats.org/officeDocument/2006/math" xmlns="" val="1"/>
               </a:ext>
             </a:extLst>
           </p:spPr>
           <p:txBody>
-            <a:bodyPr wrap="square" lIns="0" tIns="0" rIns="0" bIns="0" numCol="1" anchor="ctr">
+            <a:bodyPr wrap="square" lIns="50800" tIns="50800" rIns="50800" bIns="50800" numCol="1" anchor="ctr">
               <a:noAutofit/>
             </a:bodyPr>
             <a:lstStyle>
               <a:lvl1pPr defTabSz="457200">
-                <a:defRPr sz="800">
-                  <a:latin typeface="Helvetica Neue Light"/>
-                  <a:ea typeface="Helvetica Neue Light"/>
-                  <a:cs typeface="Helvetica Neue Light"/>
-                  <a:sym typeface="Helvetica Neue Light"/>
+                <a:defRPr sz="1100">
+                  <a:solidFill>
+                    <a:srgbClr val="333333"/>
+                  </a:solidFill>
+                  <a:latin typeface="Helvetica Neue"/>
+                  <a:ea typeface="Helvetica Neue"/>
+                  <a:cs typeface="Helvetica Neue"/>
+                  <a:sym typeface="Helvetica Neue"/>
                 </a:defRPr>
               </a:lvl1pPr>
             </a:lstStyle>
             <a:p>
               <a:r>
-                <a:t>Company name</a:t>
+                <a:t>[Your Email]</a:t>
               </a:r>
             </a:p>
           </p:txBody>
         </p:sp>
         <p:sp>
           <p:nvSpPr>
-            <p:cNvPr id="588" name="285-746-9487"/>
+            <p:cNvPr id="233" name="Country, Zip Postal Code"/>
             <p:cNvSpPr txBox="1"/>
             <p:nvPr/>
           </p:nvSpPr>
           <p:spPr>
             <a:xfrm>
-              <a:off x="0" y="529905"/>
-              <a:ext cx="1865971" cy="264978"/>
+              <a:off x="403756" y="736545"/>
+              <a:ext cx="1682103" cy="257498"/>
             </a:xfrm>
             <a:prstGeom prst="rect">
               <a:avLst/>
@@ -3887,173 +3850,20 @@
             <a:effectLst/>
             <a:extLst>
               <a:ext uri="{C572A759-6A51-4108-AA02-DFA0A04FC94B}">
-                <ma14:wrappingTextBoxFlag xmlns="" xmlns:m="http://schemas.openxmlformats.org/officeDocument/2006/math" xmlns:a14="http://schemas.microsoft.com/office/drawing/2010/main" xmlns:ma14="http://schemas.microsoft.com/office/mac/drawingml/2011/main" val="1"/>
+                <ma14:wrappingTextBoxFlag xmlns:ma14="http://schemas.microsoft.com/office/mac/drawingml/2011/main" xmlns:a14="http://schemas.microsoft.com/office/drawing/2010/main" xmlns:m="http://schemas.openxmlformats.org/officeDocument/2006/math" xmlns="" val="1"/>
               </a:ext>
             </a:extLst>
           </p:spPr>
           <p:txBody>
-            <a:bodyPr wrap="square" lIns="0" tIns="0" rIns="0" bIns="0" numCol="1" anchor="ctr">
+            <a:bodyPr wrap="square" lIns="50800" tIns="50800" rIns="50800" bIns="50800" numCol="1" anchor="ctr">
               <a:noAutofit/>
             </a:bodyPr>
             <a:lstStyle>
               <a:lvl1pPr defTabSz="457200">
-                <a:defRPr sz="800">
-                  <a:latin typeface="Helvetica Neue Light"/>
-                  <a:ea typeface="Helvetica Neue Light"/>
-                  <a:cs typeface="Helvetica Neue Light"/>
-                  <a:sym typeface="Helvetica Neue Light"/>
-                </a:defRPr>
-              </a:lvl1pPr>
-            </a:lstStyle>
-            <a:p>
-              <a:r>
-                <a:t>285-746-9487</a:t>
-              </a:r>
-            </a:p>
-          </p:txBody>
-        </p:sp>
-        <p:sp>
-          <p:nvSpPr>
-            <p:cNvPr id="589" name="mail@mial.com"/>
-            <p:cNvSpPr txBox="1"/>
-            <p:nvPr/>
-          </p:nvSpPr>
-          <p:spPr>
-            <a:xfrm>
-              <a:off x="0" y="688792"/>
-              <a:ext cx="1865971" cy="264978"/>
-            </a:xfrm>
-            <a:prstGeom prst="rect">
-              <a:avLst/>
-            </a:prstGeom>
-            <a:noFill/>
-            <a:ln w="12700" cap="flat">
-              <a:noFill/>
-              <a:miter lim="400000"/>
-            </a:ln>
-            <a:effectLst/>
-            <a:extLst>
-              <a:ext uri="{C572A759-6A51-4108-AA02-DFA0A04FC94B}">
-                <ma14:wrappingTextBoxFlag xmlns="" xmlns:m="http://schemas.openxmlformats.org/officeDocument/2006/math" xmlns:a14="http://schemas.microsoft.com/office/drawing/2010/main" xmlns:ma14="http://schemas.microsoft.com/office/mac/drawingml/2011/main" val="1"/>
-              </a:ext>
-            </a:extLst>
-          </p:spPr>
-          <p:txBody>
-            <a:bodyPr wrap="square" lIns="0" tIns="0" rIns="0" bIns="0" numCol="1" anchor="ctr">
-              <a:noAutofit/>
-            </a:bodyPr>
-            <a:lstStyle>
-              <a:lvl1pPr defTabSz="457200">
-                <a:defRPr sz="800">
-                  <a:latin typeface="Helvetica Neue Light"/>
-                  <a:ea typeface="Helvetica Neue Light"/>
-                  <a:cs typeface="Helvetica Neue Light"/>
-                  <a:sym typeface="Helvetica Neue Light"/>
-                </a:defRPr>
-              </a:lvl1pPr>
-            </a:lstStyle>
-            <a:p>
-              <a:r>
-                <a:t>mail@mial.com</a:t>
-              </a:r>
-            </a:p>
-          </p:txBody>
-        </p:sp>
-      </p:grpSp>
-      <p:grpSp>
-        <p:nvGrpSpPr>
-          <p:cNvPr id="596" name="Сгруппировать"/>
-          <p:cNvGrpSpPr/>
-          <p:nvPr/>
-        </p:nvGrpSpPr>
-        <p:grpSpPr>
-          <a:xfrm>
-            <a:off x="4582244" y="9859695"/>
-            <a:ext cx="1865972" cy="953771"/>
-            <a:chOff x="0" y="0"/>
-            <a:chExt cx="1865970" cy="953769"/>
-          </a:xfrm>
-        </p:grpSpPr>
-        <p:sp>
-          <p:nvSpPr>
-            <p:cNvPr id="591" name="Alonso davis"/>
-            <p:cNvSpPr txBox="1"/>
-            <p:nvPr/>
-          </p:nvSpPr>
-          <p:spPr>
-            <a:xfrm>
-              <a:off x="0" y="0"/>
-              <a:ext cx="1722563" cy="264978"/>
-            </a:xfrm>
-            <a:prstGeom prst="rect">
-              <a:avLst/>
-            </a:prstGeom>
-            <a:noFill/>
-            <a:ln w="12700" cap="flat">
-              <a:noFill/>
-              <a:miter lim="400000"/>
-            </a:ln>
-            <a:effectLst/>
-            <a:extLst>
-              <a:ext uri="{C572A759-6A51-4108-AA02-DFA0A04FC94B}">
-                <ma14:wrappingTextBoxFlag xmlns="" xmlns:m="http://schemas.openxmlformats.org/officeDocument/2006/math" xmlns:a14="http://schemas.microsoft.com/office/drawing/2010/main" xmlns:ma14="http://schemas.microsoft.com/office/mac/drawingml/2011/main" val="1"/>
-              </a:ext>
-            </a:extLst>
-          </p:spPr>
-          <p:txBody>
-            <a:bodyPr wrap="square" lIns="0" tIns="0" rIns="0" bIns="0" numCol="1" anchor="ctr">
-              <a:noAutofit/>
-            </a:bodyPr>
-            <a:lstStyle>
-              <a:lvl1pPr defTabSz="457200">
-                <a:defRPr sz="900" cap="all" spc="45">
-                  <a:latin typeface="Helvetica Neue Medium"/>
-                  <a:ea typeface="Helvetica Neue Medium"/>
-                  <a:cs typeface="Helvetica Neue Medium"/>
-                  <a:sym typeface="Helvetica Neue Medium"/>
-                </a:defRPr>
-              </a:lvl1pPr>
-            </a:lstStyle>
-            <a:p>
-              <a:r>
-                <a:t>Alonso davis</a:t>
-              </a:r>
-            </a:p>
-          </p:txBody>
-        </p:sp>
-        <p:sp>
-          <p:nvSpPr>
-            <p:cNvPr id="592" name="Professional title"/>
-            <p:cNvSpPr txBox="1"/>
-            <p:nvPr/>
-          </p:nvSpPr>
-          <p:spPr>
-            <a:xfrm>
-              <a:off x="0" y="225216"/>
-              <a:ext cx="1516110" cy="198709"/>
-            </a:xfrm>
-            <a:prstGeom prst="rect">
-              <a:avLst/>
-            </a:prstGeom>
-            <a:noFill/>
-            <a:ln w="12700" cap="flat">
-              <a:noFill/>
-              <a:miter lim="400000"/>
-            </a:ln>
-            <a:effectLst/>
-            <a:extLst>
-              <a:ext uri="{C572A759-6A51-4108-AA02-DFA0A04FC94B}">
-                <ma14:wrappingTextBoxFlag xmlns="" xmlns:m="http://schemas.openxmlformats.org/officeDocument/2006/math" xmlns:a14="http://schemas.microsoft.com/office/drawing/2010/main" xmlns:ma14="http://schemas.microsoft.com/office/mac/drawingml/2011/main" val="1"/>
-              </a:ext>
-            </a:extLst>
-          </p:spPr>
-          <p:txBody>
-            <a:bodyPr wrap="square" lIns="0" tIns="0" rIns="0" bIns="0" numCol="1" anchor="ctr">
-              <a:noAutofit/>
-            </a:bodyPr>
-            <a:lstStyle>
-              <a:lvl1pPr defTabSz="457200">
-                <a:defRPr sz="900">
+                <a:defRPr sz="1100">
+                  <a:solidFill>
+                    <a:srgbClr val="333333"/>
+                  </a:solidFill>
                   <a:latin typeface="Helvetica Neue"/>
                   <a:ea typeface="Helvetica Neue"/>
                   <a:cs typeface="Helvetica Neue"/>
@@ -4063,422 +3873,139 @@
             </a:lstStyle>
             <a:p>
               <a:r>
-                <a:t>Professional title</a:t>
+                <a:t>Country, Zip Postal Code</a:t>
               </a:r>
             </a:p>
           </p:txBody>
         </p:sp>
-        <p:sp>
-          <p:nvSpPr>
-            <p:cNvPr id="593" name="Company name"/>
-            <p:cNvSpPr txBox="1"/>
+        <p:pic>
+          <p:nvPicPr>
+            <p:cNvPr id="234" name="Group 10.png" descr="Group 10.png"/>
+            <p:cNvPicPr>
+              <a:picLocks noChangeAspect="1"/>
+            </p:cNvPicPr>
             <p:nvPr/>
-          </p:nvSpPr>
+          </p:nvPicPr>
+          <p:blipFill>
+            <a:blip r:embed="rId2"/>
+            <a:srcRect/>
+            <a:stretch>
+              <a:fillRect/>
+            </a:stretch>
+          </p:blipFill>
           <p:spPr>
             <a:xfrm>
-              <a:off x="0" y="357655"/>
-              <a:ext cx="1865971" cy="264978"/>
+              <a:off x="35240" y="384944"/>
+              <a:ext cx="303906" cy="303906"/>
             </a:xfrm>
             <a:prstGeom prst="rect">
               <a:avLst/>
             </a:prstGeom>
-            <a:noFill/>
             <a:ln w="12700" cap="flat">
               <a:noFill/>
               <a:miter lim="400000"/>
             </a:ln>
-            <a:effectLst/>
-            <a:extLst>
-              <a:ext uri="{C572A759-6A51-4108-AA02-DFA0A04FC94B}">
-                <ma14:wrappingTextBoxFlag xmlns="" xmlns:m="http://schemas.openxmlformats.org/officeDocument/2006/math" xmlns:a14="http://schemas.microsoft.com/office/drawing/2010/main" xmlns:ma14="http://schemas.microsoft.com/office/mac/drawingml/2011/main" val="1"/>
-              </a:ext>
-            </a:extLst>
+            <a:effectLst>
+              <a:outerShdw blurRad="63500" dist="25400" dir="5400000" rotWithShape="0">
+                <a:srgbClr val="000000">
+                  <a:alpha val="50000"/>
+                </a:srgbClr>
+              </a:outerShdw>
+            </a:effectLst>
           </p:spPr>
-          <p:txBody>
-            <a:bodyPr wrap="square" lIns="0" tIns="0" rIns="0" bIns="0" numCol="1" anchor="ctr">
-              <a:noAutofit/>
-            </a:bodyPr>
-            <a:lstStyle>
-              <a:lvl1pPr defTabSz="457200">
-                <a:defRPr sz="800">
-                  <a:latin typeface="Helvetica Neue Light"/>
-                  <a:ea typeface="Helvetica Neue Light"/>
-                  <a:cs typeface="Helvetica Neue Light"/>
-                  <a:sym typeface="Helvetica Neue Light"/>
-                </a:defRPr>
-              </a:lvl1pPr>
-            </a:lstStyle>
-            <a:p>
-              <a:r>
-                <a:t>Company name</a:t>
-              </a:r>
-            </a:p>
-          </p:txBody>
-        </p:sp>
-        <p:sp>
-          <p:nvSpPr>
-            <p:cNvPr id="594" name="285-746-9487"/>
-            <p:cNvSpPr txBox="1"/>
+        </p:pic>
+        <p:pic>
+          <p:nvPicPr>
+            <p:cNvPr id="235" name="Group 12.png" descr="Group 12.png"/>
+            <p:cNvPicPr>
+              <a:picLocks noChangeAspect="1"/>
+            </p:cNvPicPr>
             <p:nvPr/>
-          </p:nvSpPr>
+          </p:nvPicPr>
+          <p:blipFill>
+            <a:blip r:embed="rId3"/>
+            <a:srcRect l="9013" t="9013" r="9013" b="9013"/>
+            <a:stretch>
+              <a:fillRect/>
+            </a:stretch>
+          </p:blipFill>
           <p:spPr>
             <a:xfrm>
-              <a:off x="0" y="529905"/>
-              <a:ext cx="1865971" cy="264978"/>
+              <a:off x="0" y="736545"/>
+              <a:ext cx="349833" cy="349834"/>
             </a:xfrm>
             <a:prstGeom prst="rect">
               <a:avLst/>
             </a:prstGeom>
-            <a:noFill/>
             <a:ln w="12700" cap="flat">
               <a:noFill/>
               <a:miter lim="400000"/>
             </a:ln>
-            <a:effectLst/>
-            <a:extLst>
-              <a:ext uri="{C572A759-6A51-4108-AA02-DFA0A04FC94B}">
-                <ma14:wrappingTextBoxFlag xmlns="" xmlns:m="http://schemas.openxmlformats.org/officeDocument/2006/math" xmlns:a14="http://schemas.microsoft.com/office/drawing/2010/main" xmlns:ma14="http://schemas.microsoft.com/office/mac/drawingml/2011/main" val="1"/>
-              </a:ext>
-            </a:extLst>
+            <a:effectLst>
+              <a:outerShdw blurRad="63500" dist="25400" dir="5400000" rotWithShape="0">
+                <a:srgbClr val="000000">
+                  <a:alpha val="50000"/>
+                </a:srgbClr>
+              </a:outerShdw>
+            </a:effectLst>
           </p:spPr>
-          <p:txBody>
-            <a:bodyPr wrap="square" lIns="0" tIns="0" rIns="0" bIns="0" numCol="1" anchor="ctr">
-              <a:noAutofit/>
-            </a:bodyPr>
-            <a:lstStyle>
-              <a:lvl1pPr defTabSz="457200">
-                <a:defRPr sz="800">
-                  <a:latin typeface="Helvetica Neue Light"/>
-                  <a:ea typeface="Helvetica Neue Light"/>
-                  <a:cs typeface="Helvetica Neue Light"/>
-                  <a:sym typeface="Helvetica Neue Light"/>
-                </a:defRPr>
-              </a:lvl1pPr>
-            </a:lstStyle>
-            <a:p>
-              <a:r>
-                <a:t>285-746-9487</a:t>
-              </a:r>
-            </a:p>
-          </p:txBody>
-        </p:sp>
-        <p:sp>
-          <p:nvSpPr>
-            <p:cNvPr id="595" name="mail@mial.com"/>
-            <p:cNvSpPr txBox="1"/>
+        </p:pic>
+        <p:pic>
+          <p:nvPicPr>
+            <p:cNvPr id="236" name="Group 13.png" descr="Group 13.png"/>
+            <p:cNvPicPr>
+              <a:picLocks noChangeAspect="1"/>
+            </p:cNvPicPr>
             <p:nvPr/>
-          </p:nvSpPr>
+          </p:nvPicPr>
+          <p:blipFill>
+            <a:blip r:embed="rId4"/>
+            <a:srcRect/>
+            <a:stretch>
+              <a:fillRect/>
+            </a:stretch>
+          </p:blipFill>
           <p:spPr>
             <a:xfrm>
-              <a:off x="0" y="688792"/>
-              <a:ext cx="1865971" cy="264978"/>
+              <a:off x="36162" y="23943"/>
+              <a:ext cx="302061" cy="302062"/>
             </a:xfrm>
             <a:prstGeom prst="rect">
               <a:avLst/>
             </a:prstGeom>
-            <a:noFill/>
             <a:ln w="12700" cap="flat">
               <a:noFill/>
               <a:miter lim="400000"/>
             </a:ln>
-            <a:effectLst/>
-            <a:extLst>
-              <a:ext uri="{C572A759-6A51-4108-AA02-DFA0A04FC94B}">
-                <ma14:wrappingTextBoxFlag xmlns="" xmlns:m="http://schemas.openxmlformats.org/officeDocument/2006/math" xmlns:a14="http://schemas.microsoft.com/office/drawing/2010/main" xmlns:ma14="http://schemas.microsoft.com/office/mac/drawingml/2011/main" val="1"/>
-              </a:ext>
-            </a:extLst>
+            <a:effectLst>
+              <a:outerShdw blurRad="63500" dist="25400" dir="5400000" rotWithShape="0">
+                <a:srgbClr val="000000">
+                  <a:alpha val="50000"/>
+                </a:srgbClr>
+              </a:outerShdw>
+            </a:effectLst>
           </p:spPr>
-          <p:txBody>
-            <a:bodyPr wrap="square" lIns="0" tIns="0" rIns="0" bIns="0" numCol="1" anchor="ctr">
-              <a:noAutofit/>
-            </a:bodyPr>
-            <a:lstStyle>
-              <a:lvl1pPr defTabSz="457200">
-                <a:defRPr sz="800">
-                  <a:latin typeface="Helvetica Neue Light"/>
-                  <a:ea typeface="Helvetica Neue Light"/>
-                  <a:cs typeface="Helvetica Neue Light"/>
-                  <a:sym typeface="Helvetica Neue Light"/>
-                </a:defRPr>
-              </a:lvl1pPr>
-            </a:lstStyle>
-            <a:p>
-              <a:r>
-                <a:t>mail@mial.com</a:t>
-              </a:r>
-            </a:p>
-          </p:txBody>
-        </p:sp>
-      </p:grpSp>
-      <p:grpSp>
-        <p:nvGrpSpPr>
-          <p:cNvPr id="602" name="Сгруппировать"/>
-          <p:cNvGrpSpPr/>
-          <p:nvPr/>
-        </p:nvGrpSpPr>
-        <p:grpSpPr>
-          <a:xfrm>
-            <a:off x="6199099" y="9859695"/>
-            <a:ext cx="1865972" cy="953771"/>
-            <a:chOff x="0" y="0"/>
-            <a:chExt cx="1865970" cy="953769"/>
-          </a:xfrm>
-        </p:grpSpPr>
-        <p:sp>
-          <p:nvSpPr>
-            <p:cNvPr id="597" name="Alonso davis"/>
-            <p:cNvSpPr txBox="1"/>
-            <p:nvPr/>
-          </p:nvSpPr>
-          <p:spPr>
-            <a:xfrm>
-              <a:off x="0" y="0"/>
-              <a:ext cx="1722563" cy="264978"/>
-            </a:xfrm>
-            <a:prstGeom prst="rect">
-              <a:avLst/>
-            </a:prstGeom>
-            <a:noFill/>
-            <a:ln w="12700" cap="flat">
-              <a:noFill/>
-              <a:miter lim="400000"/>
-            </a:ln>
-            <a:effectLst/>
-            <a:extLst>
-              <a:ext uri="{C572A759-6A51-4108-AA02-DFA0A04FC94B}">
-                <ma14:wrappingTextBoxFlag xmlns="" xmlns:m="http://schemas.openxmlformats.org/officeDocument/2006/math" xmlns:a14="http://schemas.microsoft.com/office/drawing/2010/main" xmlns:ma14="http://schemas.microsoft.com/office/mac/drawingml/2011/main" val="1"/>
-              </a:ext>
-            </a:extLst>
-          </p:spPr>
-          <p:txBody>
-            <a:bodyPr wrap="square" lIns="0" tIns="0" rIns="0" bIns="0" numCol="1" anchor="ctr">
-              <a:noAutofit/>
-            </a:bodyPr>
-            <a:lstStyle>
-              <a:lvl1pPr defTabSz="457200">
-                <a:defRPr sz="900" cap="all" spc="45">
-                  <a:latin typeface="Helvetica Neue Medium"/>
-                  <a:ea typeface="Helvetica Neue Medium"/>
-                  <a:cs typeface="Helvetica Neue Medium"/>
-                  <a:sym typeface="Helvetica Neue Medium"/>
-                </a:defRPr>
-              </a:lvl1pPr>
-            </a:lstStyle>
-            <a:p>
-              <a:r>
-                <a:t>Alonso davis</a:t>
-              </a:r>
-            </a:p>
-          </p:txBody>
-        </p:sp>
-        <p:sp>
-          <p:nvSpPr>
-            <p:cNvPr id="598" name="Professional title"/>
-            <p:cNvSpPr txBox="1"/>
-            <p:nvPr/>
-          </p:nvSpPr>
-          <p:spPr>
-            <a:xfrm>
-              <a:off x="0" y="225216"/>
-              <a:ext cx="1516110" cy="198709"/>
-            </a:xfrm>
-            <a:prstGeom prst="rect">
-              <a:avLst/>
-            </a:prstGeom>
-            <a:noFill/>
-            <a:ln w="12700" cap="flat">
-              <a:noFill/>
-              <a:miter lim="400000"/>
-            </a:ln>
-            <a:effectLst/>
-            <a:extLst>
-              <a:ext uri="{C572A759-6A51-4108-AA02-DFA0A04FC94B}">
-                <ma14:wrappingTextBoxFlag xmlns="" xmlns:m="http://schemas.openxmlformats.org/officeDocument/2006/math" xmlns:a14="http://schemas.microsoft.com/office/drawing/2010/main" xmlns:ma14="http://schemas.microsoft.com/office/mac/drawingml/2011/main" val="1"/>
-              </a:ext>
-            </a:extLst>
-          </p:spPr>
-          <p:txBody>
-            <a:bodyPr wrap="square" lIns="0" tIns="0" rIns="0" bIns="0" numCol="1" anchor="ctr">
-              <a:noAutofit/>
-            </a:bodyPr>
-            <a:lstStyle>
-              <a:lvl1pPr defTabSz="457200">
-                <a:defRPr sz="900">
-                  <a:latin typeface="Helvetica Neue"/>
-                  <a:ea typeface="Helvetica Neue"/>
-                  <a:cs typeface="Helvetica Neue"/>
-                  <a:sym typeface="Helvetica Neue"/>
-                </a:defRPr>
-              </a:lvl1pPr>
-            </a:lstStyle>
-            <a:p>
-              <a:r>
-                <a:t>Professional title</a:t>
-              </a:r>
-            </a:p>
-          </p:txBody>
-        </p:sp>
-        <p:sp>
-          <p:nvSpPr>
-            <p:cNvPr id="599" name="Company name"/>
-            <p:cNvSpPr txBox="1"/>
-            <p:nvPr/>
-          </p:nvSpPr>
-          <p:spPr>
-            <a:xfrm>
-              <a:off x="0" y="357655"/>
-              <a:ext cx="1865971" cy="264978"/>
-            </a:xfrm>
-            <a:prstGeom prst="rect">
-              <a:avLst/>
-            </a:prstGeom>
-            <a:noFill/>
-            <a:ln w="12700" cap="flat">
-              <a:noFill/>
-              <a:miter lim="400000"/>
-            </a:ln>
-            <a:effectLst/>
-            <a:extLst>
-              <a:ext uri="{C572A759-6A51-4108-AA02-DFA0A04FC94B}">
-                <ma14:wrappingTextBoxFlag xmlns="" xmlns:m="http://schemas.openxmlformats.org/officeDocument/2006/math" xmlns:a14="http://schemas.microsoft.com/office/drawing/2010/main" xmlns:ma14="http://schemas.microsoft.com/office/mac/drawingml/2011/main" val="1"/>
-              </a:ext>
-            </a:extLst>
-          </p:spPr>
-          <p:txBody>
-            <a:bodyPr wrap="square" lIns="0" tIns="0" rIns="0" bIns="0" numCol="1" anchor="ctr">
-              <a:noAutofit/>
-            </a:bodyPr>
-            <a:lstStyle>
-              <a:lvl1pPr defTabSz="457200">
-                <a:defRPr sz="800">
-                  <a:latin typeface="Helvetica Neue Light"/>
-                  <a:ea typeface="Helvetica Neue Light"/>
-                  <a:cs typeface="Helvetica Neue Light"/>
-                  <a:sym typeface="Helvetica Neue Light"/>
-                </a:defRPr>
-              </a:lvl1pPr>
-            </a:lstStyle>
-            <a:p>
-              <a:r>
-                <a:t>Company name</a:t>
-              </a:r>
-            </a:p>
-          </p:txBody>
-        </p:sp>
-        <p:sp>
-          <p:nvSpPr>
-            <p:cNvPr id="600" name="285-746-9487"/>
-            <p:cNvSpPr txBox="1"/>
-            <p:nvPr/>
-          </p:nvSpPr>
-          <p:spPr>
-            <a:xfrm>
-              <a:off x="0" y="529905"/>
-              <a:ext cx="1865971" cy="264978"/>
-            </a:xfrm>
-            <a:prstGeom prst="rect">
-              <a:avLst/>
-            </a:prstGeom>
-            <a:noFill/>
-            <a:ln w="12700" cap="flat">
-              <a:noFill/>
-              <a:miter lim="400000"/>
-            </a:ln>
-            <a:effectLst/>
-            <a:extLst>
-              <a:ext uri="{C572A759-6A51-4108-AA02-DFA0A04FC94B}">
-                <ma14:wrappingTextBoxFlag xmlns="" xmlns:m="http://schemas.openxmlformats.org/officeDocument/2006/math" xmlns:a14="http://schemas.microsoft.com/office/drawing/2010/main" xmlns:ma14="http://schemas.microsoft.com/office/mac/drawingml/2011/main" val="1"/>
-              </a:ext>
-            </a:extLst>
-          </p:spPr>
-          <p:txBody>
-            <a:bodyPr wrap="square" lIns="0" tIns="0" rIns="0" bIns="0" numCol="1" anchor="ctr">
-              <a:noAutofit/>
-            </a:bodyPr>
-            <a:lstStyle>
-              <a:lvl1pPr defTabSz="457200">
-                <a:defRPr sz="800">
-                  <a:latin typeface="Helvetica Neue Light"/>
-                  <a:ea typeface="Helvetica Neue Light"/>
-                  <a:cs typeface="Helvetica Neue Light"/>
-                  <a:sym typeface="Helvetica Neue Light"/>
-                </a:defRPr>
-              </a:lvl1pPr>
-            </a:lstStyle>
-            <a:p>
-              <a:r>
-                <a:t>285-746-9487</a:t>
-              </a:r>
-            </a:p>
-          </p:txBody>
-        </p:sp>
-        <p:sp>
-          <p:nvSpPr>
-            <p:cNvPr id="601" name="mail@mial.com"/>
-            <p:cNvSpPr txBox="1"/>
-            <p:nvPr/>
-          </p:nvSpPr>
-          <p:spPr>
-            <a:xfrm>
-              <a:off x="0" y="688792"/>
-              <a:ext cx="1865971" cy="264978"/>
-            </a:xfrm>
-            <a:prstGeom prst="rect">
-              <a:avLst/>
-            </a:prstGeom>
-            <a:noFill/>
-            <a:ln w="12700" cap="flat">
-              <a:noFill/>
-              <a:miter lim="400000"/>
-            </a:ln>
-            <a:effectLst/>
-            <a:extLst>
-              <a:ext uri="{C572A759-6A51-4108-AA02-DFA0A04FC94B}">
-                <ma14:wrappingTextBoxFlag xmlns="" xmlns:m="http://schemas.openxmlformats.org/officeDocument/2006/math" xmlns:a14="http://schemas.microsoft.com/office/drawing/2010/main" xmlns:ma14="http://schemas.microsoft.com/office/mac/drawingml/2011/main" val="1"/>
-              </a:ext>
-            </a:extLst>
-          </p:spPr>
-          <p:txBody>
-            <a:bodyPr wrap="square" lIns="0" tIns="0" rIns="0" bIns="0" numCol="1" anchor="ctr">
-              <a:noAutofit/>
-            </a:bodyPr>
-            <a:lstStyle>
-              <a:lvl1pPr defTabSz="457200">
-                <a:defRPr sz="800">
-                  <a:latin typeface="Helvetica Neue Light"/>
-                  <a:ea typeface="Helvetica Neue Light"/>
-                  <a:cs typeface="Helvetica Neue Light"/>
-                  <a:sym typeface="Helvetica Neue Light"/>
-                </a:defRPr>
-              </a:lvl1pPr>
-            </a:lstStyle>
-            <a:p>
-              <a:r>
-                <a:t>mail@mial.com</a:t>
-              </a:r>
-            </a:p>
-          </p:txBody>
-        </p:sp>
+        </p:pic>
       </p:grpSp>
       <p:sp>
         <p:nvSpPr>
-          <p:cNvPr id="603" name="Линия"/>
+          <p:cNvPr id="238" name="Line"/>
           <p:cNvSpPr/>
           <p:nvPr/>
         </p:nvSpPr>
         <p:spPr>
-          <a:xfrm>
-            <a:off x="3008820" y="9303974"/>
-            <a:ext cx="4131550" cy="1"/>
+          <a:xfrm flipH="1" flipV="1">
+            <a:off x="622638" y="2506639"/>
+            <a:ext cx="6886693" cy="1"/>
           </a:xfrm>
           <a:prstGeom prst="line">
             <a:avLst/>
           </a:prstGeom>
-          <a:ln>
+          <a:ln w="12700">
             <a:solidFill>
-              <a:srgbClr val="D5D5D5"/>
+              <a:srgbClr val="1E3A5F"/>
             </a:solidFill>
-            <a:miter lim="400000"/>
+            <a:miter/>
           </a:ln>
         </p:spPr>
         <p:txBody>
@@ -4499,14 +4026,14 @@
       </p:sp>
       <p:sp>
         <p:nvSpPr>
-          <p:cNvPr id="604" name="Experience"/>
+          <p:cNvPr id="239" name="Education"/>
           <p:cNvSpPr txBox="1"/>
           <p:nvPr/>
         </p:nvSpPr>
         <p:spPr>
           <a:xfrm>
-            <a:off x="2989618" y="4889389"/>
-            <a:ext cx="2180583" cy="238709"/>
+            <a:off x="832054" y="4351456"/>
+            <a:ext cx="2016982" cy="447383"/>
           </a:xfrm>
           <a:prstGeom prst="rect">
             <a:avLst/>
@@ -4516,7 +4043,358 @@
           </a:ln>
           <a:extLst>
             <a:ext uri="{C572A759-6A51-4108-AA02-DFA0A04FC94B}">
-              <ma14:wrappingTextBoxFlag xmlns="" xmlns:m="http://schemas.openxmlformats.org/officeDocument/2006/math" xmlns:a14="http://schemas.microsoft.com/office/drawing/2010/main" xmlns:ma14="http://schemas.microsoft.com/office/mac/drawingml/2011/main" val="1"/>
+              <ma14:wrappingTextBoxFlag xmlns:ma14="http://schemas.microsoft.com/office/mac/drawingml/2011/main" xmlns:a14="http://schemas.microsoft.com/office/drawing/2010/main" xmlns:m="http://schemas.openxmlformats.org/officeDocument/2006/math" xmlns="" val="1"/>
+            </a:ext>
+          </a:extLst>
+        </p:spPr>
+        <p:txBody>
+          <a:bodyPr lIns="50800" tIns="50800" rIns="50800" bIns="50800" anchor="ctr"/>
+          <a:lstStyle>
+            <a:lvl1pPr defTabSz="457200">
+              <a:defRPr sz="1300" cap="all" spc="455">
+                <a:latin typeface="Helvetica Neue"/>
+                <a:ea typeface="Helvetica Neue"/>
+                <a:cs typeface="Helvetica Neue"/>
+                <a:sym typeface="Helvetica Neue"/>
+              </a:defRPr>
+            </a:lvl1pPr>
+          </a:lstStyle>
+          <a:p>
+            <a:r>
+              <a:t>Education</a:t>
+            </a:r>
+          </a:p>
+        </p:txBody>
+      </p:sp>
+      <p:sp>
+        <p:nvSpPr>
+          <p:cNvPr id="240" name="Line"/>
+          <p:cNvSpPr/>
+          <p:nvPr/>
+        </p:nvSpPr>
+        <p:spPr>
+          <a:xfrm flipH="1" flipV="1">
+            <a:off x="622638" y="4816680"/>
+            <a:ext cx="6886693" cy="1"/>
+          </a:xfrm>
+          <a:prstGeom prst="line">
+            <a:avLst/>
+          </a:prstGeom>
+          <a:ln w="12700">
+            <a:solidFill>
+              <a:srgbClr val="1E3A5F"/>
+            </a:solidFill>
+            <a:miter lim="400000"/>
+          </a:ln>
+        </p:spPr>
+        <p:txBody>
+          <a:bodyPr lIns="50800" tIns="50800" rIns="50800" bIns="50800"/>
+          <a:lstStyle/>
+          <a:p>
+            <a:pPr defTabSz="457200">
+              <a:defRPr sz="1100">
+                <a:latin typeface="Helvetica Neue"/>
+                <a:ea typeface="Helvetica Neue"/>
+                <a:cs typeface="Helvetica Neue"/>
+                <a:sym typeface="Helvetica Neue"/>
+              </a:defRPr>
+            </a:pPr>
+            <a:endParaRPr/>
+          </a:p>
+        </p:txBody>
+      </p:sp>
+      <p:sp>
+        <p:nvSpPr>
+          <p:cNvPr id="241" name="Law School Name…"/>
+          <p:cNvSpPr txBox="1"/>
+          <p:nvPr/>
+        </p:nvSpPr>
+        <p:spPr>
+          <a:xfrm>
+            <a:off x="874408" y="5288236"/>
+            <a:ext cx="2454135" cy="599369"/>
+          </a:xfrm>
+          <a:prstGeom prst="rect">
+            <a:avLst/>
+          </a:prstGeom>
+          <a:ln w="12700">
+            <a:miter lim="400000"/>
+          </a:ln>
+          <a:extLst>
+            <a:ext uri="{C572A759-6A51-4108-AA02-DFA0A04FC94B}">
+              <ma14:wrappingTextBoxFlag xmlns:ma14="http://schemas.microsoft.com/office/mac/drawingml/2011/main" xmlns:a14="http://schemas.microsoft.com/office/drawing/2010/main" xmlns:m="http://schemas.openxmlformats.org/officeDocument/2006/math" xmlns="" val="1"/>
+            </a:ext>
+          </a:extLst>
+        </p:spPr>
+        <p:txBody>
+          <a:bodyPr lIns="0" tIns="0" rIns="0" bIns="0"/>
+          <a:lstStyle/>
+          <a:p>
+            <a:pPr defTabSz="457200">
+              <a:lnSpc>
+                <a:spcPct val="120000"/>
+              </a:lnSpc>
+              <a:defRPr sz="1000">
+                <a:solidFill>
+                  <a:srgbClr val="333333"/>
+                </a:solidFill>
+                <a:latin typeface="Helvetica Neue"/>
+                <a:ea typeface="Helvetica Neue"/>
+                <a:cs typeface="Helvetica Neue"/>
+                <a:sym typeface="Helvetica Neue"/>
+              </a:defRPr>
+            </a:pPr>
+            <a:r>
+              <a:t>Law School Name</a:t>
+            </a:r>
+          </a:p>
+          <a:p>
+            <a:pPr defTabSz="457200">
+              <a:lnSpc>
+                <a:spcPct val="120000"/>
+              </a:lnSpc>
+              <a:defRPr sz="1000">
+                <a:solidFill>
+                  <a:srgbClr val="333333"/>
+                </a:solidFill>
+                <a:latin typeface="Helvetica Neue"/>
+                <a:ea typeface="Helvetica Neue"/>
+                <a:cs typeface="Helvetica Neue"/>
+                <a:sym typeface="Helvetica Neue"/>
+              </a:defRPr>
+            </a:pPr>
+            <a:r>
+              <a:t>City, State, Year</a:t>
+            </a:r>
+          </a:p>
+          <a:p>
+            <a:pPr defTabSz="457200">
+              <a:lnSpc>
+                <a:spcPct val="120000"/>
+              </a:lnSpc>
+              <a:defRPr sz="1000">
+                <a:solidFill>
+                  <a:srgbClr val="333333"/>
+                </a:solidFill>
+                <a:latin typeface="Helvetica Neue"/>
+                <a:ea typeface="Helvetica Neue"/>
+                <a:cs typeface="Helvetica Neue"/>
+                <a:sym typeface="Helvetica Neue"/>
+              </a:defRPr>
+            </a:pPr>
+            <a:r>
+              <a:t>Graduated: 20XX</a:t>
+            </a:r>
+          </a:p>
+        </p:txBody>
+      </p:sp>
+      <p:sp>
+        <p:nvSpPr>
+          <p:cNvPr id="242" name="Key Skills:"/>
+          <p:cNvSpPr txBox="1"/>
+          <p:nvPr/>
+        </p:nvSpPr>
+        <p:spPr>
+          <a:xfrm>
+            <a:off x="832054" y="8436163"/>
+            <a:ext cx="2121266" cy="447383"/>
+          </a:xfrm>
+          <a:prstGeom prst="rect">
+            <a:avLst/>
+          </a:prstGeom>
+          <a:ln w="12700">
+            <a:miter lim="400000"/>
+          </a:ln>
+          <a:extLst>
+            <a:ext uri="{C572A759-6A51-4108-AA02-DFA0A04FC94B}">
+              <ma14:wrappingTextBoxFlag xmlns:ma14="http://schemas.microsoft.com/office/mac/drawingml/2011/main" xmlns:a14="http://schemas.microsoft.com/office/drawing/2010/main" xmlns:m="http://schemas.openxmlformats.org/officeDocument/2006/math" xmlns="" val="1"/>
+            </a:ext>
+          </a:extLst>
+        </p:spPr>
+        <p:txBody>
+          <a:bodyPr lIns="50800" tIns="50800" rIns="50800" bIns="50800" anchor="ctr"/>
+          <a:lstStyle>
+            <a:lvl1pPr defTabSz="457200">
+              <a:defRPr sz="1300" cap="all" spc="455">
+                <a:latin typeface="Helvetica Neue"/>
+                <a:ea typeface="Helvetica Neue"/>
+                <a:cs typeface="Helvetica Neue"/>
+                <a:sym typeface="Helvetica Neue"/>
+              </a:defRPr>
+            </a:lvl1pPr>
+          </a:lstStyle>
+          <a:p>
+            <a:r>
+              <a:t>Key Skills:</a:t>
+            </a:r>
+          </a:p>
+        </p:txBody>
+      </p:sp>
+      <p:sp>
+        <p:nvSpPr>
+          <p:cNvPr id="243" name="John Doe"/>
+          <p:cNvSpPr txBox="1"/>
+          <p:nvPr/>
+        </p:nvSpPr>
+        <p:spPr>
+          <a:xfrm>
+            <a:off x="3880577" y="8967720"/>
+            <a:ext cx="1899311" cy="164369"/>
+          </a:xfrm>
+          <a:prstGeom prst="rect">
+            <a:avLst/>
+          </a:prstGeom>
+          <a:ln w="12700">
+            <a:miter lim="400000"/>
+          </a:ln>
+          <a:extLst>
+            <a:ext uri="{C572A759-6A51-4108-AA02-DFA0A04FC94B}">
+              <ma14:wrappingTextBoxFlag xmlns:ma14="http://schemas.microsoft.com/office/mac/drawingml/2011/main" xmlns:a14="http://schemas.microsoft.com/office/drawing/2010/main" xmlns:m="http://schemas.openxmlformats.org/officeDocument/2006/math" xmlns="" val="1"/>
+            </a:ext>
+          </a:extLst>
+        </p:spPr>
+        <p:txBody>
+          <a:bodyPr lIns="0" tIns="0" rIns="0" bIns="0"/>
+          <a:lstStyle>
+            <a:lvl1pPr defTabSz="457200">
+              <a:lnSpc>
+                <a:spcPct val="120000"/>
+              </a:lnSpc>
+              <a:defRPr sz="1000" b="1" cap="all" spc="50">
+                <a:latin typeface="Helvetica Neue"/>
+                <a:ea typeface="Helvetica Neue"/>
+                <a:cs typeface="Helvetica Neue"/>
+                <a:sym typeface="Helvetica Neue"/>
+              </a:defRPr>
+            </a:lvl1pPr>
+          </a:lstStyle>
+          <a:p>
+            <a:r>
+              <a:t>John Doe</a:t>
+            </a:r>
+          </a:p>
+        </p:txBody>
+      </p:sp>
+      <p:sp>
+        <p:nvSpPr>
+          <p:cNvPr id="244" name="Creative Director"/>
+          <p:cNvSpPr txBox="1"/>
+          <p:nvPr/>
+        </p:nvSpPr>
+        <p:spPr>
+          <a:xfrm>
+            <a:off x="3880577" y="9138415"/>
+            <a:ext cx="1249796" cy="164368"/>
+          </a:xfrm>
+          <a:prstGeom prst="rect">
+            <a:avLst/>
+          </a:prstGeom>
+          <a:ln w="12700">
+            <a:miter lim="400000"/>
+          </a:ln>
+          <a:extLst>
+            <a:ext uri="{C572A759-6A51-4108-AA02-DFA0A04FC94B}">
+              <ma14:wrappingTextBoxFlag xmlns:ma14="http://schemas.microsoft.com/office/mac/drawingml/2011/main" xmlns:a14="http://schemas.microsoft.com/office/drawing/2010/main" xmlns:m="http://schemas.openxmlformats.org/officeDocument/2006/math" xmlns="" val="1"/>
+            </a:ext>
+          </a:extLst>
+        </p:spPr>
+        <p:txBody>
+          <a:bodyPr lIns="0" tIns="0" rIns="0" bIns="0"/>
+          <a:lstStyle>
+            <a:lvl1pPr defTabSz="457200">
+              <a:lnSpc>
+                <a:spcPct val="120000"/>
+              </a:lnSpc>
+              <a:defRPr sz="900" cap="all" spc="45">
+                <a:solidFill>
+                  <a:srgbClr val="333333"/>
+                </a:solidFill>
+                <a:latin typeface="Helvetica Neue Light"/>
+                <a:ea typeface="Helvetica Neue Light"/>
+                <a:cs typeface="Helvetica Neue Light"/>
+                <a:sym typeface="Helvetica Neue Light"/>
+              </a:defRPr>
+            </a:lvl1pPr>
+          </a:lstStyle>
+          <a:p>
+            <a:r>
+              <a:t>Creative Director</a:t>
+            </a:r>
+          </a:p>
+        </p:txBody>
+      </p:sp>
+      <p:sp>
+        <p:nvSpPr>
+          <p:cNvPr id="245" name="XYZ Agency"/>
+          <p:cNvSpPr txBox="1"/>
+          <p:nvPr/>
+        </p:nvSpPr>
+        <p:spPr>
+          <a:xfrm>
+            <a:off x="3880577" y="9300605"/>
+            <a:ext cx="2092604" cy="164369"/>
+          </a:xfrm>
+          <a:prstGeom prst="rect">
+            <a:avLst/>
+          </a:prstGeom>
+          <a:ln w="12700">
+            <a:miter lim="400000"/>
+          </a:ln>
+          <a:extLst>
+            <a:ext uri="{C572A759-6A51-4108-AA02-DFA0A04FC94B}">
+              <ma14:wrappingTextBoxFlag xmlns:ma14="http://schemas.microsoft.com/office/mac/drawingml/2011/main" xmlns:a14="http://schemas.microsoft.com/office/drawing/2010/main" xmlns:m="http://schemas.openxmlformats.org/officeDocument/2006/math" xmlns="" val="1"/>
+            </a:ext>
+          </a:extLst>
+        </p:spPr>
+        <p:txBody>
+          <a:bodyPr lIns="0" tIns="0" rIns="0" bIns="0" anchor="ctr"/>
+          <a:lstStyle/>
+          <a:p>
+            <a:pPr defTabSz="457200">
+              <a:lnSpc>
+                <a:spcPct val="120000"/>
+              </a:lnSpc>
+              <a:defRPr sz="700" cap="all" spc="35">
+                <a:latin typeface="Helvetica Neue Light"/>
+                <a:ea typeface="Helvetica Neue Light"/>
+                <a:cs typeface="Helvetica Neue Light"/>
+                <a:sym typeface="Helvetica Neue Light"/>
+              </a:defRPr>
+            </a:pPr>
+            <a:r>
+              <a:t>XYZ </a:t>
+            </a:r>
+            <a:r>
+              <a:rPr>
+                <a:solidFill>
+                  <a:srgbClr val="333333"/>
+                </a:solidFill>
+              </a:rPr>
+              <a:t>Agency</a:t>
+            </a:r>
+          </a:p>
+        </p:txBody>
+      </p:sp>
+      <p:sp>
+        <p:nvSpPr>
+          <p:cNvPr id="246" name="johndoe@xyzagency.com"/>
+          <p:cNvSpPr txBox="1"/>
+          <p:nvPr/>
+        </p:nvSpPr>
+        <p:spPr>
+          <a:xfrm>
+            <a:off x="3880577" y="9463169"/>
+            <a:ext cx="1782186" cy="127658"/>
+          </a:xfrm>
+          <a:prstGeom prst="rect">
+            <a:avLst/>
+          </a:prstGeom>
+          <a:ln w="12700">
+            <a:miter lim="400000"/>
+          </a:ln>
+          <a:extLst>
+            <a:ext uri="{C572A759-6A51-4108-AA02-DFA0A04FC94B}">
+              <ma14:wrappingTextBoxFlag xmlns:ma14="http://schemas.microsoft.com/office/mac/drawingml/2011/main" xmlns:a14="http://schemas.microsoft.com/office/drawing/2010/main" xmlns:m="http://schemas.openxmlformats.org/officeDocument/2006/math" xmlns="" val="1"/>
             </a:ext>
           </a:extLst>
         </p:spPr>
@@ -4527,31 +4405,34 @@
               <a:lnSpc>
                 <a:spcPct val="120000"/>
               </a:lnSpc>
-              <a:defRPr sz="1400" cap="all" spc="168">
-                <a:latin typeface="Helvetica Neue"/>
-                <a:ea typeface="Helvetica Neue"/>
-                <a:cs typeface="Helvetica Neue"/>
-                <a:sym typeface="Helvetica Neue"/>
+              <a:defRPr sz="800" spc="40">
+                <a:solidFill>
+                  <a:srgbClr val="333333"/>
+                </a:solidFill>
+                <a:latin typeface="Helvetica Neue Light"/>
+                <a:ea typeface="Helvetica Neue Light"/>
+                <a:cs typeface="Helvetica Neue Light"/>
+                <a:sym typeface="Helvetica Neue Light"/>
               </a:defRPr>
             </a:lvl1pPr>
           </a:lstStyle>
           <a:p>
             <a:r>
-              <a:t>Experience</a:t>
+              <a:t>johndoe@xyzagency.com</a:t>
             </a:r>
           </a:p>
         </p:txBody>
       </p:sp>
       <p:sp>
         <p:nvSpPr>
-          <p:cNvPr id="605" name="Education"/>
+          <p:cNvPr id="247" name="+1234 567 890"/>
           <p:cNvSpPr txBox="1"/>
           <p:nvPr/>
         </p:nvSpPr>
         <p:spPr>
           <a:xfrm>
-            <a:off x="745165" y="4889389"/>
-            <a:ext cx="1314248" cy="238709"/>
+            <a:off x="3880577" y="9620790"/>
+            <a:ext cx="1782186" cy="127658"/>
           </a:xfrm>
           <a:prstGeom prst="rect">
             <a:avLst/>
@@ -4561,42 +4442,52 @@
           </a:ln>
           <a:extLst>
             <a:ext uri="{C572A759-6A51-4108-AA02-DFA0A04FC94B}">
-              <ma14:wrappingTextBoxFlag xmlns="" xmlns:m="http://schemas.openxmlformats.org/officeDocument/2006/math" xmlns:a14="http://schemas.microsoft.com/office/drawing/2010/main" xmlns:ma14="http://schemas.microsoft.com/office/mac/drawingml/2011/main" val="1"/>
+              <ma14:wrappingTextBoxFlag xmlns:ma14="http://schemas.microsoft.com/office/mac/drawingml/2011/main" xmlns:a14="http://schemas.microsoft.com/office/drawing/2010/main" xmlns:m="http://schemas.openxmlformats.org/officeDocument/2006/math" xmlns="" val="1"/>
             </a:ext>
           </a:extLst>
         </p:spPr>
         <p:txBody>
           <a:bodyPr lIns="0" tIns="0" rIns="0" bIns="0" anchor="ctr"/>
-          <a:lstStyle>
-            <a:lvl1pPr defTabSz="457200">
+          <a:lstStyle/>
+          <a:p>
+            <a:pPr defTabSz="457200">
               <a:lnSpc>
                 <a:spcPct val="120000"/>
               </a:lnSpc>
-              <a:defRPr sz="1400" cap="all" spc="168">
-                <a:latin typeface="Helvetica Neue"/>
-                <a:ea typeface="Helvetica Neue"/>
-                <a:cs typeface="Helvetica Neue"/>
-                <a:sym typeface="Helvetica Neue"/>
+              <a:defRPr sz="800" spc="40">
+                <a:latin typeface="Helvetica Neue Light"/>
+                <a:ea typeface="Helvetica Neue Light"/>
+                <a:cs typeface="Helvetica Neue Light"/>
+                <a:sym typeface="Helvetica Neue Light"/>
               </a:defRPr>
-            </a:lvl1pPr>
-          </a:lstStyle>
-          <a:p>
-            <a:r>
-              <a:t>Education</a:t>
+            </a:pPr>
+            <a:r>
+              <a:t>+1234 </a:t>
+            </a:r>
+            <a:r>
+              <a:rPr>
+                <a:solidFill>
+                  <a:srgbClr val="333333"/>
+                </a:solidFill>
+              </a:rPr>
+              <a:t>567</a:t>
+            </a:r>
+            <a:r>
+              <a:t> 890</a:t>
             </a:r>
           </a:p>
         </p:txBody>
       </p:sp>
       <p:sp>
         <p:nvSpPr>
-          <p:cNvPr id="606" name="Enter your degree"/>
+          <p:cNvPr id="248" name="Master’s Degree in Business Administration"/>
           <p:cNvSpPr txBox="1"/>
           <p:nvPr/>
         </p:nvSpPr>
         <p:spPr>
           <a:xfrm>
-            <a:off x="745165" y="5247381"/>
-            <a:ext cx="1722564" cy="264978"/>
+            <a:off x="874407" y="4938194"/>
+            <a:ext cx="2454136" cy="352162"/>
           </a:xfrm>
           <a:prstGeom prst="rect">
             <a:avLst/>
@@ -4606,39 +4497,42 @@
           </a:ln>
           <a:extLst>
             <a:ext uri="{C572A759-6A51-4108-AA02-DFA0A04FC94B}">
-              <ma14:wrappingTextBoxFlag xmlns="" xmlns:m="http://schemas.openxmlformats.org/officeDocument/2006/math" xmlns:a14="http://schemas.microsoft.com/office/drawing/2010/main" xmlns:ma14="http://schemas.microsoft.com/office/mac/drawingml/2011/main" val="1"/>
+              <ma14:wrappingTextBoxFlag xmlns:ma14="http://schemas.microsoft.com/office/mac/drawingml/2011/main" xmlns:a14="http://schemas.microsoft.com/office/drawing/2010/main" xmlns:m="http://schemas.openxmlformats.org/officeDocument/2006/math" xmlns="" val="1"/>
             </a:ext>
           </a:extLst>
         </p:spPr>
         <p:txBody>
-          <a:bodyPr lIns="0" tIns="0" rIns="0" bIns="0" anchor="ctr"/>
+          <a:bodyPr lIns="0" tIns="0" rIns="0" bIns="0"/>
           <a:lstStyle>
             <a:lvl1pPr defTabSz="457200">
-              <a:defRPr sz="900" cap="all" spc="45">
-                <a:latin typeface="Helvetica Neue Medium"/>
-                <a:ea typeface="Helvetica Neue Medium"/>
-                <a:cs typeface="Helvetica Neue Medium"/>
-                <a:sym typeface="Helvetica Neue Medium"/>
+              <a:lnSpc>
+                <a:spcPct val="120000"/>
+              </a:lnSpc>
+              <a:defRPr sz="1000" b="1" cap="all" spc="50">
+                <a:latin typeface="Helvetica Neue"/>
+                <a:ea typeface="Helvetica Neue"/>
+                <a:cs typeface="Helvetica Neue"/>
+                <a:sym typeface="Helvetica Neue"/>
               </a:defRPr>
             </a:lvl1pPr>
           </a:lstStyle>
           <a:p>
             <a:r>
-              <a:t>Enter your degree</a:t>
+              <a:t>Master’s Degree in Business Administration</a:t>
             </a:r>
           </a:p>
         </p:txBody>
       </p:sp>
       <p:sp>
         <p:nvSpPr>
-          <p:cNvPr id="607" name="Name of university"/>
+          <p:cNvPr id="249" name="Sales Management…"/>
           <p:cNvSpPr txBox="1"/>
           <p:nvPr/>
         </p:nvSpPr>
         <p:spPr>
           <a:xfrm>
-            <a:off x="745165" y="5446090"/>
-            <a:ext cx="1865972" cy="264978"/>
+            <a:off x="874407" y="8949077"/>
+            <a:ext cx="2204148" cy="1974839"/>
           </a:xfrm>
           <a:prstGeom prst="rect">
             <a:avLst/>
@@ -4648,39 +4542,272 @@
           </a:ln>
           <a:extLst>
             <a:ext uri="{C572A759-6A51-4108-AA02-DFA0A04FC94B}">
-              <ma14:wrappingTextBoxFlag xmlns="" xmlns:m="http://schemas.openxmlformats.org/officeDocument/2006/math" xmlns:a14="http://schemas.microsoft.com/office/drawing/2010/main" xmlns:ma14="http://schemas.microsoft.com/office/mac/drawingml/2011/main" val="1"/>
+              <ma14:wrappingTextBoxFlag xmlns:ma14="http://schemas.microsoft.com/office/mac/drawingml/2011/main" xmlns:a14="http://schemas.microsoft.com/office/drawing/2010/main" xmlns:m="http://schemas.openxmlformats.org/officeDocument/2006/math" xmlns="" val="1"/>
             </a:ext>
           </a:extLst>
         </p:spPr>
         <p:txBody>
-          <a:bodyPr lIns="0" tIns="0" rIns="0" bIns="0" anchor="ctr"/>
-          <a:lstStyle>
-            <a:lvl1pPr defTabSz="457200">
-              <a:defRPr sz="900">
+          <a:bodyPr lIns="0" tIns="0" rIns="0" bIns="0"/>
+          <a:lstStyle/>
+          <a:p>
+            <a:pPr marL="90236" indent="-90236" defTabSz="457200">
+              <a:lnSpc>
+                <a:spcPct val="120000"/>
+              </a:lnSpc>
+              <a:buSzPct val="100000"/>
+              <a:buChar char="•"/>
+              <a:defRPr sz="1000">
+                <a:solidFill>
+                  <a:srgbClr val="333333"/>
+                </a:solidFill>
+                <a:latin typeface="Helvetica Neue Medium"/>
+                <a:ea typeface="Helvetica Neue Medium"/>
+                <a:cs typeface="Helvetica Neue Medium"/>
+                <a:sym typeface="Helvetica Neue Medium"/>
+              </a:defRPr>
+            </a:pPr>
+            <a:r>
+              <a:t>Sales Management</a:t>
+            </a:r>
+          </a:p>
+          <a:p>
+            <a:pPr marL="90236" indent="-90236" defTabSz="457200">
+              <a:lnSpc>
+                <a:spcPct val="120000"/>
+              </a:lnSpc>
+              <a:buSzPct val="100000"/>
+              <a:buChar char="•"/>
+              <a:defRPr sz="1000">
+                <a:solidFill>
+                  <a:srgbClr val="333333"/>
+                </a:solidFill>
+                <a:latin typeface="Helvetica Neue Medium"/>
+                <a:ea typeface="Helvetica Neue Medium"/>
+                <a:cs typeface="Helvetica Neue Medium"/>
+                <a:sym typeface="Helvetica Neue Medium"/>
+              </a:defRPr>
+            </a:pPr>
+            <a:r>
+              <a:t>Team Leadership</a:t>
+            </a:r>
+          </a:p>
+          <a:p>
+            <a:pPr marL="90236" indent="-90236" defTabSz="457200">
+              <a:lnSpc>
+                <a:spcPct val="120000"/>
+              </a:lnSpc>
+              <a:buSzPct val="100000"/>
+              <a:buChar char="•"/>
+              <a:defRPr sz="1000">
+                <a:solidFill>
+                  <a:srgbClr val="333333"/>
+                </a:solidFill>
+                <a:latin typeface="Helvetica Neue Medium"/>
+                <a:ea typeface="Helvetica Neue Medium"/>
+                <a:cs typeface="Helvetica Neue Medium"/>
+                <a:sym typeface="Helvetica Neue Medium"/>
+              </a:defRPr>
+            </a:pPr>
+            <a:r>
+              <a:t>Business Development</a:t>
+            </a:r>
+          </a:p>
+          <a:p>
+            <a:pPr marL="90236" indent="-90236" defTabSz="457200">
+              <a:lnSpc>
+                <a:spcPct val="120000"/>
+              </a:lnSpc>
+              <a:buSzPct val="100000"/>
+              <a:buChar char="•"/>
+              <a:defRPr sz="1000">
+                <a:solidFill>
+                  <a:srgbClr val="333333"/>
+                </a:solidFill>
+                <a:latin typeface="Helvetica Neue Medium"/>
+                <a:ea typeface="Helvetica Neue Medium"/>
+                <a:cs typeface="Helvetica Neue Medium"/>
+                <a:sym typeface="Helvetica Neue Medium"/>
+              </a:defRPr>
+            </a:pPr>
+            <a:r>
+              <a:t>Strategic Planning</a:t>
+            </a:r>
+          </a:p>
+          <a:p>
+            <a:pPr marL="90236" indent="-90236" defTabSz="457200">
+              <a:lnSpc>
+                <a:spcPct val="120000"/>
+              </a:lnSpc>
+              <a:buSzPct val="100000"/>
+              <a:buChar char="•"/>
+              <a:defRPr sz="1000">
+                <a:solidFill>
+                  <a:srgbClr val="333333"/>
+                </a:solidFill>
+                <a:latin typeface="Helvetica Neue Medium"/>
+                <a:ea typeface="Helvetica Neue Medium"/>
+                <a:cs typeface="Helvetica Neue Medium"/>
+                <a:sym typeface="Helvetica Neue Medium"/>
+              </a:defRPr>
+            </a:pPr>
+            <a:r>
+              <a:t>Client Relationship Management</a:t>
+            </a:r>
+          </a:p>
+          <a:p>
+            <a:pPr marL="90236" indent="-90236" defTabSz="457200">
+              <a:lnSpc>
+                <a:spcPct val="120000"/>
+              </a:lnSpc>
+              <a:buSzPct val="100000"/>
+              <a:buChar char="•"/>
+              <a:defRPr sz="1000">
+                <a:solidFill>
+                  <a:srgbClr val="333333"/>
+                </a:solidFill>
+                <a:latin typeface="Helvetica Neue Medium"/>
+                <a:ea typeface="Helvetica Neue Medium"/>
+                <a:cs typeface="Helvetica Neue Medium"/>
+                <a:sym typeface="Helvetica Neue Medium"/>
+              </a:defRPr>
+            </a:pPr>
+            <a:r>
+              <a:t>Market Analysis</a:t>
+            </a:r>
+          </a:p>
+          <a:p>
+            <a:pPr marL="90236" indent="-90236" defTabSz="457200">
+              <a:lnSpc>
+                <a:spcPct val="120000"/>
+              </a:lnSpc>
+              <a:buSzPct val="100000"/>
+              <a:buChar char="•"/>
+              <a:defRPr sz="1000">
+                <a:solidFill>
+                  <a:srgbClr val="333333"/>
+                </a:solidFill>
+                <a:latin typeface="Helvetica Neue Medium"/>
+                <a:ea typeface="Helvetica Neue Medium"/>
+                <a:cs typeface="Helvetica Neue Medium"/>
+                <a:sym typeface="Helvetica Neue Medium"/>
+              </a:defRPr>
+            </a:pPr>
+            <a:r>
+              <a:t>Revenue Growth</a:t>
+            </a:r>
+          </a:p>
+          <a:p>
+            <a:pPr marL="90236" indent="-90236" defTabSz="457200">
+              <a:lnSpc>
+                <a:spcPct val="120000"/>
+              </a:lnSpc>
+              <a:buSzPct val="100000"/>
+              <a:buChar char="•"/>
+              <a:defRPr sz="1000">
+                <a:solidFill>
+                  <a:srgbClr val="333333"/>
+                </a:solidFill>
+                <a:latin typeface="Helvetica Neue Medium"/>
+                <a:ea typeface="Helvetica Neue Medium"/>
+                <a:cs typeface="Helvetica Neue Medium"/>
+                <a:sym typeface="Helvetica Neue Medium"/>
+              </a:defRPr>
+            </a:pPr>
+            <a:r>
+              <a:t>Negotiation Skills</a:t>
+            </a:r>
+          </a:p>
+          <a:p>
+            <a:pPr marL="90236" indent="-90236" defTabSz="457200">
+              <a:lnSpc>
+                <a:spcPct val="120000"/>
+              </a:lnSpc>
+              <a:buSzPct val="100000"/>
+              <a:buChar char="•"/>
+              <a:defRPr sz="1000">
+                <a:solidFill>
+                  <a:srgbClr val="333333"/>
+                </a:solidFill>
+                <a:latin typeface="Helvetica Neue Medium"/>
+                <a:ea typeface="Helvetica Neue Medium"/>
+                <a:cs typeface="Helvetica Neue Medium"/>
+                <a:sym typeface="Helvetica Neue Medium"/>
+              </a:defRPr>
+            </a:pPr>
+            <a:r>
+              <a:t>CRM Systems</a:t>
+            </a:r>
+          </a:p>
+          <a:p>
+            <a:pPr marL="90236" indent="-90236" defTabSz="457200">
+              <a:lnSpc>
+                <a:spcPct val="120000"/>
+              </a:lnSpc>
+              <a:buSzPct val="100000"/>
+              <a:buChar char="•"/>
+              <a:defRPr sz="1000">
+                <a:solidFill>
+                  <a:srgbClr val="333333"/>
+                </a:solidFill>
+                <a:latin typeface="Helvetica Neue Medium"/>
+                <a:ea typeface="Helvetica Neue Medium"/>
+                <a:cs typeface="Helvetica Neue Medium"/>
+                <a:sym typeface="Helvetica Neue Medium"/>
+              </a:defRPr>
+            </a:pPr>
+            <a:r>
+              <a:t>Excellent Communication</a:t>
+            </a:r>
+          </a:p>
+        </p:txBody>
+      </p:sp>
+      <p:sp>
+        <p:nvSpPr>
+          <p:cNvPr id="250" name="Line"/>
+          <p:cNvSpPr/>
+          <p:nvPr/>
+        </p:nvSpPr>
+        <p:spPr>
+          <a:xfrm flipH="1" flipV="1">
+            <a:off x="622637" y="8789282"/>
+            <a:ext cx="6886694" cy="1"/>
+          </a:xfrm>
+          <a:prstGeom prst="line">
+            <a:avLst/>
+          </a:prstGeom>
+          <a:ln w="12700">
+            <a:solidFill>
+              <a:srgbClr val="1E3A5F"/>
+            </a:solidFill>
+            <a:miter lim="400000"/>
+          </a:ln>
+        </p:spPr>
+        <p:txBody>
+          <a:bodyPr lIns="50800" tIns="50800" rIns="50800" bIns="50800"/>
+          <a:lstStyle/>
+          <a:p>
+            <a:pPr defTabSz="457200">
+              <a:defRPr sz="1100">
                 <a:latin typeface="Helvetica Neue"/>
                 <a:ea typeface="Helvetica Neue"/>
                 <a:cs typeface="Helvetica Neue"/>
                 <a:sym typeface="Helvetica Neue"/>
               </a:defRPr>
-            </a:lvl1pPr>
-          </a:lstStyle>
-          <a:p>
-            <a:r>
-              <a:t>Name of university</a:t>
-            </a:r>
+            </a:pPr>
+            <a:endParaRPr/>
           </a:p>
         </p:txBody>
       </p:sp>
       <p:sp>
         <p:nvSpPr>
-          <p:cNvPr id="608" name="2010 = 2011"/>
+          <p:cNvPr id="251" name="University Name…"/>
           <p:cNvSpPr txBox="1"/>
           <p:nvPr/>
         </p:nvSpPr>
         <p:spPr>
           <a:xfrm>
-            <a:off x="745165" y="5644798"/>
-            <a:ext cx="1865972" cy="264978"/>
+            <a:off x="874408" y="6316846"/>
+            <a:ext cx="2454135" cy="599369"/>
           </a:xfrm>
           <a:prstGeom prst="rect">
             <a:avLst/>
@@ -4690,1454 +4817,82 @@
           </a:ln>
           <a:extLst>
             <a:ext uri="{C572A759-6A51-4108-AA02-DFA0A04FC94B}">
-              <ma14:wrappingTextBoxFlag xmlns="" xmlns:m="http://schemas.openxmlformats.org/officeDocument/2006/math" xmlns:a14="http://schemas.microsoft.com/office/drawing/2010/main" xmlns:ma14="http://schemas.microsoft.com/office/mac/drawingml/2011/main" val="1"/>
+              <ma14:wrappingTextBoxFlag xmlns:ma14="http://schemas.microsoft.com/office/mac/drawingml/2011/main" xmlns:a14="http://schemas.microsoft.com/office/drawing/2010/main" xmlns:m="http://schemas.openxmlformats.org/officeDocument/2006/math" xmlns="" val="1"/>
             </a:ext>
           </a:extLst>
         </p:spPr>
         <p:txBody>
-          <a:bodyPr lIns="0" tIns="0" rIns="0" bIns="0" anchor="ctr"/>
-          <a:lstStyle>
-            <a:lvl1pPr defTabSz="457200">
-              <a:defRPr sz="800">
-                <a:latin typeface="Helvetica Neue Light"/>
-                <a:ea typeface="Helvetica Neue Light"/>
-                <a:cs typeface="Helvetica Neue Light"/>
-                <a:sym typeface="Helvetica Neue Light"/>
+          <a:bodyPr lIns="0" tIns="0" rIns="0" bIns="0"/>
+          <a:lstStyle/>
+          <a:p>
+            <a:pPr defTabSz="457200">
+              <a:lnSpc>
+                <a:spcPct val="120000"/>
+              </a:lnSpc>
+              <a:defRPr sz="1000">
+                <a:solidFill>
+                  <a:srgbClr val="333333"/>
+                </a:solidFill>
+                <a:latin typeface="Helvetica Neue"/>
+                <a:ea typeface="Helvetica Neue"/>
+                <a:cs typeface="Helvetica Neue"/>
+                <a:sym typeface="Helvetica Neue"/>
               </a:defRPr>
-            </a:lvl1pPr>
-          </a:lstStyle>
-          <a:p>
-            <a:r>
-              <a:t>2010 = 2011</a:t>
+            </a:pPr>
+            <a:r>
+              <a:t>University Name</a:t>
+            </a:r>
+          </a:p>
+          <a:p>
+            <a:pPr defTabSz="457200">
+              <a:lnSpc>
+                <a:spcPct val="120000"/>
+              </a:lnSpc>
+              <a:defRPr sz="1000">
+                <a:solidFill>
+                  <a:srgbClr val="333333"/>
+                </a:solidFill>
+                <a:latin typeface="Helvetica Neue"/>
+                <a:ea typeface="Helvetica Neue"/>
+                <a:cs typeface="Helvetica Neue"/>
+                <a:sym typeface="Helvetica Neue"/>
+              </a:defRPr>
+            </a:pPr>
+            <a:r>
+              <a:t>City, State, Year</a:t>
+            </a:r>
+          </a:p>
+          <a:p>
+            <a:pPr defTabSz="457200">
+              <a:lnSpc>
+                <a:spcPct val="120000"/>
+              </a:lnSpc>
+              <a:defRPr sz="1000">
+                <a:solidFill>
+                  <a:srgbClr val="333333"/>
+                </a:solidFill>
+                <a:latin typeface="Helvetica Neue"/>
+                <a:ea typeface="Helvetica Neue"/>
+                <a:cs typeface="Helvetica Neue"/>
+                <a:sym typeface="Helvetica Neue"/>
+              </a:defRPr>
+            </a:pPr>
+            <a:r>
+              <a:t>Graduated: 20XX</a:t>
             </a:r>
           </a:p>
         </p:txBody>
       </p:sp>
-      <p:grpSp>
-        <p:nvGrpSpPr>
-          <p:cNvPr id="612" name="Сгруппировать"/>
-          <p:cNvGrpSpPr/>
-          <p:nvPr/>
-        </p:nvGrpSpPr>
-        <p:grpSpPr>
-          <a:xfrm>
-            <a:off x="745165" y="5963085"/>
-            <a:ext cx="1865972" cy="662395"/>
-            <a:chOff x="0" y="0"/>
-            <a:chExt cx="1865970" cy="662393"/>
-          </a:xfrm>
-        </p:grpSpPr>
-        <p:sp>
-          <p:nvSpPr>
-            <p:cNvPr id="609" name="Enter your degree"/>
-            <p:cNvSpPr txBox="1"/>
-            <p:nvPr/>
-          </p:nvSpPr>
-          <p:spPr>
-            <a:xfrm>
-              <a:off x="0" y="0"/>
-              <a:ext cx="1722563" cy="264978"/>
-            </a:xfrm>
-            <a:prstGeom prst="rect">
-              <a:avLst/>
-            </a:prstGeom>
-            <a:noFill/>
-            <a:ln w="12700" cap="flat">
-              <a:noFill/>
-              <a:miter lim="400000"/>
-            </a:ln>
-            <a:effectLst/>
-            <a:extLst>
-              <a:ext uri="{C572A759-6A51-4108-AA02-DFA0A04FC94B}">
-                <ma14:wrappingTextBoxFlag xmlns="" xmlns:m="http://schemas.openxmlformats.org/officeDocument/2006/math" xmlns:a14="http://schemas.microsoft.com/office/drawing/2010/main" xmlns:ma14="http://schemas.microsoft.com/office/mac/drawingml/2011/main" val="1"/>
-              </a:ext>
-            </a:extLst>
-          </p:spPr>
-          <p:txBody>
-            <a:bodyPr wrap="square" lIns="0" tIns="0" rIns="0" bIns="0" numCol="1" anchor="ctr">
-              <a:noAutofit/>
-            </a:bodyPr>
-            <a:lstStyle>
-              <a:lvl1pPr defTabSz="457200">
-                <a:defRPr sz="900" cap="all" spc="45">
-                  <a:latin typeface="Helvetica Neue Medium"/>
-                  <a:ea typeface="Helvetica Neue Medium"/>
-                  <a:cs typeface="Helvetica Neue Medium"/>
-                  <a:sym typeface="Helvetica Neue Medium"/>
-                </a:defRPr>
-              </a:lvl1pPr>
-            </a:lstStyle>
-            <a:p>
-              <a:r>
-                <a:t>Enter your degree</a:t>
-              </a:r>
-            </a:p>
-          </p:txBody>
-        </p:sp>
-        <p:sp>
-          <p:nvSpPr>
-            <p:cNvPr id="610" name="Name of university"/>
-            <p:cNvSpPr txBox="1"/>
-            <p:nvPr/>
-          </p:nvSpPr>
-          <p:spPr>
-            <a:xfrm>
-              <a:off x="0" y="198708"/>
-              <a:ext cx="1865971" cy="264978"/>
-            </a:xfrm>
-            <a:prstGeom prst="rect">
-              <a:avLst/>
-            </a:prstGeom>
-            <a:noFill/>
-            <a:ln w="12700" cap="flat">
-              <a:noFill/>
-              <a:miter lim="400000"/>
-            </a:ln>
-            <a:effectLst/>
-            <a:extLst>
-              <a:ext uri="{C572A759-6A51-4108-AA02-DFA0A04FC94B}">
-                <ma14:wrappingTextBoxFlag xmlns="" xmlns:m="http://schemas.openxmlformats.org/officeDocument/2006/math" xmlns:a14="http://schemas.microsoft.com/office/drawing/2010/main" xmlns:ma14="http://schemas.microsoft.com/office/mac/drawingml/2011/main" val="1"/>
-              </a:ext>
-            </a:extLst>
-          </p:spPr>
-          <p:txBody>
-            <a:bodyPr wrap="square" lIns="0" tIns="0" rIns="0" bIns="0" numCol="1" anchor="ctr">
-              <a:noAutofit/>
-            </a:bodyPr>
-            <a:lstStyle>
-              <a:lvl1pPr defTabSz="457200">
-                <a:defRPr sz="900">
-                  <a:latin typeface="Helvetica Neue"/>
-                  <a:ea typeface="Helvetica Neue"/>
-                  <a:cs typeface="Helvetica Neue"/>
-                  <a:sym typeface="Helvetica Neue"/>
-                </a:defRPr>
-              </a:lvl1pPr>
-            </a:lstStyle>
-            <a:p>
-              <a:r>
-                <a:t>Name of university</a:t>
-              </a:r>
-            </a:p>
-          </p:txBody>
-        </p:sp>
-        <p:sp>
-          <p:nvSpPr>
-            <p:cNvPr id="611" name="2010 = 2011"/>
-            <p:cNvSpPr txBox="1"/>
-            <p:nvPr/>
-          </p:nvSpPr>
-          <p:spPr>
-            <a:xfrm>
-              <a:off x="0" y="397416"/>
-              <a:ext cx="1865971" cy="264978"/>
-            </a:xfrm>
-            <a:prstGeom prst="rect">
-              <a:avLst/>
-            </a:prstGeom>
-            <a:noFill/>
-            <a:ln w="12700" cap="flat">
-              <a:noFill/>
-              <a:miter lim="400000"/>
-            </a:ln>
-            <a:effectLst/>
-            <a:extLst>
-              <a:ext uri="{C572A759-6A51-4108-AA02-DFA0A04FC94B}">
-                <ma14:wrappingTextBoxFlag xmlns="" xmlns:m="http://schemas.openxmlformats.org/officeDocument/2006/math" xmlns:a14="http://schemas.microsoft.com/office/drawing/2010/main" xmlns:ma14="http://schemas.microsoft.com/office/mac/drawingml/2011/main" val="1"/>
-              </a:ext>
-            </a:extLst>
-          </p:spPr>
-          <p:txBody>
-            <a:bodyPr wrap="square" lIns="0" tIns="0" rIns="0" bIns="0" numCol="1" anchor="ctr">
-              <a:noAutofit/>
-            </a:bodyPr>
-            <a:lstStyle>
-              <a:lvl1pPr defTabSz="457200">
-                <a:defRPr sz="800">
-                  <a:latin typeface="Helvetica Neue Light"/>
-                  <a:ea typeface="Helvetica Neue Light"/>
-                  <a:cs typeface="Helvetica Neue Light"/>
-                  <a:sym typeface="Helvetica Neue Light"/>
-                </a:defRPr>
-              </a:lvl1pPr>
-            </a:lstStyle>
-            <a:p>
-              <a:r>
-                <a:t>2010 = 2011</a:t>
-              </a:r>
-            </a:p>
-          </p:txBody>
-        </p:sp>
-      </p:grpSp>
-      <p:grpSp>
-        <p:nvGrpSpPr>
-          <p:cNvPr id="622" name="Сгруппировать"/>
-          <p:cNvGrpSpPr/>
-          <p:nvPr/>
-        </p:nvGrpSpPr>
-        <p:grpSpPr>
-          <a:xfrm>
-            <a:off x="2989618" y="5247381"/>
-            <a:ext cx="4142468" cy="1788818"/>
-            <a:chOff x="0" y="0"/>
-            <a:chExt cx="4142467" cy="1788816"/>
-          </a:xfrm>
-        </p:grpSpPr>
-        <p:sp>
-          <p:nvSpPr>
-            <p:cNvPr id="613" name="Your job position title"/>
-            <p:cNvSpPr txBox="1"/>
-            <p:nvPr/>
-          </p:nvSpPr>
-          <p:spPr>
-            <a:xfrm>
-              <a:off x="0" y="0"/>
-              <a:ext cx="1722563" cy="264978"/>
-            </a:xfrm>
-            <a:prstGeom prst="rect">
-              <a:avLst/>
-            </a:prstGeom>
-            <a:noFill/>
-            <a:ln w="12700" cap="flat">
-              <a:noFill/>
-              <a:miter lim="400000"/>
-            </a:ln>
-            <a:effectLst/>
-            <a:extLst>
-              <a:ext uri="{C572A759-6A51-4108-AA02-DFA0A04FC94B}">
-                <ma14:wrappingTextBoxFlag xmlns="" xmlns:m="http://schemas.openxmlformats.org/officeDocument/2006/math" xmlns:a14="http://schemas.microsoft.com/office/drawing/2010/main" xmlns:ma14="http://schemas.microsoft.com/office/mac/drawingml/2011/main" val="1"/>
-              </a:ext>
-            </a:extLst>
-          </p:spPr>
-          <p:txBody>
-            <a:bodyPr wrap="square" lIns="0" tIns="0" rIns="0" bIns="0" numCol="1" anchor="ctr">
-              <a:noAutofit/>
-            </a:bodyPr>
-            <a:lstStyle>
-              <a:lvl1pPr defTabSz="457200">
-                <a:defRPr sz="900" cap="all" spc="45">
-                  <a:latin typeface="Helvetica Neue Medium"/>
-                  <a:ea typeface="Helvetica Neue Medium"/>
-                  <a:cs typeface="Helvetica Neue Medium"/>
-                  <a:sym typeface="Helvetica Neue Medium"/>
-                </a:defRPr>
-              </a:lvl1pPr>
-            </a:lstStyle>
-            <a:p>
-              <a:r>
-                <a:t>Your job position title</a:t>
-              </a:r>
-            </a:p>
-          </p:txBody>
-        </p:sp>
-        <p:sp>
-          <p:nvSpPr>
-            <p:cNvPr id="614" name="Company name"/>
-            <p:cNvSpPr txBox="1"/>
-            <p:nvPr/>
-          </p:nvSpPr>
-          <p:spPr>
-            <a:xfrm>
-              <a:off x="2767" y="211962"/>
-              <a:ext cx="1865972" cy="264978"/>
-            </a:xfrm>
-            <a:prstGeom prst="rect">
-              <a:avLst/>
-            </a:prstGeom>
-            <a:noFill/>
-            <a:ln w="12700" cap="flat">
-              <a:noFill/>
-              <a:miter lim="400000"/>
-            </a:ln>
-            <a:effectLst/>
-            <a:extLst>
-              <a:ext uri="{C572A759-6A51-4108-AA02-DFA0A04FC94B}">
-                <ma14:wrappingTextBoxFlag xmlns="" xmlns:m="http://schemas.openxmlformats.org/officeDocument/2006/math" xmlns:a14="http://schemas.microsoft.com/office/drawing/2010/main" xmlns:ma14="http://schemas.microsoft.com/office/mac/drawingml/2011/main" val="1"/>
-              </a:ext>
-            </a:extLst>
-          </p:spPr>
-          <p:txBody>
-            <a:bodyPr wrap="square" lIns="0" tIns="0" rIns="0" bIns="0" numCol="1" anchor="ctr">
-              <a:noAutofit/>
-            </a:bodyPr>
-            <a:lstStyle>
-              <a:lvl1pPr defTabSz="457200">
-                <a:defRPr sz="900">
-                  <a:latin typeface="Helvetica Neue"/>
-                  <a:ea typeface="Helvetica Neue"/>
-                  <a:cs typeface="Helvetica Neue"/>
-                  <a:sym typeface="Helvetica Neue"/>
-                </a:defRPr>
-              </a:lvl1pPr>
-            </a:lstStyle>
-            <a:p>
-              <a:r>
-                <a:t>Company name</a:t>
-              </a:r>
-            </a:p>
-          </p:txBody>
-        </p:sp>
-        <p:sp>
-          <p:nvSpPr>
-            <p:cNvPr id="615" name="2016-2018"/>
-            <p:cNvSpPr txBox="1"/>
-            <p:nvPr/>
-          </p:nvSpPr>
-          <p:spPr>
-            <a:xfrm>
-              <a:off x="2276496" y="0"/>
-              <a:ext cx="1865972" cy="264978"/>
-            </a:xfrm>
-            <a:prstGeom prst="rect">
-              <a:avLst/>
-            </a:prstGeom>
-            <a:noFill/>
-            <a:ln w="12700" cap="flat">
-              <a:noFill/>
-              <a:miter lim="400000"/>
-            </a:ln>
-            <a:effectLst/>
-            <a:extLst>
-              <a:ext uri="{C572A759-6A51-4108-AA02-DFA0A04FC94B}">
-                <ma14:wrappingTextBoxFlag xmlns="" xmlns:m="http://schemas.openxmlformats.org/officeDocument/2006/math" xmlns:a14="http://schemas.microsoft.com/office/drawing/2010/main" xmlns:ma14="http://schemas.microsoft.com/office/mac/drawingml/2011/main" val="1"/>
-              </a:ext>
-            </a:extLst>
-          </p:spPr>
-          <p:txBody>
-            <a:bodyPr wrap="square" lIns="0" tIns="0" rIns="0" bIns="0" numCol="1" anchor="ctr">
-              <a:noAutofit/>
-            </a:bodyPr>
-            <a:lstStyle>
-              <a:lvl1pPr algn="r" defTabSz="457200">
-                <a:defRPr sz="900">
-                  <a:latin typeface="Helvetica Neue Light"/>
-                  <a:ea typeface="Helvetica Neue Light"/>
-                  <a:cs typeface="Helvetica Neue Light"/>
-                  <a:sym typeface="Helvetica Neue Light"/>
-                </a:defRPr>
-              </a:lvl1pPr>
-            </a:lstStyle>
-            <a:p>
-              <a:r>
-                <a:t>2016-2018</a:t>
-              </a:r>
-            </a:p>
-          </p:txBody>
-        </p:sp>
-        <p:sp>
-          <p:nvSpPr>
-            <p:cNvPr id="616" name="Toronto/canada"/>
-            <p:cNvSpPr txBox="1"/>
-            <p:nvPr/>
-          </p:nvSpPr>
-          <p:spPr>
-            <a:xfrm>
-              <a:off x="2276496" y="198708"/>
-              <a:ext cx="1865972" cy="264978"/>
-            </a:xfrm>
-            <a:prstGeom prst="rect">
-              <a:avLst/>
-            </a:prstGeom>
-            <a:noFill/>
-            <a:ln w="12700" cap="flat">
-              <a:noFill/>
-              <a:miter lim="400000"/>
-            </a:ln>
-            <a:effectLst/>
-            <a:extLst>
-              <a:ext uri="{C572A759-6A51-4108-AA02-DFA0A04FC94B}">
-                <ma14:wrappingTextBoxFlag xmlns="" xmlns:m="http://schemas.openxmlformats.org/officeDocument/2006/math" xmlns:a14="http://schemas.microsoft.com/office/drawing/2010/main" xmlns:ma14="http://schemas.microsoft.com/office/mac/drawingml/2011/main" val="1"/>
-              </a:ext>
-            </a:extLst>
-          </p:spPr>
-          <p:txBody>
-            <a:bodyPr wrap="square" lIns="0" tIns="0" rIns="0" bIns="0" numCol="1" anchor="ctr">
-              <a:noAutofit/>
-            </a:bodyPr>
-            <a:lstStyle>
-              <a:lvl1pPr algn="r" defTabSz="457200">
-                <a:defRPr sz="800">
-                  <a:latin typeface="Helvetica Neue"/>
-                  <a:ea typeface="Helvetica Neue"/>
-                  <a:cs typeface="Helvetica Neue"/>
-                  <a:sym typeface="Helvetica Neue"/>
-                </a:defRPr>
-              </a:lvl1pPr>
-            </a:lstStyle>
-            <a:p>
-              <a:r>
-                <a:t>Toronto/canada</a:t>
-              </a:r>
-            </a:p>
-          </p:txBody>
-        </p:sp>
-        <p:sp>
-          <p:nvSpPr>
-            <p:cNvPr id="617" name="Lorem ipsum dolor sit amet, consectetur adipiscing elit. Aliquam ac bibendum dui. Proin convallis libero id diam porta, facilisis varius velit tempus. Mauris semper, sem sit amet semper porttitor, lectus enim vehicula enim, vel scelerisque metus ligula i"/>
-            <p:cNvSpPr txBox="1"/>
-            <p:nvPr/>
-          </p:nvSpPr>
-          <p:spPr>
-            <a:xfrm>
-              <a:off x="0" y="476939"/>
-              <a:ext cx="4142468" cy="662394"/>
-            </a:xfrm>
-            <a:prstGeom prst="rect">
-              <a:avLst/>
-            </a:prstGeom>
-            <a:noFill/>
-            <a:ln w="12700" cap="flat">
-              <a:noFill/>
-              <a:miter lim="400000"/>
-            </a:ln>
-            <a:effectLst/>
-            <a:extLst>
-              <a:ext uri="{C572A759-6A51-4108-AA02-DFA0A04FC94B}">
-                <ma14:wrappingTextBoxFlag xmlns="" xmlns:m="http://schemas.openxmlformats.org/officeDocument/2006/math" xmlns:a14="http://schemas.microsoft.com/office/drawing/2010/main" xmlns:ma14="http://schemas.microsoft.com/office/mac/drawingml/2011/main" val="1"/>
-              </a:ext>
-            </a:extLst>
-          </p:spPr>
-          <p:txBody>
-            <a:bodyPr wrap="square" lIns="0" tIns="0" rIns="0" bIns="0" numCol="1" anchor="t">
-              <a:noAutofit/>
-            </a:bodyPr>
-            <a:lstStyle>
-              <a:lvl1pPr algn="just" defTabSz="457200">
-                <a:lnSpc>
-                  <a:spcPct val="120000"/>
-                </a:lnSpc>
-                <a:defRPr sz="800">
-                  <a:latin typeface="Helvetica Neue Light"/>
-                  <a:ea typeface="Helvetica Neue Light"/>
-                  <a:cs typeface="Helvetica Neue Light"/>
-                  <a:sym typeface="Helvetica Neue Light"/>
-                </a:defRPr>
-              </a:lvl1pPr>
-            </a:lstStyle>
-            <a:p>
-              <a:r>
-                <a:t>Lorem ipsum dolor sit amet, consectetur adipiscing elit. Aliquam ac bibendum dui. Proin convallis libero id diam porta, facilisis varius velit tempus. Mauris semper, sem sit amet semper porttitor, lectus enim vehicula enim, vel scelerisque metus ligula id nibh. Nullam vitae sem fermentum, dignissim dui eget, luctus ex.</a:t>
-              </a:r>
-            </a:p>
-          </p:txBody>
-        </p:sp>
-        <p:sp>
-          <p:nvSpPr>
-            <p:cNvPr id="618" name="Lorem ipsum dolor sit amet, consectetur adipiscing elit. Aliquam ac bibendum dui. Proin convallis libero id diam porta, facilisis varius velit tempus."/>
-            <p:cNvSpPr txBox="1"/>
-            <p:nvPr/>
-          </p:nvSpPr>
-          <p:spPr>
-            <a:xfrm>
-              <a:off x="410524" y="1166184"/>
-              <a:ext cx="3731943" cy="291437"/>
-            </a:xfrm>
-            <a:prstGeom prst="rect">
-              <a:avLst/>
-            </a:prstGeom>
-            <a:noFill/>
-            <a:ln w="12700" cap="flat">
-              <a:noFill/>
-              <a:miter lim="400000"/>
-            </a:ln>
-            <a:effectLst/>
-            <a:extLst>
-              <a:ext uri="{C572A759-6A51-4108-AA02-DFA0A04FC94B}">
-                <ma14:wrappingTextBoxFlag xmlns="" xmlns:m="http://schemas.openxmlformats.org/officeDocument/2006/math" xmlns:a14="http://schemas.microsoft.com/office/drawing/2010/main" xmlns:ma14="http://schemas.microsoft.com/office/mac/drawingml/2011/main" val="1"/>
-              </a:ext>
-            </a:extLst>
-          </p:spPr>
-          <p:txBody>
-            <a:bodyPr wrap="square" lIns="0" tIns="0" rIns="0" bIns="0" numCol="1" anchor="t">
-              <a:noAutofit/>
-            </a:bodyPr>
-            <a:lstStyle>
-              <a:lvl1pPr algn="just" defTabSz="457200">
-                <a:lnSpc>
-                  <a:spcPct val="120000"/>
-                </a:lnSpc>
-                <a:defRPr sz="800">
-                  <a:latin typeface="Helvetica Neue Light"/>
-                  <a:ea typeface="Helvetica Neue Light"/>
-                  <a:cs typeface="Helvetica Neue Light"/>
-                  <a:sym typeface="Helvetica Neue Light"/>
-                </a:defRPr>
-              </a:lvl1pPr>
-            </a:lstStyle>
-            <a:p>
-              <a:r>
-                <a:t>Lorem ipsum dolor sit amet, consectetur adipiscing elit. Aliquam ac bibendum dui. Proin convallis libero id diam porta, facilisis varius velit tempus.</a:t>
-              </a:r>
-            </a:p>
-          </p:txBody>
-        </p:sp>
-        <p:sp>
-          <p:nvSpPr>
-            <p:cNvPr id="619" name="Кружок"/>
-            <p:cNvSpPr/>
-            <p:nvPr/>
-          </p:nvSpPr>
-          <p:spPr>
-            <a:xfrm>
-              <a:off x="296289" y="1219200"/>
-              <a:ext cx="37571" cy="37570"/>
-            </a:xfrm>
-            <a:prstGeom prst="ellipse">
-              <a:avLst/>
-            </a:prstGeom>
-            <a:solidFill>
-              <a:srgbClr val="000000"/>
-            </a:solidFill>
-            <a:ln w="3175" cap="flat">
-              <a:noFill/>
-              <a:miter lim="400000"/>
-            </a:ln>
-            <a:effectLst/>
-          </p:spPr>
-          <p:txBody>
-            <a:bodyPr wrap="square" lIns="50800" tIns="50800" rIns="50800" bIns="50800" numCol="1" anchor="ctr">
-              <a:noAutofit/>
-            </a:bodyPr>
-            <a:lstStyle/>
-            <a:p>
-              <a:pPr algn="ctr" defTabSz="584200">
-                <a:defRPr sz="1200">
-                  <a:solidFill>
-                    <a:srgbClr val="FFFFFF"/>
-                  </a:solidFill>
-                  <a:latin typeface="Helvetica Neue Medium"/>
-                  <a:ea typeface="Helvetica Neue Medium"/>
-                  <a:cs typeface="Helvetica Neue Medium"/>
-                  <a:sym typeface="Helvetica Neue Medium"/>
-                </a:defRPr>
-              </a:pPr>
-              <a:endParaRPr/>
-            </a:p>
-          </p:txBody>
-        </p:sp>
-        <p:sp>
-          <p:nvSpPr>
-            <p:cNvPr id="620" name="Кружок"/>
-            <p:cNvSpPr/>
-            <p:nvPr/>
-          </p:nvSpPr>
-          <p:spPr>
-            <a:xfrm>
-              <a:off x="296289" y="1550396"/>
-              <a:ext cx="37571" cy="37571"/>
-            </a:xfrm>
-            <a:prstGeom prst="ellipse">
-              <a:avLst/>
-            </a:prstGeom>
-            <a:solidFill>
-              <a:srgbClr val="000000"/>
-            </a:solidFill>
-            <a:ln w="3175" cap="flat">
-              <a:noFill/>
-              <a:miter lim="400000"/>
-            </a:ln>
-            <a:effectLst/>
-          </p:spPr>
-          <p:txBody>
-            <a:bodyPr wrap="square" lIns="50800" tIns="50800" rIns="50800" bIns="50800" numCol="1" anchor="ctr">
-              <a:noAutofit/>
-            </a:bodyPr>
-            <a:lstStyle/>
-            <a:p>
-              <a:pPr algn="ctr" defTabSz="584200">
-                <a:defRPr sz="1200">
-                  <a:solidFill>
-                    <a:srgbClr val="FFFFFF"/>
-                  </a:solidFill>
-                  <a:latin typeface="Helvetica Neue Medium"/>
-                  <a:ea typeface="Helvetica Neue Medium"/>
-                  <a:cs typeface="Helvetica Neue Medium"/>
-                  <a:sym typeface="Helvetica Neue Medium"/>
-                </a:defRPr>
-              </a:pPr>
-              <a:endParaRPr/>
-            </a:p>
-          </p:txBody>
-        </p:sp>
-        <p:sp>
-          <p:nvSpPr>
-            <p:cNvPr id="621" name="Lorem ipsum dolor sit amet, consectetur adipiscing elit."/>
-            <p:cNvSpPr txBox="1"/>
-            <p:nvPr/>
-          </p:nvSpPr>
-          <p:spPr>
-            <a:xfrm>
-              <a:off x="410524" y="1497381"/>
-              <a:ext cx="3731943" cy="291436"/>
-            </a:xfrm>
-            <a:prstGeom prst="rect">
-              <a:avLst/>
-            </a:prstGeom>
-            <a:noFill/>
-            <a:ln w="12700" cap="flat">
-              <a:noFill/>
-              <a:miter lim="400000"/>
-            </a:ln>
-            <a:effectLst/>
-            <a:extLst>
-              <a:ext uri="{C572A759-6A51-4108-AA02-DFA0A04FC94B}">
-                <ma14:wrappingTextBoxFlag xmlns="" xmlns:m="http://schemas.openxmlformats.org/officeDocument/2006/math" xmlns:a14="http://schemas.microsoft.com/office/drawing/2010/main" xmlns:ma14="http://schemas.microsoft.com/office/mac/drawingml/2011/main" val="1"/>
-              </a:ext>
-            </a:extLst>
-          </p:spPr>
-          <p:txBody>
-            <a:bodyPr wrap="square" lIns="0" tIns="0" rIns="0" bIns="0" numCol="1" anchor="t">
-              <a:noAutofit/>
-            </a:bodyPr>
-            <a:lstStyle>
-              <a:lvl1pPr algn="just" defTabSz="457200">
-                <a:lnSpc>
-                  <a:spcPct val="120000"/>
-                </a:lnSpc>
-                <a:defRPr sz="800">
-                  <a:latin typeface="Helvetica Neue Light"/>
-                  <a:ea typeface="Helvetica Neue Light"/>
-                  <a:cs typeface="Helvetica Neue Light"/>
-                  <a:sym typeface="Helvetica Neue Light"/>
-                </a:defRPr>
-              </a:lvl1pPr>
-            </a:lstStyle>
-            <a:p>
-              <a:r>
-                <a:t>Lorem ipsum dolor sit amet, consectetur adipiscing elit.</a:t>
-              </a:r>
-            </a:p>
-          </p:txBody>
-        </p:sp>
-      </p:grpSp>
-      <p:grpSp>
-        <p:nvGrpSpPr>
-          <p:cNvPr id="632" name="Сгруппировать"/>
-          <p:cNvGrpSpPr/>
-          <p:nvPr/>
-        </p:nvGrpSpPr>
-        <p:grpSpPr>
-          <a:xfrm>
-            <a:off x="2989618" y="7036198"/>
-            <a:ext cx="4142468" cy="1788818"/>
-            <a:chOff x="0" y="0"/>
-            <a:chExt cx="4142467" cy="1788816"/>
-          </a:xfrm>
-        </p:grpSpPr>
-        <p:sp>
-          <p:nvSpPr>
-            <p:cNvPr id="623" name="Your job position title"/>
-            <p:cNvSpPr txBox="1"/>
-            <p:nvPr/>
-          </p:nvSpPr>
-          <p:spPr>
-            <a:xfrm>
-              <a:off x="0" y="0"/>
-              <a:ext cx="1722563" cy="264978"/>
-            </a:xfrm>
-            <a:prstGeom prst="rect">
-              <a:avLst/>
-            </a:prstGeom>
-            <a:noFill/>
-            <a:ln w="12700" cap="flat">
-              <a:noFill/>
-              <a:miter lim="400000"/>
-            </a:ln>
-            <a:effectLst/>
-            <a:extLst>
-              <a:ext uri="{C572A759-6A51-4108-AA02-DFA0A04FC94B}">
-                <ma14:wrappingTextBoxFlag xmlns="" xmlns:m="http://schemas.openxmlformats.org/officeDocument/2006/math" xmlns:a14="http://schemas.microsoft.com/office/drawing/2010/main" xmlns:ma14="http://schemas.microsoft.com/office/mac/drawingml/2011/main" val="1"/>
-              </a:ext>
-            </a:extLst>
-          </p:spPr>
-          <p:txBody>
-            <a:bodyPr wrap="square" lIns="0" tIns="0" rIns="0" bIns="0" numCol="1" anchor="ctr">
-              <a:noAutofit/>
-            </a:bodyPr>
-            <a:lstStyle>
-              <a:lvl1pPr defTabSz="457200">
-                <a:defRPr sz="900" cap="all" spc="45">
-                  <a:latin typeface="Helvetica Neue Medium"/>
-                  <a:ea typeface="Helvetica Neue Medium"/>
-                  <a:cs typeface="Helvetica Neue Medium"/>
-                  <a:sym typeface="Helvetica Neue Medium"/>
-                </a:defRPr>
-              </a:lvl1pPr>
-            </a:lstStyle>
-            <a:p>
-              <a:r>
-                <a:t>Your job position title</a:t>
-              </a:r>
-            </a:p>
-          </p:txBody>
-        </p:sp>
-        <p:sp>
-          <p:nvSpPr>
-            <p:cNvPr id="624" name="Company name"/>
-            <p:cNvSpPr txBox="1"/>
-            <p:nvPr/>
-          </p:nvSpPr>
-          <p:spPr>
-            <a:xfrm>
-              <a:off x="2767" y="211962"/>
-              <a:ext cx="1865972" cy="264978"/>
-            </a:xfrm>
-            <a:prstGeom prst="rect">
-              <a:avLst/>
-            </a:prstGeom>
-            <a:noFill/>
-            <a:ln w="12700" cap="flat">
-              <a:noFill/>
-              <a:miter lim="400000"/>
-            </a:ln>
-            <a:effectLst/>
-            <a:extLst>
-              <a:ext uri="{C572A759-6A51-4108-AA02-DFA0A04FC94B}">
-                <ma14:wrappingTextBoxFlag xmlns="" xmlns:m="http://schemas.openxmlformats.org/officeDocument/2006/math" xmlns:a14="http://schemas.microsoft.com/office/drawing/2010/main" xmlns:ma14="http://schemas.microsoft.com/office/mac/drawingml/2011/main" val="1"/>
-              </a:ext>
-            </a:extLst>
-          </p:spPr>
-          <p:txBody>
-            <a:bodyPr wrap="square" lIns="0" tIns="0" rIns="0" bIns="0" numCol="1" anchor="ctr">
-              <a:noAutofit/>
-            </a:bodyPr>
-            <a:lstStyle>
-              <a:lvl1pPr defTabSz="457200">
-                <a:defRPr sz="900">
-                  <a:latin typeface="Helvetica Neue"/>
-                  <a:ea typeface="Helvetica Neue"/>
-                  <a:cs typeface="Helvetica Neue"/>
-                  <a:sym typeface="Helvetica Neue"/>
-                </a:defRPr>
-              </a:lvl1pPr>
-            </a:lstStyle>
-            <a:p>
-              <a:r>
-                <a:t>Company name</a:t>
-              </a:r>
-            </a:p>
-          </p:txBody>
-        </p:sp>
-        <p:sp>
-          <p:nvSpPr>
-            <p:cNvPr id="625" name="2016-2018"/>
-            <p:cNvSpPr txBox="1"/>
-            <p:nvPr/>
-          </p:nvSpPr>
-          <p:spPr>
-            <a:xfrm>
-              <a:off x="2276496" y="0"/>
-              <a:ext cx="1865972" cy="264978"/>
-            </a:xfrm>
-            <a:prstGeom prst="rect">
-              <a:avLst/>
-            </a:prstGeom>
-            <a:noFill/>
-            <a:ln w="12700" cap="flat">
-              <a:noFill/>
-              <a:miter lim="400000"/>
-            </a:ln>
-            <a:effectLst/>
-            <a:extLst>
-              <a:ext uri="{C572A759-6A51-4108-AA02-DFA0A04FC94B}">
-                <ma14:wrappingTextBoxFlag xmlns="" xmlns:m="http://schemas.openxmlformats.org/officeDocument/2006/math" xmlns:a14="http://schemas.microsoft.com/office/drawing/2010/main" xmlns:ma14="http://schemas.microsoft.com/office/mac/drawingml/2011/main" val="1"/>
-              </a:ext>
-            </a:extLst>
-          </p:spPr>
-          <p:txBody>
-            <a:bodyPr wrap="square" lIns="0" tIns="0" rIns="0" bIns="0" numCol="1" anchor="ctr">
-              <a:noAutofit/>
-            </a:bodyPr>
-            <a:lstStyle>
-              <a:lvl1pPr algn="r" defTabSz="457200">
-                <a:defRPr sz="900">
-                  <a:latin typeface="Helvetica Neue Light"/>
-                  <a:ea typeface="Helvetica Neue Light"/>
-                  <a:cs typeface="Helvetica Neue Light"/>
-                  <a:sym typeface="Helvetica Neue Light"/>
-                </a:defRPr>
-              </a:lvl1pPr>
-            </a:lstStyle>
-            <a:p>
-              <a:r>
-                <a:t>2016-2018</a:t>
-              </a:r>
-            </a:p>
-          </p:txBody>
-        </p:sp>
-        <p:sp>
-          <p:nvSpPr>
-            <p:cNvPr id="626" name="Toronto/canada"/>
-            <p:cNvSpPr txBox="1"/>
-            <p:nvPr/>
-          </p:nvSpPr>
-          <p:spPr>
-            <a:xfrm>
-              <a:off x="2276496" y="198708"/>
-              <a:ext cx="1865972" cy="264978"/>
-            </a:xfrm>
-            <a:prstGeom prst="rect">
-              <a:avLst/>
-            </a:prstGeom>
-            <a:noFill/>
-            <a:ln w="12700" cap="flat">
-              <a:noFill/>
-              <a:miter lim="400000"/>
-            </a:ln>
-            <a:effectLst/>
-            <a:extLst>
-              <a:ext uri="{C572A759-6A51-4108-AA02-DFA0A04FC94B}">
-                <ma14:wrappingTextBoxFlag xmlns="" xmlns:m="http://schemas.openxmlformats.org/officeDocument/2006/math" xmlns:a14="http://schemas.microsoft.com/office/drawing/2010/main" xmlns:ma14="http://schemas.microsoft.com/office/mac/drawingml/2011/main" val="1"/>
-              </a:ext>
-            </a:extLst>
-          </p:spPr>
-          <p:txBody>
-            <a:bodyPr wrap="square" lIns="0" tIns="0" rIns="0" bIns="0" numCol="1" anchor="ctr">
-              <a:noAutofit/>
-            </a:bodyPr>
-            <a:lstStyle>
-              <a:lvl1pPr algn="r" defTabSz="457200">
-                <a:defRPr sz="800">
-                  <a:latin typeface="Helvetica Neue"/>
-                  <a:ea typeface="Helvetica Neue"/>
-                  <a:cs typeface="Helvetica Neue"/>
-                  <a:sym typeface="Helvetica Neue"/>
-                </a:defRPr>
-              </a:lvl1pPr>
-            </a:lstStyle>
-            <a:p>
-              <a:r>
-                <a:t>Toronto/canada</a:t>
-              </a:r>
-            </a:p>
-          </p:txBody>
-        </p:sp>
-        <p:sp>
-          <p:nvSpPr>
-            <p:cNvPr id="627" name="Lorem ipsum dolor sit amet, consectetur adipiscing elit. Aliquam ac bibendum dui. Proin convallis libero id diam porta, facilisis varius velit tempus. Mauris semper, sem sit amet semper porttitor, lectus enim vehicula enim, vel scelerisque metus ligula i"/>
-            <p:cNvSpPr txBox="1"/>
-            <p:nvPr/>
-          </p:nvSpPr>
-          <p:spPr>
-            <a:xfrm>
-              <a:off x="0" y="476939"/>
-              <a:ext cx="4142468" cy="662394"/>
-            </a:xfrm>
-            <a:prstGeom prst="rect">
-              <a:avLst/>
-            </a:prstGeom>
-            <a:noFill/>
-            <a:ln w="12700" cap="flat">
-              <a:noFill/>
-              <a:miter lim="400000"/>
-            </a:ln>
-            <a:effectLst/>
-            <a:extLst>
-              <a:ext uri="{C572A759-6A51-4108-AA02-DFA0A04FC94B}">
-                <ma14:wrappingTextBoxFlag xmlns="" xmlns:m="http://schemas.openxmlformats.org/officeDocument/2006/math" xmlns:a14="http://schemas.microsoft.com/office/drawing/2010/main" xmlns:ma14="http://schemas.microsoft.com/office/mac/drawingml/2011/main" val="1"/>
-              </a:ext>
-            </a:extLst>
-          </p:spPr>
-          <p:txBody>
-            <a:bodyPr wrap="square" lIns="0" tIns="0" rIns="0" bIns="0" numCol="1" anchor="t">
-              <a:noAutofit/>
-            </a:bodyPr>
-            <a:lstStyle>
-              <a:lvl1pPr algn="just" defTabSz="457200">
-                <a:lnSpc>
-                  <a:spcPct val="120000"/>
-                </a:lnSpc>
-                <a:defRPr sz="800">
-                  <a:latin typeface="Helvetica Neue Light"/>
-                  <a:ea typeface="Helvetica Neue Light"/>
-                  <a:cs typeface="Helvetica Neue Light"/>
-                  <a:sym typeface="Helvetica Neue Light"/>
-                </a:defRPr>
-              </a:lvl1pPr>
-            </a:lstStyle>
-            <a:p>
-              <a:r>
-                <a:t>Lorem ipsum dolor sit amet, consectetur adipiscing elit. Aliquam ac bibendum dui. Proin convallis libero id diam porta, facilisis varius velit tempus. Mauris semper, sem sit amet semper porttitor, lectus enim vehicula enim, vel scelerisque metus ligula id nibh. Nullam vitae sem fermentum, dignissim dui eget, luctus ex.</a:t>
-              </a:r>
-            </a:p>
-          </p:txBody>
-        </p:sp>
-        <p:sp>
-          <p:nvSpPr>
-            <p:cNvPr id="628" name="Lorem ipsum dolor sit amet, consectetur adipiscing elit. Aliquam ac bibendum dui. Proin convallis libero id diam porta, facilisis varius velit tempus."/>
-            <p:cNvSpPr txBox="1"/>
-            <p:nvPr/>
-          </p:nvSpPr>
-          <p:spPr>
-            <a:xfrm>
-              <a:off x="410524" y="1166184"/>
-              <a:ext cx="3731943" cy="291437"/>
-            </a:xfrm>
-            <a:prstGeom prst="rect">
-              <a:avLst/>
-            </a:prstGeom>
-            <a:noFill/>
-            <a:ln w="12700" cap="flat">
-              <a:noFill/>
-              <a:miter lim="400000"/>
-            </a:ln>
-            <a:effectLst/>
-            <a:extLst>
-              <a:ext uri="{C572A759-6A51-4108-AA02-DFA0A04FC94B}">
-                <ma14:wrappingTextBoxFlag xmlns="" xmlns:m="http://schemas.openxmlformats.org/officeDocument/2006/math" xmlns:a14="http://schemas.microsoft.com/office/drawing/2010/main" xmlns:ma14="http://schemas.microsoft.com/office/mac/drawingml/2011/main" val="1"/>
-              </a:ext>
-            </a:extLst>
-          </p:spPr>
-          <p:txBody>
-            <a:bodyPr wrap="square" lIns="0" tIns="0" rIns="0" bIns="0" numCol="1" anchor="t">
-              <a:noAutofit/>
-            </a:bodyPr>
-            <a:lstStyle>
-              <a:lvl1pPr algn="just" defTabSz="457200">
-                <a:lnSpc>
-                  <a:spcPct val="120000"/>
-                </a:lnSpc>
-                <a:defRPr sz="800">
-                  <a:latin typeface="Helvetica Neue Light"/>
-                  <a:ea typeface="Helvetica Neue Light"/>
-                  <a:cs typeface="Helvetica Neue Light"/>
-                  <a:sym typeface="Helvetica Neue Light"/>
-                </a:defRPr>
-              </a:lvl1pPr>
-            </a:lstStyle>
-            <a:p>
-              <a:r>
-                <a:t>Lorem ipsum dolor sit amet, consectetur adipiscing elit. Aliquam ac bibendum dui. Proin convallis libero id diam porta, facilisis varius velit tempus.</a:t>
-              </a:r>
-            </a:p>
-          </p:txBody>
-        </p:sp>
-        <p:sp>
-          <p:nvSpPr>
-            <p:cNvPr id="629" name="Кружок"/>
-            <p:cNvSpPr/>
-            <p:nvPr/>
-          </p:nvSpPr>
-          <p:spPr>
-            <a:xfrm>
-              <a:off x="296289" y="1219200"/>
-              <a:ext cx="37571" cy="37570"/>
-            </a:xfrm>
-            <a:prstGeom prst="ellipse">
-              <a:avLst/>
-            </a:prstGeom>
-            <a:solidFill>
-              <a:srgbClr val="000000"/>
-            </a:solidFill>
-            <a:ln w="3175" cap="flat">
-              <a:noFill/>
-              <a:miter lim="400000"/>
-            </a:ln>
-            <a:effectLst/>
-          </p:spPr>
-          <p:txBody>
-            <a:bodyPr wrap="square" lIns="50800" tIns="50800" rIns="50800" bIns="50800" numCol="1" anchor="ctr">
-              <a:noAutofit/>
-            </a:bodyPr>
-            <a:lstStyle/>
-            <a:p>
-              <a:pPr algn="ctr" defTabSz="584200">
-                <a:defRPr sz="1200">
-                  <a:solidFill>
-                    <a:srgbClr val="FFFFFF"/>
-                  </a:solidFill>
-                  <a:latin typeface="Helvetica Neue Medium"/>
-                  <a:ea typeface="Helvetica Neue Medium"/>
-                  <a:cs typeface="Helvetica Neue Medium"/>
-                  <a:sym typeface="Helvetica Neue Medium"/>
-                </a:defRPr>
-              </a:pPr>
-              <a:endParaRPr/>
-            </a:p>
-          </p:txBody>
-        </p:sp>
-        <p:sp>
-          <p:nvSpPr>
-            <p:cNvPr id="630" name="Кружок"/>
-            <p:cNvSpPr/>
-            <p:nvPr/>
-          </p:nvSpPr>
-          <p:spPr>
-            <a:xfrm>
-              <a:off x="296289" y="1550396"/>
-              <a:ext cx="37571" cy="37571"/>
-            </a:xfrm>
-            <a:prstGeom prst="ellipse">
-              <a:avLst/>
-            </a:prstGeom>
-            <a:solidFill>
-              <a:srgbClr val="000000"/>
-            </a:solidFill>
-            <a:ln w="3175" cap="flat">
-              <a:noFill/>
-              <a:miter lim="400000"/>
-            </a:ln>
-            <a:effectLst/>
-          </p:spPr>
-          <p:txBody>
-            <a:bodyPr wrap="square" lIns="50800" tIns="50800" rIns="50800" bIns="50800" numCol="1" anchor="ctr">
-              <a:noAutofit/>
-            </a:bodyPr>
-            <a:lstStyle/>
-            <a:p>
-              <a:pPr algn="ctr" defTabSz="584200">
-                <a:defRPr sz="1200">
-                  <a:solidFill>
-                    <a:srgbClr val="FFFFFF"/>
-                  </a:solidFill>
-                  <a:latin typeface="Helvetica Neue Medium"/>
-                  <a:ea typeface="Helvetica Neue Medium"/>
-                  <a:cs typeface="Helvetica Neue Medium"/>
-                  <a:sym typeface="Helvetica Neue Medium"/>
-                </a:defRPr>
-              </a:pPr>
-              <a:endParaRPr/>
-            </a:p>
-          </p:txBody>
-        </p:sp>
-        <p:sp>
-          <p:nvSpPr>
-            <p:cNvPr id="631" name="Lorem ipsum dolor sit amet, consectetur adipiscing elit."/>
-            <p:cNvSpPr txBox="1"/>
-            <p:nvPr/>
-          </p:nvSpPr>
-          <p:spPr>
-            <a:xfrm>
-              <a:off x="410524" y="1497381"/>
-              <a:ext cx="3731943" cy="291436"/>
-            </a:xfrm>
-            <a:prstGeom prst="rect">
-              <a:avLst/>
-            </a:prstGeom>
-            <a:noFill/>
-            <a:ln w="12700" cap="flat">
-              <a:noFill/>
-              <a:miter lim="400000"/>
-            </a:ln>
-            <a:effectLst/>
-            <a:extLst>
-              <a:ext uri="{C572A759-6A51-4108-AA02-DFA0A04FC94B}">
-                <ma14:wrappingTextBoxFlag xmlns="" xmlns:m="http://schemas.openxmlformats.org/officeDocument/2006/math" xmlns:a14="http://schemas.microsoft.com/office/drawing/2010/main" xmlns:ma14="http://schemas.microsoft.com/office/mac/drawingml/2011/main" val="1"/>
-              </a:ext>
-            </a:extLst>
-          </p:spPr>
-          <p:txBody>
-            <a:bodyPr wrap="square" lIns="0" tIns="0" rIns="0" bIns="0" numCol="1" anchor="t">
-              <a:noAutofit/>
-            </a:bodyPr>
-            <a:lstStyle>
-              <a:lvl1pPr algn="just" defTabSz="457200">
-                <a:lnSpc>
-                  <a:spcPct val="120000"/>
-                </a:lnSpc>
-                <a:defRPr sz="800">
-                  <a:latin typeface="Helvetica Neue Light"/>
-                  <a:ea typeface="Helvetica Neue Light"/>
-                  <a:cs typeface="Helvetica Neue Light"/>
-                  <a:sym typeface="Helvetica Neue Light"/>
-                </a:defRPr>
-              </a:lvl1pPr>
-            </a:lstStyle>
-            <a:p>
-              <a:r>
-                <a:t>Lorem ipsum dolor sit amet, consectetur adipiscing elit.</a:t>
-              </a:r>
-            </a:p>
-          </p:txBody>
-        </p:sp>
-      </p:grpSp>
-      <p:grpSp>
-        <p:nvGrpSpPr>
-          <p:cNvPr id="642" name="Сгруппировать"/>
-          <p:cNvGrpSpPr/>
-          <p:nvPr/>
-        </p:nvGrpSpPr>
-        <p:grpSpPr>
-          <a:xfrm>
-            <a:off x="745165" y="7142227"/>
-            <a:ext cx="1865972" cy="1643801"/>
-            <a:chOff x="0" y="0"/>
-            <a:chExt cx="1865970" cy="1643799"/>
-          </a:xfrm>
-        </p:grpSpPr>
-        <p:sp>
-          <p:nvSpPr>
-            <p:cNvPr id="633" name="ACHIVEMENT"/>
-            <p:cNvSpPr txBox="1"/>
-            <p:nvPr/>
-          </p:nvSpPr>
-          <p:spPr>
-            <a:xfrm>
-              <a:off x="0" y="0"/>
-              <a:ext cx="1556853" cy="238708"/>
-            </a:xfrm>
-            <a:prstGeom prst="rect">
-              <a:avLst/>
-            </a:prstGeom>
-            <a:noFill/>
-            <a:ln w="12700" cap="flat">
-              <a:noFill/>
-              <a:miter lim="400000"/>
-            </a:ln>
-            <a:effectLst/>
-            <a:extLst>
-              <a:ext uri="{C572A759-6A51-4108-AA02-DFA0A04FC94B}">
-                <ma14:wrappingTextBoxFlag xmlns="" xmlns:m="http://schemas.openxmlformats.org/officeDocument/2006/math" xmlns:a14="http://schemas.microsoft.com/office/drawing/2010/main" xmlns:ma14="http://schemas.microsoft.com/office/mac/drawingml/2011/main" val="1"/>
-              </a:ext>
-            </a:extLst>
-          </p:spPr>
-          <p:txBody>
-            <a:bodyPr wrap="square" lIns="0" tIns="0" rIns="0" bIns="0" numCol="1" anchor="ctr">
-              <a:noAutofit/>
-            </a:bodyPr>
-            <a:lstStyle>
-              <a:lvl1pPr defTabSz="457200">
-                <a:lnSpc>
-                  <a:spcPct val="120000"/>
-                </a:lnSpc>
-                <a:defRPr sz="1400" cap="all" spc="168">
-                  <a:latin typeface="Helvetica Neue"/>
-                  <a:ea typeface="Helvetica Neue"/>
-                  <a:cs typeface="Helvetica Neue"/>
-                  <a:sym typeface="Helvetica Neue"/>
-                </a:defRPr>
-              </a:lvl1pPr>
-            </a:lstStyle>
-            <a:p>
-              <a:r>
-                <a:t>ACHIVEMENT</a:t>
-              </a:r>
-            </a:p>
-          </p:txBody>
-        </p:sp>
-        <p:grpSp>
-          <p:nvGrpSpPr>
-            <p:cNvPr id="637" name="Сгруппировать"/>
-            <p:cNvGrpSpPr/>
-            <p:nvPr/>
-          </p:nvGrpSpPr>
-          <p:grpSpPr>
-            <a:xfrm>
-              <a:off x="0" y="340623"/>
-              <a:ext cx="1865971" cy="609380"/>
-              <a:chOff x="0" y="0"/>
-              <a:chExt cx="1865970" cy="609378"/>
-            </a:xfrm>
-          </p:grpSpPr>
-          <p:sp>
-            <p:nvSpPr>
-              <p:cNvPr id="634" name="Your achievement"/>
-              <p:cNvSpPr txBox="1"/>
-              <p:nvPr/>
-            </p:nvSpPr>
-            <p:spPr>
-              <a:xfrm>
-                <a:off x="0" y="0"/>
-                <a:ext cx="1722563" cy="264978"/>
-              </a:xfrm>
-              <a:prstGeom prst="rect">
-                <a:avLst/>
-              </a:prstGeom>
-              <a:noFill/>
-              <a:ln w="12700" cap="flat">
-                <a:noFill/>
-                <a:miter lim="400000"/>
-              </a:ln>
-              <a:effectLst/>
-              <a:extLst>
-                <a:ext uri="{C572A759-6A51-4108-AA02-DFA0A04FC94B}">
-                  <ma14:wrappingTextBoxFlag xmlns="" xmlns:m="http://schemas.openxmlformats.org/officeDocument/2006/math" xmlns:a14="http://schemas.microsoft.com/office/drawing/2010/main" xmlns:ma14="http://schemas.microsoft.com/office/mac/drawingml/2011/main" val="1"/>
-                </a:ext>
-              </a:extLst>
-            </p:spPr>
-            <p:txBody>
-              <a:bodyPr wrap="square" lIns="0" tIns="0" rIns="0" bIns="0" numCol="1" anchor="ctr">
-                <a:noAutofit/>
-              </a:bodyPr>
-              <a:lstStyle>
-                <a:lvl1pPr defTabSz="457200">
-                  <a:defRPr sz="900" cap="all" spc="45">
-                    <a:latin typeface="Helvetica Neue Medium"/>
-                    <a:ea typeface="Helvetica Neue Medium"/>
-                    <a:cs typeface="Helvetica Neue Medium"/>
-                    <a:sym typeface="Helvetica Neue Medium"/>
-                  </a:defRPr>
-                </a:lvl1pPr>
-              </a:lstStyle>
-              <a:p>
-                <a:r>
-                  <a:t>Your achievement</a:t>
-                </a:r>
-              </a:p>
-            </p:txBody>
-          </p:sp>
-          <p:sp>
-            <p:nvSpPr>
-              <p:cNvPr id="635" name="Organisation"/>
-              <p:cNvSpPr txBox="1"/>
-              <p:nvPr/>
-            </p:nvSpPr>
-            <p:spPr>
-              <a:xfrm>
-                <a:off x="0" y="172201"/>
-                <a:ext cx="1865971" cy="264978"/>
-              </a:xfrm>
-              <a:prstGeom prst="rect">
-                <a:avLst/>
-              </a:prstGeom>
-              <a:noFill/>
-              <a:ln w="12700" cap="flat">
-                <a:noFill/>
-                <a:miter lim="400000"/>
-              </a:ln>
-              <a:effectLst/>
-              <a:extLst>
-                <a:ext uri="{C572A759-6A51-4108-AA02-DFA0A04FC94B}">
-                  <ma14:wrappingTextBoxFlag xmlns="" xmlns:m="http://schemas.openxmlformats.org/officeDocument/2006/math" xmlns:a14="http://schemas.microsoft.com/office/drawing/2010/main" xmlns:ma14="http://schemas.microsoft.com/office/mac/drawingml/2011/main" val="1"/>
-                </a:ext>
-              </a:extLst>
-            </p:spPr>
-            <p:txBody>
-              <a:bodyPr wrap="square" lIns="0" tIns="0" rIns="0" bIns="0" numCol="1" anchor="ctr">
-                <a:noAutofit/>
-              </a:bodyPr>
-              <a:lstStyle>
-                <a:lvl1pPr defTabSz="457200">
-                  <a:defRPr sz="900">
-                    <a:latin typeface="Helvetica Neue"/>
-                    <a:ea typeface="Helvetica Neue"/>
-                    <a:cs typeface="Helvetica Neue"/>
-                    <a:sym typeface="Helvetica Neue"/>
-                  </a:defRPr>
-                </a:lvl1pPr>
-              </a:lstStyle>
-              <a:p>
-                <a:r>
-                  <a:t>Organisation</a:t>
-                </a:r>
-              </a:p>
-            </p:txBody>
-          </p:sp>
-          <p:sp>
-            <p:nvSpPr>
-              <p:cNvPr id="636" name="2015 - toronto"/>
-              <p:cNvSpPr txBox="1"/>
-              <p:nvPr/>
-            </p:nvSpPr>
-            <p:spPr>
-              <a:xfrm>
-                <a:off x="0" y="344401"/>
-                <a:ext cx="1865971" cy="264978"/>
-              </a:xfrm>
-              <a:prstGeom prst="rect">
-                <a:avLst/>
-              </a:prstGeom>
-              <a:noFill/>
-              <a:ln w="12700" cap="flat">
-                <a:noFill/>
-                <a:miter lim="400000"/>
-              </a:ln>
-              <a:effectLst/>
-              <a:extLst>
-                <a:ext uri="{C572A759-6A51-4108-AA02-DFA0A04FC94B}">
-                  <ma14:wrappingTextBoxFlag xmlns="" xmlns:m="http://schemas.openxmlformats.org/officeDocument/2006/math" xmlns:a14="http://schemas.microsoft.com/office/drawing/2010/main" xmlns:ma14="http://schemas.microsoft.com/office/mac/drawingml/2011/main" val="1"/>
-                </a:ext>
-              </a:extLst>
-            </p:spPr>
-            <p:txBody>
-              <a:bodyPr wrap="square" lIns="0" tIns="0" rIns="0" bIns="0" numCol="1" anchor="ctr">
-                <a:noAutofit/>
-              </a:bodyPr>
-              <a:lstStyle>
-                <a:lvl1pPr defTabSz="457200">
-                  <a:defRPr sz="800">
-                    <a:latin typeface="Helvetica Neue Light"/>
-                    <a:ea typeface="Helvetica Neue Light"/>
-                    <a:cs typeface="Helvetica Neue Light"/>
-                    <a:sym typeface="Helvetica Neue Light"/>
-                  </a:defRPr>
-                </a:lvl1pPr>
-              </a:lstStyle>
-              <a:p>
-                <a:r>
-                  <a:t>2015 - toronto</a:t>
-                </a:r>
-              </a:p>
-            </p:txBody>
-          </p:sp>
-        </p:grpSp>
-        <p:grpSp>
-          <p:nvGrpSpPr>
-            <p:cNvPr id="641" name="Сгруппировать"/>
-            <p:cNvGrpSpPr/>
-            <p:nvPr/>
-          </p:nvGrpSpPr>
-          <p:grpSpPr>
-            <a:xfrm>
-              <a:off x="0" y="1034420"/>
-              <a:ext cx="1865971" cy="609380"/>
-              <a:chOff x="0" y="0"/>
-              <a:chExt cx="1865970" cy="609378"/>
-            </a:xfrm>
-          </p:grpSpPr>
-          <p:sp>
-            <p:nvSpPr>
-              <p:cNvPr id="638" name="Your achievement"/>
-              <p:cNvSpPr txBox="1"/>
-              <p:nvPr/>
-            </p:nvSpPr>
-            <p:spPr>
-              <a:xfrm>
-                <a:off x="0" y="0"/>
-                <a:ext cx="1722563" cy="264978"/>
-              </a:xfrm>
-              <a:prstGeom prst="rect">
-                <a:avLst/>
-              </a:prstGeom>
-              <a:noFill/>
-              <a:ln w="12700" cap="flat">
-                <a:noFill/>
-                <a:miter lim="400000"/>
-              </a:ln>
-              <a:effectLst/>
-              <a:extLst>
-                <a:ext uri="{C572A759-6A51-4108-AA02-DFA0A04FC94B}">
-                  <ma14:wrappingTextBoxFlag xmlns="" xmlns:m="http://schemas.openxmlformats.org/officeDocument/2006/math" xmlns:a14="http://schemas.microsoft.com/office/drawing/2010/main" xmlns:ma14="http://schemas.microsoft.com/office/mac/drawingml/2011/main" val="1"/>
-                </a:ext>
-              </a:extLst>
-            </p:spPr>
-            <p:txBody>
-              <a:bodyPr wrap="square" lIns="0" tIns="0" rIns="0" bIns="0" numCol="1" anchor="ctr">
-                <a:noAutofit/>
-              </a:bodyPr>
-              <a:lstStyle>
-                <a:lvl1pPr defTabSz="457200">
-                  <a:defRPr sz="900" cap="all" spc="45">
-                    <a:latin typeface="Helvetica Neue Medium"/>
-                    <a:ea typeface="Helvetica Neue Medium"/>
-                    <a:cs typeface="Helvetica Neue Medium"/>
-                    <a:sym typeface="Helvetica Neue Medium"/>
-                  </a:defRPr>
-                </a:lvl1pPr>
-              </a:lstStyle>
-              <a:p>
-                <a:r>
-                  <a:t>Your achievement</a:t>
-                </a:r>
-              </a:p>
-            </p:txBody>
-          </p:sp>
-          <p:sp>
-            <p:nvSpPr>
-              <p:cNvPr id="639" name="Organisation"/>
-              <p:cNvSpPr txBox="1"/>
-              <p:nvPr/>
-            </p:nvSpPr>
-            <p:spPr>
-              <a:xfrm>
-                <a:off x="0" y="172201"/>
-                <a:ext cx="1865971" cy="264978"/>
-              </a:xfrm>
-              <a:prstGeom prst="rect">
-                <a:avLst/>
-              </a:prstGeom>
-              <a:noFill/>
-              <a:ln w="12700" cap="flat">
-                <a:noFill/>
-                <a:miter lim="400000"/>
-              </a:ln>
-              <a:effectLst/>
-              <a:extLst>
-                <a:ext uri="{C572A759-6A51-4108-AA02-DFA0A04FC94B}">
-                  <ma14:wrappingTextBoxFlag xmlns="" xmlns:m="http://schemas.openxmlformats.org/officeDocument/2006/math" xmlns:a14="http://schemas.microsoft.com/office/drawing/2010/main" xmlns:ma14="http://schemas.microsoft.com/office/mac/drawingml/2011/main" val="1"/>
-                </a:ext>
-              </a:extLst>
-            </p:spPr>
-            <p:txBody>
-              <a:bodyPr wrap="square" lIns="0" tIns="0" rIns="0" bIns="0" numCol="1" anchor="ctr">
-                <a:noAutofit/>
-              </a:bodyPr>
-              <a:lstStyle>
-                <a:lvl1pPr defTabSz="457200">
-                  <a:defRPr sz="900">
-                    <a:latin typeface="Helvetica Neue"/>
-                    <a:ea typeface="Helvetica Neue"/>
-                    <a:cs typeface="Helvetica Neue"/>
-                    <a:sym typeface="Helvetica Neue"/>
-                  </a:defRPr>
-                </a:lvl1pPr>
-              </a:lstStyle>
-              <a:p>
-                <a:r>
-                  <a:t>Organisation</a:t>
-                </a:r>
-              </a:p>
-            </p:txBody>
-          </p:sp>
-          <p:sp>
-            <p:nvSpPr>
-              <p:cNvPr id="640" name="2015 - toronto"/>
-              <p:cNvSpPr txBox="1"/>
-              <p:nvPr/>
-            </p:nvSpPr>
-            <p:spPr>
-              <a:xfrm>
-                <a:off x="0" y="344401"/>
-                <a:ext cx="1865971" cy="264978"/>
-              </a:xfrm>
-              <a:prstGeom prst="rect">
-                <a:avLst/>
-              </a:prstGeom>
-              <a:noFill/>
-              <a:ln w="12700" cap="flat">
-                <a:noFill/>
-                <a:miter lim="400000"/>
-              </a:ln>
-              <a:effectLst/>
-              <a:extLst>
-                <a:ext uri="{C572A759-6A51-4108-AA02-DFA0A04FC94B}">
-                  <ma14:wrappingTextBoxFlag xmlns="" xmlns:m="http://schemas.openxmlformats.org/officeDocument/2006/math" xmlns:a14="http://schemas.microsoft.com/office/drawing/2010/main" xmlns:ma14="http://schemas.microsoft.com/office/mac/drawingml/2011/main" val="1"/>
-                </a:ext>
-              </a:extLst>
-            </p:spPr>
-            <p:txBody>
-              <a:bodyPr wrap="square" lIns="0" tIns="0" rIns="0" bIns="0" numCol="1" anchor="ctr">
-                <a:noAutofit/>
-              </a:bodyPr>
-              <a:lstStyle>
-                <a:lvl1pPr defTabSz="457200">
-                  <a:defRPr sz="800">
-                    <a:latin typeface="Helvetica Neue Light"/>
-                    <a:ea typeface="Helvetica Neue Light"/>
-                    <a:cs typeface="Helvetica Neue Light"/>
-                    <a:sym typeface="Helvetica Neue Light"/>
-                  </a:defRPr>
-                </a:lvl1pPr>
-              </a:lstStyle>
-              <a:p>
-                <a:r>
-                  <a:t>2015 - toronto</a:t>
-                </a:r>
-              </a:p>
-            </p:txBody>
-          </p:sp>
-        </p:grpSp>
-      </p:grpSp>
       <p:sp>
         <p:nvSpPr>
-          <p:cNvPr id="643" name="Lorem ipsum dolor sit amet, consectetur adipiscing elit. Aliquam ac bibendum dui. Proin convallis libero id diam porta, facilisis varius velit tempus."/>
+          <p:cNvPr id="252" name="Bachelor's Degree in Business Administration"/>
           <p:cNvSpPr txBox="1"/>
           <p:nvPr/>
         </p:nvSpPr>
         <p:spPr>
           <a:xfrm>
-            <a:off x="3008820" y="8739327"/>
-            <a:ext cx="4142468" cy="662394"/>
+            <a:off x="874407" y="5952658"/>
+            <a:ext cx="2454136" cy="358218"/>
           </a:xfrm>
           <a:prstGeom prst="rect">
             <a:avLst/>
@@ -6147,18 +4902,193 @@
           </a:ln>
           <a:extLst>
             <a:ext uri="{C572A759-6A51-4108-AA02-DFA0A04FC94B}">
-              <ma14:wrappingTextBoxFlag xmlns="" xmlns:m="http://schemas.openxmlformats.org/officeDocument/2006/math" xmlns:a14="http://schemas.microsoft.com/office/drawing/2010/main" xmlns:ma14="http://schemas.microsoft.com/office/mac/drawingml/2011/main" val="1"/>
+              <ma14:wrappingTextBoxFlag xmlns:ma14="http://schemas.microsoft.com/office/mac/drawingml/2011/main" xmlns:a14="http://schemas.microsoft.com/office/drawing/2010/main" xmlns:m="http://schemas.openxmlformats.org/officeDocument/2006/math" xmlns="" val="1"/>
             </a:ext>
           </a:extLst>
         </p:spPr>
         <p:txBody>
           <a:bodyPr lIns="0" tIns="0" rIns="0" bIns="0"/>
           <a:lstStyle>
-            <a:lvl1pPr algn="just" defTabSz="457200">
+            <a:lvl1pPr defTabSz="457200">
               <a:lnSpc>
                 <a:spcPct val="120000"/>
               </a:lnSpc>
-              <a:defRPr sz="800">
+              <a:defRPr sz="1000" b="1" cap="all" spc="50">
+                <a:latin typeface="Helvetica Neue"/>
+                <a:ea typeface="Helvetica Neue"/>
+                <a:cs typeface="Helvetica Neue"/>
+                <a:sym typeface="Helvetica Neue"/>
+              </a:defRPr>
+            </a:lvl1pPr>
+          </a:lstStyle>
+          <a:p>
+            <a:r>
+              <a:t>Bachelor's Degree in Business Administration</a:t>
+            </a:r>
+          </a:p>
+        </p:txBody>
+      </p:sp>
+      <p:sp>
+        <p:nvSpPr>
+          <p:cNvPr id="253" name="Law School Name…"/>
+          <p:cNvSpPr txBox="1"/>
+          <p:nvPr/>
+        </p:nvSpPr>
+        <p:spPr>
+          <a:xfrm>
+            <a:off x="874408" y="7430366"/>
+            <a:ext cx="2454135" cy="591865"/>
+          </a:xfrm>
+          <a:prstGeom prst="rect">
+            <a:avLst/>
+          </a:prstGeom>
+          <a:ln w="12700">
+            <a:miter lim="400000"/>
+          </a:ln>
+          <a:extLst>
+            <a:ext uri="{C572A759-6A51-4108-AA02-DFA0A04FC94B}">
+              <ma14:wrappingTextBoxFlag xmlns:ma14="http://schemas.microsoft.com/office/mac/drawingml/2011/main" xmlns:a14="http://schemas.microsoft.com/office/drawing/2010/main" xmlns:m="http://schemas.openxmlformats.org/officeDocument/2006/math" xmlns="" val="1"/>
+            </a:ext>
+          </a:extLst>
+        </p:spPr>
+        <p:txBody>
+          <a:bodyPr lIns="0" tIns="0" rIns="0" bIns="0"/>
+          <a:lstStyle/>
+          <a:p>
+            <a:pPr defTabSz="457200">
+              <a:lnSpc>
+                <a:spcPct val="120000"/>
+              </a:lnSpc>
+              <a:defRPr sz="1000">
+                <a:solidFill>
+                  <a:srgbClr val="333333"/>
+                </a:solidFill>
+                <a:latin typeface="Helvetica Neue"/>
+                <a:ea typeface="Helvetica Neue"/>
+                <a:cs typeface="Helvetica Neue"/>
+                <a:sym typeface="Helvetica Neue"/>
+              </a:defRPr>
+            </a:pPr>
+            <a:r>
+              <a:t>Law School Name</a:t>
+            </a:r>
+          </a:p>
+          <a:p>
+            <a:pPr defTabSz="457200">
+              <a:lnSpc>
+                <a:spcPct val="120000"/>
+              </a:lnSpc>
+              <a:defRPr sz="1000">
+                <a:solidFill>
+                  <a:srgbClr val="333333"/>
+                </a:solidFill>
+                <a:latin typeface="Helvetica Neue"/>
+                <a:ea typeface="Helvetica Neue"/>
+                <a:cs typeface="Helvetica Neue"/>
+                <a:sym typeface="Helvetica Neue"/>
+              </a:defRPr>
+            </a:pPr>
+            <a:r>
+              <a:t>City, State, Year</a:t>
+            </a:r>
+          </a:p>
+          <a:p>
+            <a:pPr defTabSz="457200">
+              <a:lnSpc>
+                <a:spcPct val="120000"/>
+              </a:lnSpc>
+              <a:defRPr sz="1000">
+                <a:solidFill>
+                  <a:srgbClr val="333333"/>
+                </a:solidFill>
+                <a:latin typeface="Helvetica Neue"/>
+                <a:ea typeface="Helvetica Neue"/>
+                <a:cs typeface="Helvetica Neue"/>
+                <a:sym typeface="Helvetica Neue"/>
+              </a:defRPr>
+            </a:pPr>
+            <a:r>
+              <a:t>Graduated: 20XX</a:t>
+            </a:r>
+          </a:p>
+        </p:txBody>
+      </p:sp>
+      <p:sp>
+        <p:nvSpPr>
+          <p:cNvPr id="254" name="Associate’s Degree in Business Management"/>
+          <p:cNvSpPr txBox="1"/>
+          <p:nvPr/>
+        </p:nvSpPr>
+        <p:spPr>
+          <a:xfrm>
+            <a:off x="874407" y="7011400"/>
+            <a:ext cx="2454136" cy="349996"/>
+          </a:xfrm>
+          <a:prstGeom prst="rect">
+            <a:avLst/>
+          </a:prstGeom>
+          <a:ln w="12700">
+            <a:miter lim="400000"/>
+          </a:ln>
+          <a:extLst>
+            <a:ext uri="{C572A759-6A51-4108-AA02-DFA0A04FC94B}">
+              <ma14:wrappingTextBoxFlag xmlns:ma14="http://schemas.microsoft.com/office/mac/drawingml/2011/main" xmlns:a14="http://schemas.microsoft.com/office/drawing/2010/main" xmlns:m="http://schemas.openxmlformats.org/officeDocument/2006/math" xmlns="" val="1"/>
+            </a:ext>
+          </a:extLst>
+        </p:spPr>
+        <p:txBody>
+          <a:bodyPr lIns="0" tIns="0" rIns="0" bIns="0"/>
+          <a:lstStyle>
+            <a:lvl1pPr defTabSz="457200">
+              <a:lnSpc>
+                <a:spcPct val="120000"/>
+              </a:lnSpc>
+              <a:defRPr sz="1000" b="1" cap="all" spc="50">
+                <a:latin typeface="Helvetica Neue"/>
+                <a:ea typeface="Helvetica Neue"/>
+                <a:cs typeface="Helvetica Neue"/>
+                <a:sym typeface="Helvetica Neue"/>
+              </a:defRPr>
+            </a:lvl1pPr>
+          </a:lstStyle>
+          <a:p>
+            <a:r>
+              <a:t>Associate’s Degree in Business Management</a:t>
+            </a:r>
+          </a:p>
+        </p:txBody>
+      </p:sp>
+      <p:sp>
+        <p:nvSpPr>
+          <p:cNvPr id="255" name="Sales manager"/>
+          <p:cNvSpPr txBox="1"/>
+          <p:nvPr/>
+        </p:nvSpPr>
+        <p:spPr>
+          <a:xfrm>
+            <a:off x="3778977" y="1749062"/>
+            <a:ext cx="2972739" cy="292901"/>
+          </a:xfrm>
+          <a:prstGeom prst="rect">
+            <a:avLst/>
+          </a:prstGeom>
+          <a:solidFill>
+            <a:srgbClr val="CAEEE8"/>
+          </a:solidFill>
+          <a:ln w="12700">
+            <a:miter lim="400000"/>
+          </a:ln>
+          <a:extLst>
+            <a:ext uri="{C572A759-6A51-4108-AA02-DFA0A04FC94B}">
+              <ma14:wrappingTextBoxFlag xmlns:ma14="http://schemas.microsoft.com/office/mac/drawingml/2011/main" xmlns:a14="http://schemas.microsoft.com/office/drawing/2010/main" xmlns:m="http://schemas.openxmlformats.org/officeDocument/2006/math" xmlns="" val="1"/>
+            </a:ext>
+          </a:extLst>
+        </p:spPr>
+        <p:txBody>
+          <a:bodyPr lIns="50800" tIns="50800" rIns="50800" bIns="50800" anchor="ctr"/>
+          <a:lstStyle>
+            <a:lvl1pPr algn="ctr" defTabSz="457200">
+              <a:defRPr sz="1400" cap="all" spc="308">
                 <a:latin typeface="Helvetica Neue Light"/>
                 <a:ea typeface="Helvetica Neue Light"/>
                 <a:cs typeface="Helvetica Neue Light"/>
@@ -6168,335 +5098,414 @@
           </a:lstStyle>
           <a:p>
             <a:r>
-              <a:t>Lorem ipsum dolor sit amet, consectetur adipiscing elit. Aliquam ac bibendum dui. Proin convallis libero id diam porta, facilisis varius velit tempus.</a:t>
+              <a:t>Sales manager</a:t>
             </a:r>
           </a:p>
         </p:txBody>
       </p:sp>
-      <p:grpSp>
-        <p:nvGrpSpPr>
-          <p:cNvPr id="649" name="Сгруппировать"/>
-          <p:cNvGrpSpPr/>
-          <p:nvPr/>
-        </p:nvGrpSpPr>
-        <p:grpSpPr>
-          <a:xfrm>
-            <a:off x="745165" y="9275573"/>
-            <a:ext cx="1722564" cy="1458726"/>
-            <a:chOff x="0" y="0"/>
-            <a:chExt cx="1722562" cy="1458724"/>
-          </a:xfrm>
-        </p:grpSpPr>
-        <p:sp>
-          <p:nvSpPr>
-            <p:cNvPr id="644" name="SKILLS"/>
-            <p:cNvSpPr txBox="1"/>
-            <p:nvPr/>
-          </p:nvSpPr>
-          <p:spPr>
-            <a:xfrm>
-              <a:off x="0" y="0"/>
-              <a:ext cx="1556853" cy="238708"/>
-            </a:xfrm>
-            <a:prstGeom prst="rect">
-              <a:avLst/>
-            </a:prstGeom>
-            <a:noFill/>
-            <a:ln w="12700" cap="flat">
-              <a:noFill/>
-              <a:miter lim="400000"/>
-            </a:ln>
-            <a:effectLst/>
-            <a:extLst>
-              <a:ext uri="{C572A759-6A51-4108-AA02-DFA0A04FC94B}">
-                <ma14:wrappingTextBoxFlag xmlns="" xmlns:m="http://schemas.openxmlformats.org/officeDocument/2006/math" xmlns:a14="http://schemas.microsoft.com/office/drawing/2010/main" xmlns:ma14="http://schemas.microsoft.com/office/mac/drawingml/2011/main" val="1"/>
-              </a:ext>
-            </a:extLst>
-          </p:spPr>
-          <p:txBody>
-            <a:bodyPr wrap="square" lIns="0" tIns="0" rIns="0" bIns="0" numCol="1" anchor="ctr">
-              <a:noAutofit/>
-            </a:bodyPr>
-            <a:lstStyle>
-              <a:lvl1pPr defTabSz="457200">
-                <a:lnSpc>
-                  <a:spcPct val="120000"/>
-                </a:lnSpc>
-                <a:defRPr sz="1400" cap="all" spc="168">
-                  <a:latin typeface="Helvetica Neue"/>
-                  <a:ea typeface="Helvetica Neue"/>
-                  <a:cs typeface="Helvetica Neue"/>
-                  <a:sym typeface="Helvetica Neue"/>
-                </a:defRPr>
-              </a:lvl1pPr>
-            </a:lstStyle>
-            <a:p>
-              <a:r>
-                <a:t>SKILLS</a:t>
-              </a:r>
-            </a:p>
-          </p:txBody>
-        </p:sp>
-        <p:sp>
-          <p:nvSpPr>
-            <p:cNvPr id="645" name="Photoshop"/>
-            <p:cNvSpPr txBox="1"/>
-            <p:nvPr/>
-          </p:nvSpPr>
-          <p:spPr>
-            <a:xfrm>
-              <a:off x="0" y="338356"/>
-              <a:ext cx="1722563" cy="264978"/>
-            </a:xfrm>
-            <a:prstGeom prst="rect">
-              <a:avLst/>
-            </a:prstGeom>
-            <a:noFill/>
-            <a:ln w="12700" cap="flat">
-              <a:noFill/>
-              <a:miter lim="400000"/>
-            </a:ln>
-            <a:effectLst/>
-            <a:extLst>
-              <a:ext uri="{C572A759-6A51-4108-AA02-DFA0A04FC94B}">
-                <ma14:wrappingTextBoxFlag xmlns="" xmlns:m="http://schemas.openxmlformats.org/officeDocument/2006/math" xmlns:a14="http://schemas.microsoft.com/office/drawing/2010/main" xmlns:ma14="http://schemas.microsoft.com/office/mac/drawingml/2011/main" val="1"/>
-              </a:ext>
-            </a:extLst>
-          </p:spPr>
-          <p:txBody>
-            <a:bodyPr wrap="square" lIns="0" tIns="0" rIns="0" bIns="0" numCol="1" anchor="ctr">
-              <a:noAutofit/>
-            </a:bodyPr>
-            <a:lstStyle>
-              <a:lvl1pPr defTabSz="457200">
-                <a:defRPr sz="900" cap="all" spc="45">
-                  <a:latin typeface="Helvetica Neue Light"/>
-                  <a:ea typeface="Helvetica Neue Light"/>
-                  <a:cs typeface="Helvetica Neue Light"/>
-                  <a:sym typeface="Helvetica Neue Light"/>
-                </a:defRPr>
-              </a:lvl1pPr>
-            </a:lstStyle>
-            <a:p>
-              <a:r>
-                <a:t>Photoshop</a:t>
-              </a:r>
-            </a:p>
-          </p:txBody>
-        </p:sp>
-        <p:sp>
-          <p:nvSpPr>
-            <p:cNvPr id="646" name="Project design"/>
-            <p:cNvSpPr txBox="1"/>
-            <p:nvPr/>
-          </p:nvSpPr>
-          <p:spPr>
-            <a:xfrm>
-              <a:off x="0" y="610089"/>
-              <a:ext cx="1722563" cy="264978"/>
-            </a:xfrm>
-            <a:prstGeom prst="rect">
-              <a:avLst/>
-            </a:prstGeom>
-            <a:noFill/>
-            <a:ln w="12700" cap="flat">
-              <a:noFill/>
-              <a:miter lim="400000"/>
-            </a:ln>
-            <a:effectLst/>
-            <a:extLst>
-              <a:ext uri="{C572A759-6A51-4108-AA02-DFA0A04FC94B}">
-                <ma14:wrappingTextBoxFlag xmlns="" xmlns:m="http://schemas.openxmlformats.org/officeDocument/2006/math" xmlns:a14="http://schemas.microsoft.com/office/drawing/2010/main" xmlns:ma14="http://schemas.microsoft.com/office/mac/drawingml/2011/main" val="1"/>
-              </a:ext>
-            </a:extLst>
-          </p:spPr>
-          <p:txBody>
-            <a:bodyPr wrap="square" lIns="0" tIns="0" rIns="0" bIns="0" numCol="1" anchor="ctr">
-              <a:noAutofit/>
-            </a:bodyPr>
-            <a:lstStyle>
-              <a:lvl1pPr defTabSz="457200">
-                <a:defRPr sz="900" cap="all" spc="45">
-                  <a:latin typeface="Helvetica Neue Light"/>
-                  <a:ea typeface="Helvetica Neue Light"/>
-                  <a:cs typeface="Helvetica Neue Light"/>
-                  <a:sym typeface="Helvetica Neue Light"/>
-                </a:defRPr>
-              </a:lvl1pPr>
-            </a:lstStyle>
-            <a:p>
-              <a:r>
-                <a:t>Project design</a:t>
-              </a:r>
-            </a:p>
-          </p:txBody>
-        </p:sp>
-        <p:sp>
-          <p:nvSpPr>
-            <p:cNvPr id="647" name="Quality control"/>
-            <p:cNvSpPr txBox="1"/>
-            <p:nvPr/>
-          </p:nvSpPr>
-          <p:spPr>
-            <a:xfrm>
-              <a:off x="0" y="902263"/>
-              <a:ext cx="1722563" cy="264978"/>
-            </a:xfrm>
-            <a:prstGeom prst="rect">
-              <a:avLst/>
-            </a:prstGeom>
-            <a:noFill/>
-            <a:ln w="12700" cap="flat">
-              <a:noFill/>
-              <a:miter lim="400000"/>
-            </a:ln>
-            <a:effectLst/>
-            <a:extLst>
-              <a:ext uri="{C572A759-6A51-4108-AA02-DFA0A04FC94B}">
-                <ma14:wrappingTextBoxFlag xmlns="" xmlns:m="http://schemas.openxmlformats.org/officeDocument/2006/math" xmlns:a14="http://schemas.microsoft.com/office/drawing/2010/main" xmlns:ma14="http://schemas.microsoft.com/office/mac/drawingml/2011/main" val="1"/>
-              </a:ext>
-            </a:extLst>
-          </p:spPr>
-          <p:txBody>
-            <a:bodyPr wrap="square" lIns="0" tIns="0" rIns="0" bIns="0" numCol="1" anchor="ctr">
-              <a:noAutofit/>
-            </a:bodyPr>
-            <a:lstStyle>
-              <a:lvl1pPr defTabSz="457200">
-                <a:defRPr sz="900" cap="all" spc="45">
-                  <a:latin typeface="Helvetica Neue Light"/>
-                  <a:ea typeface="Helvetica Neue Light"/>
-                  <a:cs typeface="Helvetica Neue Light"/>
-                  <a:sym typeface="Helvetica Neue Light"/>
-                </a:defRPr>
-              </a:lvl1pPr>
-            </a:lstStyle>
-            <a:p>
-              <a:r>
-                <a:t>Quality control</a:t>
-              </a:r>
-            </a:p>
-          </p:txBody>
-        </p:sp>
-        <p:sp>
-          <p:nvSpPr>
-            <p:cNvPr id="648" name="Word"/>
-            <p:cNvSpPr txBox="1"/>
-            <p:nvPr/>
-          </p:nvSpPr>
-          <p:spPr>
-            <a:xfrm>
-              <a:off x="0" y="1193747"/>
-              <a:ext cx="1722563" cy="264978"/>
-            </a:xfrm>
-            <a:prstGeom prst="rect">
-              <a:avLst/>
-            </a:prstGeom>
-            <a:noFill/>
-            <a:ln w="12700" cap="flat">
-              <a:noFill/>
-              <a:miter lim="400000"/>
-            </a:ln>
-            <a:effectLst/>
-            <a:extLst>
-              <a:ext uri="{C572A759-6A51-4108-AA02-DFA0A04FC94B}">
-                <ma14:wrappingTextBoxFlag xmlns="" xmlns:m="http://schemas.openxmlformats.org/officeDocument/2006/math" xmlns:a14="http://schemas.microsoft.com/office/drawing/2010/main" xmlns:ma14="http://schemas.microsoft.com/office/mac/drawingml/2011/main" val="1"/>
-              </a:ext>
-            </a:extLst>
-          </p:spPr>
-          <p:txBody>
-            <a:bodyPr wrap="square" lIns="0" tIns="0" rIns="0" bIns="0" numCol="1" anchor="ctr">
-              <a:noAutofit/>
-            </a:bodyPr>
-            <a:lstStyle>
-              <a:lvl1pPr defTabSz="457200">
-                <a:defRPr sz="900" cap="all" spc="45">
-                  <a:latin typeface="Helvetica Neue Light"/>
-                  <a:ea typeface="Helvetica Neue Light"/>
-                  <a:cs typeface="Helvetica Neue Light"/>
-                  <a:sym typeface="Helvetica Neue Light"/>
-                </a:defRPr>
-              </a:lvl1pPr>
-            </a:lstStyle>
-            <a:p>
-              <a:r>
-                <a:t>Word</a:t>
-              </a:r>
-            </a:p>
-          </p:txBody>
-        </p:sp>
-      </p:grpSp>
       <p:sp>
         <p:nvSpPr>
-          <p:cNvPr id="650" name="Линия"/>
+          <p:cNvPr id="256" name="J"/>
+          <p:cNvSpPr txBox="1"/>
+          <p:nvPr/>
+        </p:nvSpPr>
+        <p:spPr>
+          <a:xfrm>
+            <a:off x="1481485" y="596807"/>
+            <a:ext cx="568404" cy="599369"/>
+          </a:xfrm>
+          <a:prstGeom prst="rect">
+            <a:avLst/>
+          </a:prstGeom>
+          <a:ln w="12700">
+            <a:miter lim="400000"/>
+          </a:ln>
+          <a:extLst>
+            <a:ext uri="{C572A759-6A51-4108-AA02-DFA0A04FC94B}">
+              <ma14:wrappingTextBoxFlag xmlns:ma14="http://schemas.microsoft.com/office/mac/drawingml/2011/main" xmlns:a14="http://schemas.microsoft.com/office/drawing/2010/main" xmlns:m="http://schemas.openxmlformats.org/officeDocument/2006/math" xmlns="" val="1"/>
+            </a:ext>
+          </a:extLst>
+        </p:spPr>
+        <p:txBody>
+          <a:bodyPr lIns="50800" tIns="50800" rIns="50800" bIns="50800" anchor="ctr"/>
+          <a:lstStyle>
+            <a:lvl1pPr defTabSz="457200">
+              <a:defRPr sz="3400" cap="all" spc="1190">
+                <a:solidFill>
+                  <a:srgbClr val="333333"/>
+                </a:solidFill>
+                <a:latin typeface="American Typewriter"/>
+                <a:ea typeface="American Typewriter"/>
+                <a:cs typeface="American Typewriter"/>
+                <a:sym typeface="American Typewriter"/>
+              </a:defRPr>
+            </a:lvl1pPr>
+          </a:lstStyle>
+          <a:p>
+            <a:r>
+              <a:t>J</a:t>
+            </a:r>
+          </a:p>
+        </p:txBody>
+      </p:sp>
+      <p:sp>
+        <p:nvSpPr>
+          <p:cNvPr id="257" name="J"/>
+          <p:cNvSpPr txBox="1"/>
+          <p:nvPr/>
+        </p:nvSpPr>
+        <p:spPr>
+          <a:xfrm>
+            <a:off x="1924015" y="1073708"/>
+            <a:ext cx="568404" cy="599370"/>
+          </a:xfrm>
+          <a:prstGeom prst="rect">
+            <a:avLst/>
+          </a:prstGeom>
+          <a:ln w="12700">
+            <a:miter lim="400000"/>
+          </a:ln>
+          <a:extLst>
+            <a:ext uri="{C572A759-6A51-4108-AA02-DFA0A04FC94B}">
+              <ma14:wrappingTextBoxFlag xmlns:ma14="http://schemas.microsoft.com/office/mac/drawingml/2011/main" xmlns:a14="http://schemas.microsoft.com/office/drawing/2010/main" xmlns:m="http://schemas.openxmlformats.org/officeDocument/2006/math" xmlns="" val="1"/>
+            </a:ext>
+          </a:extLst>
+        </p:spPr>
+        <p:txBody>
+          <a:bodyPr lIns="50800" tIns="50800" rIns="50800" bIns="50800" anchor="ctr"/>
+          <a:lstStyle>
+            <a:lvl1pPr defTabSz="457200">
+              <a:defRPr sz="3400" cap="all" spc="1190">
+                <a:solidFill>
+                  <a:srgbClr val="333333"/>
+                </a:solidFill>
+                <a:latin typeface="American Typewriter"/>
+                <a:ea typeface="American Typewriter"/>
+                <a:cs typeface="American Typewriter"/>
+                <a:sym typeface="American Typewriter"/>
+              </a:defRPr>
+            </a:lvl1pPr>
+          </a:lstStyle>
+          <a:p>
+            <a:r>
+              <a:t>J</a:t>
+            </a:r>
+          </a:p>
+        </p:txBody>
+      </p:sp>
+      <p:sp>
+        <p:nvSpPr>
+          <p:cNvPr id="258" name="Line"/>
+          <p:cNvSpPr/>
+          <p:nvPr/>
+        </p:nvSpPr>
+        <p:spPr>
+          <a:xfrm flipV="1">
+            <a:off x="1536681" y="787657"/>
+            <a:ext cx="712011" cy="712011"/>
+          </a:xfrm>
+          <a:prstGeom prst="line">
+            <a:avLst/>
+          </a:prstGeom>
+          <a:ln w="12700">
+            <a:solidFill>
+              <a:srgbClr val="333333"/>
+            </a:solidFill>
+            <a:miter/>
+          </a:ln>
+        </p:spPr>
+        <p:txBody>
+          <a:bodyPr lIns="51405" tIns="51405" rIns="51405" bIns="51405"/>
+          <a:lstStyle/>
+          <a:p>
+            <a:endParaRPr/>
+          </a:p>
+        </p:txBody>
+      </p:sp>
+      <p:sp>
+        <p:nvSpPr>
+          <p:cNvPr id="259" name="Circle"/>
           <p:cNvSpPr/>
           <p:nvPr/>
         </p:nvSpPr>
         <p:spPr>
           <a:xfrm>
-            <a:off x="735091" y="6855810"/>
-            <a:ext cx="1742712" cy="1"/>
+            <a:off x="1257686" y="506874"/>
+            <a:ext cx="1270001" cy="1270001"/>
           </a:xfrm>
-          <a:prstGeom prst="line">
+          <a:prstGeom prst="ellipse">
             <a:avLst/>
           </a:prstGeom>
-          <a:ln>
+          <a:ln w="12700">
             <a:solidFill>
-              <a:srgbClr val="D5D5D5"/>
+              <a:srgbClr val="333333"/>
             </a:solidFill>
             <a:miter lim="400000"/>
           </a:ln>
         </p:spPr>
         <p:txBody>
-          <a:bodyPr lIns="50800" tIns="50800" rIns="50800" bIns="50800"/>
+          <a:bodyPr lIns="51405" tIns="51405" rIns="51405" bIns="51405" anchor="ctr"/>
           <a:lstStyle/>
           <a:p>
-            <a:pPr defTabSz="457200">
-              <a:defRPr sz="1100">
+            <a:endParaRPr/>
+          </a:p>
+        </p:txBody>
+      </p:sp>
+      <p:sp>
+        <p:nvSpPr>
+          <p:cNvPr id="260" name="Rectangle"/>
+          <p:cNvSpPr txBox="1"/>
+          <p:nvPr/>
+        </p:nvSpPr>
+        <p:spPr>
+          <a:xfrm>
+            <a:off x="7112000" y="-1"/>
+            <a:ext cx="762000" cy="127001"/>
+          </a:xfrm>
+          <a:prstGeom prst="rect">
+            <a:avLst/>
+          </a:prstGeom>
+          <a:solidFill>
+            <a:srgbClr val="CAEEE8"/>
+          </a:solidFill>
+          <a:ln w="12700">
+            <a:miter lim="400000"/>
+          </a:ln>
+        </p:spPr>
+        <p:txBody>
+          <a:bodyPr lIns="50800" tIns="50800" rIns="50800" bIns="50800" anchor="ctr"/>
+          <a:lstStyle/>
+          <a:p>
+            <a:pPr algn="ctr" defTabSz="457200">
+              <a:defRPr sz="1400" cap="all" spc="308">
+                <a:latin typeface="Helvetica Neue Light"/>
+                <a:ea typeface="Helvetica Neue Light"/>
+                <a:cs typeface="Helvetica Neue Light"/>
+                <a:sym typeface="Helvetica Neue Light"/>
+              </a:defRPr>
+            </a:pPr>
+            <a:endParaRPr/>
+          </a:p>
+        </p:txBody>
+      </p:sp>
+      <p:sp>
+        <p:nvSpPr>
+          <p:cNvPr id="261" name="Rectangle"/>
+          <p:cNvSpPr txBox="1"/>
+          <p:nvPr/>
+        </p:nvSpPr>
+        <p:spPr>
+          <a:xfrm rot="16200000">
+            <a:off x="7429293" y="316906"/>
+            <a:ext cx="761614" cy="127801"/>
+          </a:xfrm>
+          <a:prstGeom prst="rect">
+            <a:avLst/>
+          </a:prstGeom>
+          <a:solidFill>
+            <a:srgbClr val="CAEEE8"/>
+          </a:solidFill>
+          <a:ln w="12700">
+            <a:miter lim="400000"/>
+          </a:ln>
+        </p:spPr>
+        <p:txBody>
+          <a:bodyPr lIns="50800" tIns="50800" rIns="50800" bIns="50800" anchor="ctr"/>
+          <a:lstStyle/>
+          <a:p>
+            <a:pPr algn="ctr" defTabSz="457200">
+              <a:defRPr sz="1400" cap="all" spc="308">
+                <a:latin typeface="Helvetica Neue Light"/>
+                <a:ea typeface="Helvetica Neue Light"/>
+                <a:cs typeface="Helvetica Neue Light"/>
+                <a:sym typeface="Helvetica Neue Light"/>
+              </a:defRPr>
+            </a:pPr>
+            <a:endParaRPr/>
+          </a:p>
+        </p:txBody>
+      </p:sp>
+      <p:sp>
+        <p:nvSpPr>
+          <p:cNvPr id="262" name="Managed a portfolio of clients, achieving a 90% client retention rate through proactive relationship management.…"/>
+          <p:cNvSpPr txBox="1"/>
+          <p:nvPr/>
+        </p:nvSpPr>
+        <p:spPr>
+          <a:xfrm>
+            <a:off x="3778978" y="7157024"/>
+            <a:ext cx="3673715" cy="1238897"/>
+          </a:xfrm>
+          <a:prstGeom prst="rect">
+            <a:avLst/>
+          </a:prstGeom>
+          <a:ln w="12700">
+            <a:miter lim="400000"/>
+          </a:ln>
+          <a:extLst>
+            <a:ext uri="{C572A759-6A51-4108-AA02-DFA0A04FC94B}">
+              <ma14:wrappingTextBoxFlag xmlns:ma14="http://schemas.microsoft.com/office/mac/drawingml/2011/main" xmlns:a14="http://schemas.microsoft.com/office/drawing/2010/main" xmlns:m="http://schemas.openxmlformats.org/officeDocument/2006/math" xmlns="" val="1"/>
+            </a:ext>
+          </a:extLst>
+        </p:spPr>
+        <p:txBody>
+          <a:bodyPr lIns="0" tIns="0" rIns="0" bIns="0"/>
+          <a:lstStyle/>
+          <a:p>
+            <a:pPr marL="90236" indent="-90236" algn="just" defTabSz="457200">
+              <a:lnSpc>
+                <a:spcPct val="130000"/>
+              </a:lnSpc>
+              <a:buSzPct val="100000"/>
+              <a:buChar char="•"/>
+              <a:defRPr sz="1000">
+                <a:solidFill>
+                  <a:srgbClr val="333333"/>
+                </a:solidFill>
+                <a:latin typeface="Helvetica Neue Light"/>
+                <a:ea typeface="Helvetica Neue Light"/>
+                <a:cs typeface="Helvetica Neue Light"/>
+                <a:sym typeface="Helvetica Neue Light"/>
+              </a:defRPr>
+            </a:pPr>
+            <a:r>
+              <a:t>Managed a portfolio of clients, achieving a 90% client retention rate through proactive relationship management.</a:t>
+            </a:r>
+          </a:p>
+          <a:p>
+            <a:pPr marL="90236" indent="-90236" algn="just" defTabSz="457200">
+              <a:lnSpc>
+                <a:spcPct val="130000"/>
+              </a:lnSpc>
+              <a:buSzPct val="100000"/>
+              <a:buChar char="•"/>
+              <a:defRPr sz="1000">
+                <a:solidFill>
+                  <a:srgbClr val="333333"/>
+                </a:solidFill>
+                <a:latin typeface="Helvetica Neue Light"/>
+                <a:ea typeface="Helvetica Neue Light"/>
+                <a:cs typeface="Helvetica Neue Light"/>
+                <a:sym typeface="Helvetica Neue Light"/>
+              </a:defRPr>
+            </a:pPr>
+            <a:r>
+              <a:t>Consistently met and exceeded monthly sales targets, ranking as a top performer within the sales team.</a:t>
+            </a:r>
+          </a:p>
+          <a:p>
+            <a:pPr marL="90236" indent="-90236" algn="just" defTabSz="457200">
+              <a:lnSpc>
+                <a:spcPct val="130000"/>
+              </a:lnSpc>
+              <a:buSzPct val="100000"/>
+              <a:buChar char="•"/>
+              <a:defRPr sz="1000">
+                <a:solidFill>
+                  <a:srgbClr val="333333"/>
+                </a:solidFill>
+                <a:latin typeface="Helvetica Neue Light"/>
+                <a:ea typeface="Helvetica Neue Light"/>
+                <a:cs typeface="Helvetica Neue Light"/>
+                <a:sym typeface="Helvetica Neue Light"/>
+              </a:defRPr>
+            </a:pPr>
+            <a:r>
+              <a:t>Participated in industry events and trade shows to network and promote company products.</a:t>
+            </a:r>
+          </a:p>
+        </p:txBody>
+      </p:sp>
+      <p:sp>
+        <p:nvSpPr>
+          <p:cNvPr id="263" name="Sales Representative"/>
+          <p:cNvSpPr txBox="1"/>
+          <p:nvPr/>
+        </p:nvSpPr>
+        <p:spPr>
+          <a:xfrm>
+            <a:off x="3778978" y="6739848"/>
+            <a:ext cx="2465645" cy="164368"/>
+          </a:xfrm>
+          <a:prstGeom prst="rect">
+            <a:avLst/>
+          </a:prstGeom>
+          <a:ln w="12700">
+            <a:miter lim="400000"/>
+          </a:ln>
+          <a:extLst>
+            <a:ext uri="{C572A759-6A51-4108-AA02-DFA0A04FC94B}">
+              <ma14:wrappingTextBoxFlag xmlns:ma14="http://schemas.microsoft.com/office/mac/drawingml/2011/main" xmlns:a14="http://schemas.microsoft.com/office/drawing/2010/main" xmlns:m="http://schemas.openxmlformats.org/officeDocument/2006/math" xmlns="" val="1"/>
+            </a:ext>
+          </a:extLst>
+        </p:spPr>
+        <p:txBody>
+          <a:bodyPr lIns="0" tIns="0" rIns="0" bIns="0"/>
+          <a:lstStyle>
+            <a:lvl1pPr defTabSz="457200">
+              <a:lnSpc>
+                <a:spcPct val="120000"/>
+              </a:lnSpc>
+              <a:defRPr sz="1000" b="1" cap="all" spc="50">
                 <a:latin typeface="Helvetica Neue"/>
                 <a:ea typeface="Helvetica Neue"/>
                 <a:cs typeface="Helvetica Neue"/>
                 <a:sym typeface="Helvetica Neue"/>
               </a:defRPr>
-            </a:pPr>
-            <a:endParaRPr/>
+            </a:lvl1pPr>
+          </a:lstStyle>
+          <a:p>
+            <a:r>
+              <a:t>Sales Representative</a:t>
+            </a:r>
           </a:p>
         </p:txBody>
       </p:sp>
       <p:sp>
         <p:nvSpPr>
-          <p:cNvPr id="651" name="Линия"/>
-          <p:cNvSpPr/>
+          <p:cNvPr id="264" name="XYZ Motors | Citytown | Jan 20XX - April 20XX"/>
+          <p:cNvSpPr txBox="1"/>
           <p:nvPr/>
         </p:nvSpPr>
         <p:spPr>
           <a:xfrm>
-            <a:off x="735091" y="8986031"/>
-            <a:ext cx="1742712" cy="1"/>
+            <a:off x="3778978" y="6940341"/>
+            <a:ext cx="3635687" cy="248396"/>
           </a:xfrm>
-          <a:prstGeom prst="line">
+          <a:prstGeom prst="rect">
             <a:avLst/>
           </a:prstGeom>
-          <a:ln>
-            <a:solidFill>
-              <a:srgbClr val="D5D5D5"/>
-            </a:solidFill>
+          <a:ln w="12700">
             <a:miter lim="400000"/>
           </a:ln>
+          <a:extLst>
+            <a:ext uri="{C572A759-6A51-4108-AA02-DFA0A04FC94B}">
+              <ma14:wrappingTextBoxFlag xmlns:ma14="http://schemas.microsoft.com/office/mac/drawingml/2011/main" xmlns:a14="http://schemas.microsoft.com/office/drawing/2010/main" xmlns:m="http://schemas.openxmlformats.org/officeDocument/2006/math" xmlns="" val="1"/>
+            </a:ext>
+          </a:extLst>
         </p:spPr>
         <p:txBody>
-          <a:bodyPr lIns="50800" tIns="50800" rIns="50800" bIns="50800"/>
-          <a:lstStyle/>
-          <a:p>
-            <a:pPr defTabSz="457200">
-              <a:defRPr sz="1100">
+          <a:bodyPr lIns="0" tIns="0" rIns="0" bIns="0"/>
+          <a:lstStyle>
+            <a:lvl1pPr defTabSz="457200">
+              <a:lnSpc>
+                <a:spcPct val="120000"/>
+              </a:lnSpc>
+              <a:defRPr sz="1000" cap="all">
+                <a:solidFill>
+                  <a:srgbClr val="333333"/>
+                </a:solidFill>
                 <a:latin typeface="Helvetica Neue"/>
                 <a:ea typeface="Helvetica Neue"/>
                 <a:cs typeface="Helvetica Neue"/>
                 <a:sym typeface="Helvetica Neue"/>
               </a:defRPr>
-            </a:pPr>
-            <a:endParaRPr/>
+            </a:lvl1pPr>
+          </a:lstStyle>
+          <a:p>
+            <a:r>
+              <a:t>XYZ Motors | Citytown | Jan 20XX - April 20XX</a:t>
+            </a:r>
           </a:p>
         </p:txBody>
       </p:sp>
